--- a/BATCH_14_RTR_CSD-A.pptx
+++ b/BATCH_14_RTR_CSD-A.pptx
@@ -5,24 +5,26 @@
     <p:sldMasterId id="2147483659" r:id="rId1"/>
   </p:sldMasterIdLst>
   <p:notesMasterIdLst>
-    <p:notesMasterId r:id="rId17"/>
+    <p:notesMasterId r:id="rId19"/>
   </p:notesMasterIdLst>
   <p:sldIdLst>
     <p:sldId id="256" r:id="rId2"/>
     <p:sldId id="257" r:id="rId3"/>
-    <p:sldId id="260" r:id="rId4"/>
-    <p:sldId id="261" r:id="rId5"/>
-    <p:sldId id="262" r:id="rId6"/>
-    <p:sldId id="263" r:id="rId7"/>
-    <p:sldId id="264" r:id="rId8"/>
-    <p:sldId id="265" r:id="rId9"/>
-    <p:sldId id="266" r:id="rId10"/>
-    <p:sldId id="267" r:id="rId11"/>
-    <p:sldId id="271" r:id="rId12"/>
-    <p:sldId id="268" r:id="rId13"/>
-    <p:sldId id="269" r:id="rId14"/>
-    <p:sldId id="270" r:id="rId15"/>
-    <p:sldId id="272" r:id="rId16"/>
+    <p:sldId id="276" r:id="rId4"/>
+    <p:sldId id="260" r:id="rId5"/>
+    <p:sldId id="261" r:id="rId6"/>
+    <p:sldId id="273" r:id="rId7"/>
+    <p:sldId id="274" r:id="rId8"/>
+    <p:sldId id="281" r:id="rId9"/>
+    <p:sldId id="277" r:id="rId10"/>
+    <p:sldId id="278" r:id="rId11"/>
+    <p:sldId id="279" r:id="rId12"/>
+    <p:sldId id="280" r:id="rId13"/>
+    <p:sldId id="263" r:id="rId14"/>
+    <p:sldId id="268" r:id="rId15"/>
+    <p:sldId id="269" r:id="rId16"/>
+    <p:sldId id="270" r:id="rId17"/>
+    <p:sldId id="272" r:id="rId18"/>
   </p:sldIdLst>
   <p:sldSz cx="9144000" cy="6858000" type="screen4x3"/>
   <p:notesSz cx="6858000" cy="9144000"/>
@@ -13988,7 +13990,25 @@
                 </a:solidFill>
                 <a:sym typeface="Arial"/>
               </a:rPr>
-              <a:t>MINI PROJECT REVIEW -0/1/2</a:t>
+              <a:t>MINI PROJECT </a:t>
+            </a:r>
+            <a:r>
+              <a:rPr lang="en-US" sz="2000" b="0" i="0" u="none">
+                <a:solidFill>
+                  <a:srgbClr val="C00000"/>
+                </a:solidFill>
+                <a:sym typeface="Arial"/>
+              </a:rPr>
+              <a:t>REVIEW </a:t>
+            </a:r>
+            <a:r>
+              <a:rPr lang="en-US" sz="2000" b="0" i="0" u="none" smtClean="0">
+                <a:solidFill>
+                  <a:srgbClr val="C00000"/>
+                </a:solidFill>
+                <a:sym typeface="Arial"/>
+              </a:rPr>
+              <a:t>-1</a:t>
             </a:r>
             <a:endParaRPr sz="2000" dirty="0"/>
           </a:p>
@@ -14162,8 +14182,8 @@
         </p:nvSpPr>
         <p:spPr>
           <a:xfrm>
-            <a:off x="457200" y="0"/>
-            <a:ext cx="8229600" cy="770095"/>
+            <a:off x="457200" y="76201"/>
+            <a:ext cx="8229600" cy="628650"/>
           </a:xfrm>
         </p:spPr>
         <p:txBody>
@@ -14171,653 +14191,53 @@
           <a:lstStyle/>
           <a:p>
             <a:r>
-              <a:rPr lang="en-US" sz="2000" b="1" dirty="0" smtClean="0">
-                <a:solidFill>
-                  <a:schemeClr val="dk1"/>
-                </a:solidFill>
-              </a:rPr>
-              <a:t>ALGORITHMS</a:t>
-            </a:r>
-            <a:endParaRPr lang="en-IN" sz="2000" b="1" dirty="0"/>
+              <a:rPr lang="en-US" sz="1800" b="1" dirty="0" smtClean="0">
+                <a:latin typeface="Bookman Old Style" panose="02050604050505020204" pitchFamily="18" charset="0"/>
+                <a:cs typeface="Times New Roman" panose="02020603050405020304" pitchFamily="18" charset="0"/>
+              </a:rPr>
+              <a:t>WORKFLOW</a:t>
+            </a:r>
+            <a:endParaRPr lang="en-IN" sz="1800" b="1" dirty="0">
+              <a:latin typeface="Bookman Old Style" panose="02050604050505020204" pitchFamily="18" charset="0"/>
+              <a:cs typeface="Times New Roman" panose="02020603050405020304" pitchFamily="18" charset="0"/>
+            </a:endParaRPr>
           </a:p>
         </p:txBody>
       </p:sp>
-      <p:sp>
-        <p:nvSpPr>
-          <p:cNvPr id="4" name="Rectangle 1"/>
-          <p:cNvSpPr>
-            <a:spLocks noGrp="1" noChangeArrowheads="1"/>
-          </p:cNvSpPr>
-          <p:nvPr>
-            <p:ph type="body" idx="1"/>
-          </p:nvPr>
-        </p:nvSpPr>
-        <p:spPr bwMode="auto">
+      <p:pic>
+        <p:nvPicPr>
+          <p:cNvPr id="4" name="Picture 3"/>
+          <p:cNvPicPr>
+            <a:picLocks noChangeAspect="1"/>
+          </p:cNvPicPr>
+          <p:nvPr/>
+        </p:nvPicPr>
+        <p:blipFill>
+          <a:blip r:embed="rId2">
+            <a:extLst>
+              <a:ext uri="{28A0092B-C50C-407E-A947-70E740481C1C}">
+                <a14:useLocalDpi xmlns:a14="http://schemas.microsoft.com/office/drawing/2010/main" val="0"/>
+              </a:ext>
+            </a:extLst>
+          </a:blip>
+          <a:stretch>
+            <a:fillRect/>
+          </a:stretch>
+        </p:blipFill>
+        <p:spPr>
           <a:xfrm>
-            <a:off x="323850" y="770095"/>
-            <a:ext cx="8362950" cy="6186309"/>
+            <a:off x="161925" y="1168131"/>
+            <a:ext cx="8982075" cy="5270462"/>
           </a:xfrm>
           <a:prstGeom prst="rect">
             <a:avLst/>
           </a:prstGeom>
-          <a:noFill/>
-          <a:ln>
-            <a:noFill/>
-          </a:ln>
-          <a:effectLst/>
-          <a:extLst>
-            <a:ext uri="{909E8E84-426E-40DD-AFC4-6F175D3DCCD1}">
-              <a14:hiddenFill xmlns:a14="http://schemas.microsoft.com/office/drawing/2010/main">
-                <a:solidFill>
-                  <a:schemeClr val="accent1"/>
-                </a:solidFill>
-              </a14:hiddenFill>
-            </a:ext>
-            <a:ext uri="{91240B29-F687-4F45-9708-019B960494DF}">
-              <a14:hiddenLine xmlns:a14="http://schemas.microsoft.com/office/drawing/2010/main" w="9525">
-                <a:solidFill>
-                  <a:schemeClr val="tx1"/>
-                </a:solidFill>
-                <a:miter lim="800000"/>
-                <a:headEnd/>
-                <a:tailEnd/>
-              </a14:hiddenLine>
-            </a:ext>
-            <a:ext uri="{AF507438-7753-43E0-B8FC-AC1667EBCBE1}">
-              <a14:hiddenEffects xmlns:a14="http://schemas.microsoft.com/office/drawing/2010/main">
-                <a:effectLst>
-                  <a:outerShdw dist="35921" dir="2700000" algn="ctr" rotWithShape="0">
-                    <a:schemeClr val="bg2"/>
-                  </a:outerShdw>
-                </a:effectLst>
-              </a14:hiddenEffects>
-            </a:ext>
-          </a:extLst>
         </p:spPr>
-        <p:txBody>
-          <a:bodyPr vert="horz" wrap="square" lIns="91440" tIns="45720" rIns="91440" bIns="45720" numCol="1" anchor="ctr" anchorCtr="0" compatLnSpc="1">
-            <a:prstTxWarp prst="textNoShape">
-              <a:avLst/>
-            </a:prstTxWarp>
-            <a:spAutoFit/>
-          </a:bodyPr>
-          <a:lstStyle/>
-          <a:p>
-            <a:pPr marL="0" marR="0" lvl="0" indent="0" algn="l" defTabSz="914400" rtl="0" eaLnBrk="0" fontAlgn="base" latinLnBrk="0" hangingPunct="0">
-              <a:lnSpc>
-                <a:spcPct val="100000"/>
-              </a:lnSpc>
-              <a:spcBef>
-                <a:spcPct val="0"/>
-              </a:spcBef>
-              <a:spcAft>
-                <a:spcPct val="0"/>
-              </a:spcAft>
-              <a:buClrTx/>
-              <a:buSzTx/>
-              <a:buFontTx/>
-              <a:buChar char="•"/>
-              <a:tabLst/>
-            </a:pPr>
-            <a:r>
-              <a:rPr kumimoji="0" lang="en-US" altLang="en-US" sz="1800" b="1" i="0" u="none" strike="noStrike" cap="none" normalizeH="0" baseline="0" dirty="0" smtClean="0">
-                <a:ln>
-                  <a:noFill/>
-                </a:ln>
-                <a:solidFill>
-                  <a:schemeClr val="tx1"/>
-                </a:solidFill>
-                <a:effectLst/>
-                <a:latin typeface="Verdana" panose="020B0604030504040204" pitchFamily="34" charset="0"/>
-                <a:ea typeface="Verdana" panose="020B0604030504040204" pitchFamily="34" charset="0"/>
-              </a:rPr>
-              <a:t>LSTM (Long Short-Term Memory)</a:t>
-            </a:r>
-          </a:p>
-          <a:p>
-            <a:pPr marL="0" marR="0" lvl="0" indent="0" algn="l" defTabSz="914400" rtl="0" eaLnBrk="0" fontAlgn="base" latinLnBrk="0" hangingPunct="0">
-              <a:lnSpc>
-                <a:spcPct val="100000"/>
-              </a:lnSpc>
-              <a:spcBef>
-                <a:spcPct val="0"/>
-              </a:spcBef>
-              <a:spcAft>
-                <a:spcPct val="0"/>
-              </a:spcAft>
-              <a:buClrTx/>
-              <a:buSzTx/>
-              <a:buNone/>
-              <a:tabLst/>
-            </a:pPr>
-            <a:r>
-              <a:rPr lang="en-US" altLang="en-US" sz="1800" dirty="0" smtClean="0">
-                <a:solidFill>
-                  <a:schemeClr val="tx1"/>
-                </a:solidFill>
-                <a:latin typeface="Verdana" panose="020B0604030504040204" pitchFamily="34" charset="0"/>
-                <a:ea typeface="Verdana" panose="020B0604030504040204" pitchFamily="34" charset="0"/>
-              </a:rPr>
-              <a:t>    </a:t>
-            </a:r>
-            <a:r>
-              <a:rPr kumimoji="0" lang="en-US" altLang="en-US" sz="1800" i="0" u="none" strike="noStrike" cap="none" normalizeH="0" baseline="0" dirty="0" smtClean="0">
-                <a:ln>
-                  <a:noFill/>
-                </a:ln>
-                <a:solidFill>
-                  <a:schemeClr val="tx1"/>
-                </a:solidFill>
-                <a:effectLst/>
-                <a:latin typeface="Verdana" panose="020B0604030504040204" pitchFamily="34" charset="0"/>
-                <a:ea typeface="Verdana" panose="020B0604030504040204" pitchFamily="34" charset="0"/>
-              </a:rPr>
-              <a:t>A type of neural network good for understanding sequences, like sentences. It helps in learning patterns over long pieces of text.</a:t>
-            </a:r>
-          </a:p>
-          <a:p>
-            <a:pPr marL="0" marR="0" lvl="0" indent="0" algn="l" defTabSz="914400" rtl="0" eaLnBrk="0" fontAlgn="base" latinLnBrk="0" hangingPunct="0">
-              <a:lnSpc>
-                <a:spcPct val="100000"/>
-              </a:lnSpc>
-              <a:spcBef>
-                <a:spcPct val="0"/>
-              </a:spcBef>
-              <a:spcAft>
-                <a:spcPct val="0"/>
-              </a:spcAft>
-              <a:buClrTx/>
-              <a:buSzTx/>
-              <a:buFontTx/>
-              <a:buChar char="•"/>
-              <a:tabLst/>
-            </a:pPr>
-            <a:r>
-              <a:rPr kumimoji="0" lang="en-US" altLang="en-US" sz="1800" i="0" u="none" strike="noStrike" cap="none" normalizeH="0" baseline="0" dirty="0" smtClean="0">
-                <a:ln>
-                  <a:noFill/>
-                </a:ln>
-                <a:solidFill>
-                  <a:schemeClr val="tx1"/>
-                </a:solidFill>
-                <a:effectLst/>
-                <a:latin typeface="Verdana" panose="020B0604030504040204" pitchFamily="34" charset="0"/>
-                <a:ea typeface="Verdana" panose="020B0604030504040204" pitchFamily="34" charset="0"/>
-              </a:rPr>
-              <a:t>CNN (Convolutional Neural Network)</a:t>
-            </a:r>
-          </a:p>
-          <a:p>
-            <a:pPr marL="0" marR="0" lvl="0" indent="0" algn="l" defTabSz="914400" rtl="0" eaLnBrk="0" fontAlgn="base" latinLnBrk="0" hangingPunct="0">
-              <a:lnSpc>
-                <a:spcPct val="100000"/>
-              </a:lnSpc>
-              <a:spcBef>
-                <a:spcPct val="0"/>
-              </a:spcBef>
-              <a:spcAft>
-                <a:spcPct val="0"/>
-              </a:spcAft>
-              <a:buClrTx/>
-              <a:buSzTx/>
-              <a:buNone/>
-              <a:tabLst/>
-            </a:pPr>
-            <a:r>
-              <a:rPr lang="en-US" altLang="en-US" sz="1800" dirty="0">
-                <a:solidFill>
-                  <a:schemeClr val="tx1"/>
-                </a:solidFill>
-                <a:latin typeface="Verdana" panose="020B0604030504040204" pitchFamily="34" charset="0"/>
-                <a:ea typeface="Verdana" panose="020B0604030504040204" pitchFamily="34" charset="0"/>
-              </a:rPr>
-              <a:t> </a:t>
-            </a:r>
-            <a:r>
-              <a:rPr lang="en-US" altLang="en-US" sz="1800" dirty="0" smtClean="0">
-                <a:solidFill>
-                  <a:schemeClr val="tx1"/>
-                </a:solidFill>
-                <a:latin typeface="Verdana" panose="020B0604030504040204" pitchFamily="34" charset="0"/>
-                <a:ea typeface="Verdana" panose="020B0604030504040204" pitchFamily="34" charset="0"/>
-              </a:rPr>
-              <a:t>    </a:t>
-            </a:r>
-            <a:r>
-              <a:rPr kumimoji="0" lang="en-US" altLang="en-US" sz="1800" i="0" u="none" strike="noStrike" cap="none" normalizeH="0" baseline="0" dirty="0" smtClean="0">
-                <a:ln>
-                  <a:noFill/>
-                </a:ln>
-                <a:solidFill>
-                  <a:schemeClr val="tx1"/>
-                </a:solidFill>
-                <a:effectLst/>
-                <a:latin typeface="Verdana" panose="020B0604030504040204" pitchFamily="34" charset="0"/>
-                <a:ea typeface="Verdana" panose="020B0604030504040204" pitchFamily="34" charset="0"/>
-              </a:rPr>
-              <a:t>Often used for images but can also analyze text by treating it like a signal. It helps in picking out important features from the text.</a:t>
-            </a:r>
-          </a:p>
-          <a:p>
-            <a:pPr marL="0" marR="0" lvl="0" indent="0" algn="l" defTabSz="914400" rtl="0" eaLnBrk="0" fontAlgn="base" latinLnBrk="0" hangingPunct="0">
-              <a:lnSpc>
-                <a:spcPct val="100000"/>
-              </a:lnSpc>
-              <a:spcBef>
-                <a:spcPct val="0"/>
-              </a:spcBef>
-              <a:spcAft>
-                <a:spcPct val="0"/>
-              </a:spcAft>
-              <a:buClrTx/>
-              <a:buSzTx/>
-              <a:buFontTx/>
-              <a:buChar char="•"/>
-              <a:tabLst/>
-            </a:pPr>
-            <a:r>
-              <a:rPr kumimoji="0" lang="en-US" altLang="en-US" sz="1800" b="1" i="0" u="none" strike="noStrike" cap="none" normalizeH="0" baseline="0" dirty="0" smtClean="0">
-                <a:ln>
-                  <a:noFill/>
-                </a:ln>
-                <a:solidFill>
-                  <a:schemeClr val="tx1"/>
-                </a:solidFill>
-                <a:effectLst/>
-                <a:latin typeface="Verdana" panose="020B0604030504040204" pitchFamily="34" charset="0"/>
-                <a:ea typeface="Verdana" panose="020B0604030504040204" pitchFamily="34" charset="0"/>
-              </a:rPr>
-              <a:t>SVM (Support Vector Machine)</a:t>
-            </a:r>
-          </a:p>
-          <a:p>
-            <a:pPr marL="0" marR="0" lvl="0" indent="0" algn="l" defTabSz="914400" rtl="0" eaLnBrk="0" fontAlgn="base" latinLnBrk="0" hangingPunct="0">
-              <a:lnSpc>
-                <a:spcPct val="100000"/>
-              </a:lnSpc>
-              <a:spcBef>
-                <a:spcPct val="0"/>
-              </a:spcBef>
-              <a:spcAft>
-                <a:spcPct val="0"/>
-              </a:spcAft>
-              <a:buClrTx/>
-              <a:buSzTx/>
-              <a:buNone/>
-              <a:tabLst/>
-            </a:pPr>
-            <a:r>
-              <a:rPr lang="en-US" altLang="en-US" sz="1800" dirty="0" smtClean="0">
-                <a:solidFill>
-                  <a:schemeClr val="tx1"/>
-                </a:solidFill>
-                <a:latin typeface="Verdana" panose="020B0604030504040204" pitchFamily="34" charset="0"/>
-                <a:ea typeface="Verdana" panose="020B0604030504040204" pitchFamily="34" charset="0"/>
-              </a:rPr>
-              <a:t>     </a:t>
-            </a:r>
-            <a:r>
-              <a:rPr kumimoji="0" lang="en-US" altLang="en-US" sz="1800" i="0" u="none" strike="noStrike" cap="none" normalizeH="0" baseline="0" dirty="0" smtClean="0">
-                <a:ln>
-                  <a:noFill/>
-                </a:ln>
-                <a:solidFill>
-                  <a:schemeClr val="tx1"/>
-                </a:solidFill>
-                <a:effectLst/>
-                <a:latin typeface="Verdana" panose="020B0604030504040204" pitchFamily="34" charset="0"/>
-                <a:ea typeface="Verdana" panose="020B0604030504040204" pitchFamily="34" charset="0"/>
-              </a:rPr>
-              <a:t>A classifier that finds the best line or boundary to separate different classes (like positive or negative texts).</a:t>
-            </a:r>
-          </a:p>
-          <a:p>
-            <a:pPr marL="0" marR="0" lvl="0" indent="0" algn="l" defTabSz="914400" rtl="0" eaLnBrk="0" fontAlgn="base" latinLnBrk="0" hangingPunct="0">
-              <a:lnSpc>
-                <a:spcPct val="100000"/>
-              </a:lnSpc>
-              <a:spcBef>
-                <a:spcPct val="0"/>
-              </a:spcBef>
-              <a:spcAft>
-                <a:spcPct val="0"/>
-              </a:spcAft>
-              <a:buClrTx/>
-              <a:buSzTx/>
-              <a:buFontTx/>
-              <a:buChar char="•"/>
-              <a:tabLst/>
-            </a:pPr>
-            <a:r>
-              <a:rPr kumimoji="0" lang="en-US" altLang="en-US" sz="1800" b="1" i="0" u="none" strike="noStrike" cap="none" normalizeH="0" baseline="0" dirty="0" smtClean="0">
-                <a:ln>
-                  <a:noFill/>
-                </a:ln>
-                <a:solidFill>
-                  <a:schemeClr val="tx1"/>
-                </a:solidFill>
-                <a:effectLst/>
-                <a:latin typeface="Verdana" panose="020B0604030504040204" pitchFamily="34" charset="0"/>
-                <a:ea typeface="Verdana" panose="020B0604030504040204" pitchFamily="34" charset="0"/>
-              </a:rPr>
-              <a:t>KNN (K-Nearest Neighbors)</a:t>
-            </a:r>
-          </a:p>
-          <a:p>
-            <a:pPr marL="0" marR="0" lvl="0" indent="0" algn="l" defTabSz="914400" rtl="0" eaLnBrk="0" fontAlgn="base" latinLnBrk="0" hangingPunct="0">
-              <a:lnSpc>
-                <a:spcPct val="100000"/>
-              </a:lnSpc>
-              <a:spcBef>
-                <a:spcPct val="0"/>
-              </a:spcBef>
-              <a:spcAft>
-                <a:spcPct val="0"/>
-              </a:spcAft>
-              <a:buClrTx/>
-              <a:buSzTx/>
-              <a:buNone/>
-              <a:tabLst/>
-            </a:pPr>
-            <a:r>
-              <a:rPr lang="en-US" altLang="en-US" sz="1800" dirty="0">
-                <a:solidFill>
-                  <a:schemeClr val="tx1"/>
-                </a:solidFill>
-                <a:latin typeface="Verdana" panose="020B0604030504040204" pitchFamily="34" charset="0"/>
-                <a:ea typeface="Verdana" panose="020B0604030504040204" pitchFamily="34" charset="0"/>
-              </a:rPr>
-              <a:t> </a:t>
-            </a:r>
-            <a:r>
-              <a:rPr lang="en-US" altLang="en-US" sz="1800" dirty="0" smtClean="0">
-                <a:solidFill>
-                  <a:schemeClr val="tx1"/>
-                </a:solidFill>
-                <a:latin typeface="Verdana" panose="020B0604030504040204" pitchFamily="34" charset="0"/>
-                <a:ea typeface="Verdana" panose="020B0604030504040204" pitchFamily="34" charset="0"/>
-              </a:rPr>
-              <a:t>    </a:t>
-            </a:r>
-            <a:r>
-              <a:rPr kumimoji="0" lang="en-US" altLang="en-US" sz="1800" i="0" u="none" strike="noStrike" cap="none" normalizeH="0" baseline="0" dirty="0" smtClean="0">
-                <a:ln>
-                  <a:noFill/>
-                </a:ln>
-                <a:solidFill>
-                  <a:schemeClr val="tx1"/>
-                </a:solidFill>
-                <a:effectLst/>
-                <a:latin typeface="Verdana" panose="020B0604030504040204" pitchFamily="34" charset="0"/>
-                <a:ea typeface="Verdana" panose="020B0604030504040204" pitchFamily="34" charset="0"/>
-              </a:rPr>
-              <a:t>Classifies data points based on the closest points to them. It's like saying "you are similar to your neighbors."</a:t>
-            </a:r>
-          </a:p>
-          <a:p>
-            <a:pPr marL="0" marR="0" lvl="0" indent="0" algn="l" defTabSz="914400" rtl="0" eaLnBrk="0" fontAlgn="base" latinLnBrk="0" hangingPunct="0">
-              <a:lnSpc>
-                <a:spcPct val="100000"/>
-              </a:lnSpc>
-              <a:spcBef>
-                <a:spcPct val="0"/>
-              </a:spcBef>
-              <a:spcAft>
-                <a:spcPct val="0"/>
-              </a:spcAft>
-              <a:buClrTx/>
-              <a:buSzTx/>
-              <a:buFontTx/>
-              <a:buChar char="•"/>
-              <a:tabLst/>
-            </a:pPr>
-            <a:r>
-              <a:rPr kumimoji="0" lang="en-US" altLang="en-US" sz="1800" b="1" i="0" u="none" strike="noStrike" cap="none" normalizeH="0" baseline="0" dirty="0" smtClean="0">
-                <a:ln>
-                  <a:noFill/>
-                </a:ln>
-                <a:solidFill>
-                  <a:schemeClr val="tx1"/>
-                </a:solidFill>
-                <a:effectLst/>
-                <a:latin typeface="Verdana" panose="020B0604030504040204" pitchFamily="34" charset="0"/>
-                <a:ea typeface="Verdana" panose="020B0604030504040204" pitchFamily="34" charset="0"/>
-              </a:rPr>
-              <a:t>Naive Bayes</a:t>
-            </a:r>
-          </a:p>
-          <a:p>
-            <a:pPr marL="0" marR="0" lvl="0" indent="0" algn="l" defTabSz="914400" rtl="0" eaLnBrk="0" fontAlgn="base" latinLnBrk="0" hangingPunct="0">
-              <a:lnSpc>
-                <a:spcPct val="100000"/>
-              </a:lnSpc>
-              <a:spcBef>
-                <a:spcPct val="0"/>
-              </a:spcBef>
-              <a:spcAft>
-                <a:spcPct val="0"/>
-              </a:spcAft>
-              <a:buClrTx/>
-              <a:buSzTx/>
-              <a:buNone/>
-              <a:tabLst/>
-            </a:pPr>
-            <a:r>
-              <a:rPr lang="en-US" altLang="en-US" sz="1800" dirty="0">
-                <a:solidFill>
-                  <a:schemeClr val="tx1"/>
-                </a:solidFill>
-                <a:latin typeface="Verdana" panose="020B0604030504040204" pitchFamily="34" charset="0"/>
-                <a:ea typeface="Verdana" panose="020B0604030504040204" pitchFamily="34" charset="0"/>
-              </a:rPr>
-              <a:t> </a:t>
-            </a:r>
-            <a:r>
-              <a:rPr lang="en-US" altLang="en-US" sz="1800" dirty="0" smtClean="0">
-                <a:solidFill>
-                  <a:schemeClr val="tx1"/>
-                </a:solidFill>
-                <a:latin typeface="Verdana" panose="020B0604030504040204" pitchFamily="34" charset="0"/>
-                <a:ea typeface="Verdana" panose="020B0604030504040204" pitchFamily="34" charset="0"/>
-              </a:rPr>
-              <a:t>    </a:t>
-            </a:r>
-            <a:r>
-              <a:rPr kumimoji="0" lang="en-US" altLang="en-US" sz="1800" i="0" u="none" strike="noStrike" cap="none" normalizeH="0" baseline="0" dirty="0" smtClean="0">
-                <a:ln>
-                  <a:noFill/>
-                </a:ln>
-                <a:solidFill>
-                  <a:schemeClr val="tx1"/>
-                </a:solidFill>
-                <a:effectLst/>
-                <a:latin typeface="Verdana" panose="020B0604030504040204" pitchFamily="34" charset="0"/>
-                <a:ea typeface="Verdana" panose="020B0604030504040204" pitchFamily="34" charset="0"/>
-              </a:rPr>
-              <a:t> A simple probabilistic classifier that assumes all features are independent. It's fast and works well for text classification.</a:t>
-            </a:r>
-          </a:p>
-          <a:p>
-            <a:pPr marL="0" marR="0" lvl="0" indent="0" algn="l" defTabSz="914400" rtl="0" eaLnBrk="0" fontAlgn="base" latinLnBrk="0" hangingPunct="0">
-              <a:lnSpc>
-                <a:spcPct val="100000"/>
-              </a:lnSpc>
-              <a:spcBef>
-                <a:spcPct val="0"/>
-              </a:spcBef>
-              <a:spcAft>
-                <a:spcPct val="0"/>
-              </a:spcAft>
-              <a:buClrTx/>
-              <a:buSzTx/>
-              <a:buFontTx/>
-              <a:buChar char="•"/>
-              <a:tabLst/>
-            </a:pPr>
-            <a:r>
-              <a:rPr kumimoji="0" lang="en-US" altLang="en-US" sz="1800" b="1" i="0" u="none" strike="noStrike" cap="none" normalizeH="0" baseline="0" dirty="0" smtClean="0">
-                <a:ln>
-                  <a:noFill/>
-                </a:ln>
-                <a:solidFill>
-                  <a:schemeClr val="tx1"/>
-                </a:solidFill>
-                <a:effectLst/>
-                <a:latin typeface="Verdana" panose="020B0604030504040204" pitchFamily="34" charset="0"/>
-                <a:ea typeface="Verdana" panose="020B0604030504040204" pitchFamily="34" charset="0"/>
-              </a:rPr>
-              <a:t>Decision Tree</a:t>
-            </a:r>
-          </a:p>
-          <a:p>
-            <a:pPr marL="0" marR="0" lvl="0" indent="0" algn="l" defTabSz="914400" rtl="0" eaLnBrk="0" fontAlgn="base" latinLnBrk="0" hangingPunct="0">
-              <a:lnSpc>
-                <a:spcPct val="100000"/>
-              </a:lnSpc>
-              <a:spcBef>
-                <a:spcPct val="0"/>
-              </a:spcBef>
-              <a:spcAft>
-                <a:spcPct val="0"/>
-              </a:spcAft>
-              <a:buClrTx/>
-              <a:buSzTx/>
-              <a:buNone/>
-              <a:tabLst/>
-            </a:pPr>
-            <a:r>
-              <a:rPr lang="en-US" altLang="en-US" sz="1800" dirty="0">
-                <a:solidFill>
-                  <a:schemeClr val="tx1"/>
-                </a:solidFill>
-                <a:latin typeface="Verdana" panose="020B0604030504040204" pitchFamily="34" charset="0"/>
-                <a:ea typeface="Verdana" panose="020B0604030504040204" pitchFamily="34" charset="0"/>
-              </a:rPr>
-              <a:t> </a:t>
-            </a:r>
-            <a:r>
-              <a:rPr lang="en-US" altLang="en-US" sz="1800" dirty="0" smtClean="0">
-                <a:solidFill>
-                  <a:schemeClr val="tx1"/>
-                </a:solidFill>
-                <a:latin typeface="Verdana" panose="020B0604030504040204" pitchFamily="34" charset="0"/>
-                <a:ea typeface="Verdana" panose="020B0604030504040204" pitchFamily="34" charset="0"/>
-              </a:rPr>
-              <a:t>    </a:t>
-            </a:r>
-            <a:r>
-              <a:rPr kumimoji="0" lang="en-US" altLang="en-US" sz="1800" i="0" u="none" strike="noStrike" cap="none" normalizeH="0" baseline="0" dirty="0" smtClean="0">
-                <a:ln>
-                  <a:noFill/>
-                </a:ln>
-                <a:solidFill>
-                  <a:schemeClr val="tx1"/>
-                </a:solidFill>
-                <a:effectLst/>
-                <a:latin typeface="Verdana" panose="020B0604030504040204" pitchFamily="34" charset="0"/>
-                <a:ea typeface="Verdana" panose="020B0604030504040204" pitchFamily="34" charset="0"/>
-              </a:rPr>
-              <a:t> A tree-like model of decisions. Each node represents a decision point based on a feature, leading to a final classification.</a:t>
-            </a:r>
-          </a:p>
-          <a:p>
-            <a:pPr marL="0" marR="0" lvl="0" indent="0" algn="l" defTabSz="914400" rtl="0" eaLnBrk="0" fontAlgn="base" latinLnBrk="0" hangingPunct="0">
-              <a:lnSpc>
-                <a:spcPct val="100000"/>
-              </a:lnSpc>
-              <a:spcBef>
-                <a:spcPct val="0"/>
-              </a:spcBef>
-              <a:spcAft>
-                <a:spcPct val="0"/>
-              </a:spcAft>
-              <a:buClrTx/>
-              <a:buSzTx/>
-              <a:buFontTx/>
-              <a:buChar char="•"/>
-              <a:tabLst/>
-            </a:pPr>
-            <a:r>
-              <a:rPr kumimoji="0" lang="en-US" altLang="en-US" sz="1800" i="0" u="none" strike="noStrike" cap="none" normalizeH="0" baseline="0" dirty="0" smtClean="0">
-                <a:ln>
-                  <a:noFill/>
-                </a:ln>
-                <a:solidFill>
-                  <a:schemeClr val="tx1"/>
-                </a:solidFill>
-                <a:effectLst/>
-                <a:latin typeface="Verdana" panose="020B0604030504040204" pitchFamily="34" charset="0"/>
-                <a:ea typeface="Verdana" panose="020B0604030504040204" pitchFamily="34" charset="0"/>
-              </a:rPr>
-              <a:t>Random Forest</a:t>
-            </a:r>
-          </a:p>
-          <a:p>
-            <a:pPr marL="0" marR="0" lvl="0" indent="0" algn="l" defTabSz="914400" rtl="0" eaLnBrk="0" fontAlgn="base" latinLnBrk="0" hangingPunct="0">
-              <a:lnSpc>
-                <a:spcPct val="100000"/>
-              </a:lnSpc>
-              <a:spcBef>
-                <a:spcPct val="0"/>
-              </a:spcBef>
-              <a:spcAft>
-                <a:spcPct val="0"/>
-              </a:spcAft>
-              <a:buClrTx/>
-              <a:buSzTx/>
-              <a:buNone/>
-              <a:tabLst/>
-            </a:pPr>
-            <a:r>
-              <a:rPr kumimoji="0" lang="en-US" altLang="en-US" sz="1800" i="0" u="none" strike="noStrike" cap="none" normalizeH="0" baseline="0" dirty="0" smtClean="0">
-                <a:ln>
-                  <a:noFill/>
-                </a:ln>
-                <a:solidFill>
-                  <a:schemeClr val="tx1"/>
-                </a:solidFill>
-                <a:effectLst/>
-                <a:latin typeface="Verdana" panose="020B0604030504040204" pitchFamily="34" charset="0"/>
-                <a:ea typeface="Verdana" panose="020B0604030504040204" pitchFamily="34" charset="0"/>
-              </a:rPr>
-              <a:t>An ensemble method that builds multiple decision trees and averages their results. It improves accuracy and reduces overfitting.</a:t>
-            </a:r>
-          </a:p>
-          <a:p>
-            <a:pPr marL="0" marR="0" lvl="0" indent="0" algn="l" defTabSz="914400" rtl="0" eaLnBrk="0" fontAlgn="base" latinLnBrk="0" hangingPunct="0">
-              <a:lnSpc>
-                <a:spcPct val="100000"/>
-              </a:lnSpc>
-              <a:spcBef>
-                <a:spcPct val="0"/>
-              </a:spcBef>
-              <a:spcAft>
-                <a:spcPct val="0"/>
-              </a:spcAft>
-              <a:buClrTx/>
-              <a:buSzTx/>
-              <a:buFontTx/>
-              <a:buNone/>
-              <a:tabLst/>
-            </a:pPr>
-            <a:endParaRPr kumimoji="0" lang="en-US" altLang="en-US" sz="1800" i="0" u="none" strike="noStrike" cap="none" normalizeH="0" baseline="0" dirty="0" smtClean="0">
-              <a:ln>
-                <a:noFill/>
-              </a:ln>
-              <a:solidFill>
-                <a:schemeClr val="tx1"/>
-              </a:solidFill>
-              <a:effectLst/>
-              <a:latin typeface="Verdana" panose="020B0604030504040204" pitchFamily="34" charset="0"/>
-              <a:ea typeface="Verdana" panose="020B0604030504040204" pitchFamily="34" charset="0"/>
-            </a:endParaRPr>
-          </a:p>
-        </p:txBody>
-      </p:sp>
+      </p:pic>
     </p:spTree>
     <p:extLst>
       <p:ext uri="{BB962C8B-B14F-4D97-AF65-F5344CB8AC3E}">
-        <p14:creationId xmlns:p14="http://schemas.microsoft.com/office/powerpoint/2010/main" val="3592417927"/>
+        <p14:creationId xmlns:p14="http://schemas.microsoft.com/office/powerpoint/2010/main" val="3531577896"/>
       </p:ext>
     </p:extLst>
   </p:cSld>
@@ -14861,597 +14281,198 @@
             <p:ph type="title"/>
           </p:nvPr>
         </p:nvSpPr>
+        <p:spPr/>
+        <p:txBody>
+          <a:bodyPr/>
+          <a:lstStyle/>
+          <a:p>
+            <a:r>
+              <a:rPr lang="en-US" sz="2000" b="1" dirty="0" smtClean="0">
+                <a:latin typeface="Bookman Old Style" panose="02050604050505020204" pitchFamily="18" charset="0"/>
+                <a:cs typeface="Times New Roman" panose="02020603050405020304" pitchFamily="18" charset="0"/>
+              </a:rPr>
+              <a:t>LITERATURE SURVEY</a:t>
+            </a:r>
+            <a:endParaRPr lang="en-IN" sz="2000" b="1" dirty="0">
+              <a:latin typeface="Bookman Old Style" panose="02050604050505020204" pitchFamily="18" charset="0"/>
+              <a:cs typeface="Times New Roman" panose="02020603050405020304" pitchFamily="18" charset="0"/>
+            </a:endParaRPr>
+          </a:p>
+        </p:txBody>
+      </p:sp>
+      <p:sp>
+        <p:nvSpPr>
+          <p:cNvPr id="3" name="Text Placeholder 2"/>
+          <p:cNvSpPr>
+            <a:spLocks noGrp="1"/>
+          </p:cNvSpPr>
+          <p:nvPr>
+            <p:ph type="body" idx="1"/>
+          </p:nvPr>
+        </p:nvSpPr>
         <p:spPr>
           <a:xfrm>
-            <a:off x="457200" y="274637"/>
-            <a:ext cx="8229600" cy="868363"/>
+            <a:off x="457200" y="1417637"/>
+            <a:ext cx="8229600" cy="4526100"/>
           </a:xfrm>
         </p:spPr>
         <p:txBody>
           <a:bodyPr/>
           <a:lstStyle/>
           <a:p>
-            <a:r>
-              <a:rPr lang="en-IN" dirty="0"/>
-              <a:t>Methodologies</a:t>
+            <a:pPr marL="114300" indent="0" algn="ctr">
+              <a:buNone/>
+            </a:pPr>
+            <a:r>
+              <a:rPr lang="en-IN" sz="1800" b="1" dirty="0" smtClean="0">
+                <a:latin typeface="Bookman Old Style" panose="02050604050505020204" pitchFamily="18" charset="0"/>
+                <a:ea typeface="Verdana" panose="020B0604030504040204" pitchFamily="34" charset="0"/>
+              </a:rPr>
+              <a:t>A.DEEP </a:t>
+            </a:r>
+            <a:r>
+              <a:rPr lang="en-IN" sz="1800" b="1" dirty="0">
+                <a:latin typeface="Bookman Old Style" panose="02050604050505020204" pitchFamily="18" charset="0"/>
+                <a:ea typeface="Verdana" panose="020B0604030504040204" pitchFamily="34" charset="0"/>
+              </a:rPr>
+              <a:t>LEARNING-BASED INTRUSION </a:t>
+            </a:r>
+            <a:r>
+              <a:rPr lang="en-IN" sz="1800" b="1" dirty="0" smtClean="0">
+                <a:latin typeface="Bookman Old Style" panose="02050604050505020204" pitchFamily="18" charset="0"/>
+                <a:ea typeface="Verdana" panose="020B0604030504040204" pitchFamily="34" charset="0"/>
+              </a:rPr>
+              <a:t>DETECTION</a:t>
             </a:r>
           </a:p>
-        </p:txBody>
-      </p:sp>
-      <p:sp>
-        <p:nvSpPr>
-          <p:cNvPr id="4" name="Rectangle 1"/>
-          <p:cNvSpPr>
-            <a:spLocks noGrp="1" noChangeArrowheads="1"/>
-          </p:cNvSpPr>
-          <p:nvPr>
-            <p:ph type="body" idx="1"/>
-          </p:nvPr>
-        </p:nvSpPr>
-        <p:spPr bwMode="auto">
-          <a:xfrm>
-            <a:off x="209550" y="1462592"/>
-            <a:ext cx="8782050" cy="4801314"/>
-          </a:xfrm>
-          <a:prstGeom prst="rect">
-            <a:avLst/>
-          </a:prstGeom>
-          <a:noFill/>
-          <a:ln>
-            <a:noFill/>
-          </a:ln>
-          <a:effectLst/>
-          <a:extLst>
-            <a:ext uri="{909E8E84-426E-40DD-AFC4-6F175D3DCCD1}">
-              <a14:hiddenFill xmlns:a14="http://schemas.microsoft.com/office/drawing/2010/main">
-                <a:solidFill>
-                  <a:schemeClr val="accent1"/>
-                </a:solidFill>
-              </a14:hiddenFill>
-            </a:ext>
-            <a:ext uri="{91240B29-F687-4F45-9708-019B960494DF}">
-              <a14:hiddenLine xmlns:a14="http://schemas.microsoft.com/office/drawing/2010/main" w="9525">
-                <a:solidFill>
-                  <a:schemeClr val="tx1"/>
-                </a:solidFill>
-                <a:miter lim="800000"/>
-                <a:headEnd/>
-                <a:tailEnd/>
-              </a14:hiddenLine>
-            </a:ext>
-            <a:ext uri="{AF507438-7753-43E0-B8FC-AC1667EBCBE1}">
-              <a14:hiddenEffects xmlns:a14="http://schemas.microsoft.com/office/drawing/2010/main">
-                <a:effectLst>
-                  <a:outerShdw dist="35921" dir="2700000" algn="ctr" rotWithShape="0">
-                    <a:schemeClr val="bg2"/>
-                  </a:outerShdw>
-                </a:effectLst>
-              </a14:hiddenEffects>
-            </a:ext>
-          </a:extLst>
-        </p:spPr>
-        <p:txBody>
-          <a:bodyPr vert="horz" wrap="square" lIns="91440" tIns="45720" rIns="91440" bIns="45720" numCol="1" anchor="ctr" anchorCtr="0" compatLnSpc="1">
-            <a:prstTxWarp prst="textNoShape">
-              <a:avLst/>
-            </a:prstTxWarp>
-            <a:spAutoFit/>
-          </a:bodyPr>
-          <a:lstStyle/>
           <a:p>
-            <a:pPr marL="0" marR="0" lvl="0" indent="0" algn="l" defTabSz="914400" rtl="0" eaLnBrk="0" fontAlgn="base" latinLnBrk="0" hangingPunct="0">
-              <a:lnSpc>
-                <a:spcPct val="100000"/>
-              </a:lnSpc>
-              <a:spcBef>
-                <a:spcPct val="0"/>
-              </a:spcBef>
-              <a:spcAft>
-                <a:spcPct val="0"/>
-              </a:spcAft>
-              <a:buClrTx/>
-              <a:buSzTx/>
-              <a:buFontTx/>
-              <a:buChar char="•"/>
-              <a:tabLst/>
+            <a:pPr marL="114300" indent="0">
+              <a:buNone/>
             </a:pPr>
             <a:r>
-              <a:rPr kumimoji="0" lang="en-US" altLang="en-US" sz="1800" b="1" i="0" u="none" strike="noStrike" cap="none" normalizeH="0" baseline="0" dirty="0" smtClean="0">
-                <a:ln>
-                  <a:noFill/>
-                </a:ln>
-                <a:solidFill>
-                  <a:schemeClr val="tx1"/>
-                </a:solidFill>
-                <a:effectLst/>
-                <a:latin typeface="Verdana" panose="020B0604030504040204" pitchFamily="34" charset="0"/>
-                <a:ea typeface="Verdana" panose="020B0604030504040204" pitchFamily="34" charset="0"/>
-              </a:rPr>
-              <a:t>Data Preprocessing</a:t>
-            </a:r>
-            <a:endParaRPr kumimoji="0" lang="en-US" altLang="en-US" sz="1800" b="0" i="0" u="none" strike="noStrike" cap="none" normalizeH="0" baseline="0" dirty="0" smtClean="0">
-              <a:ln>
-                <a:noFill/>
-              </a:ln>
-              <a:solidFill>
-                <a:schemeClr val="tx1"/>
-              </a:solidFill>
-              <a:effectLst/>
+              <a:rPr lang="en-US" sz="1600" b="1" dirty="0" smtClean="0">
+                <a:latin typeface="Verdana" panose="020B0604030504040204" pitchFamily="34" charset="0"/>
+                <a:ea typeface="Verdana" panose="020B0604030504040204" pitchFamily="34" charset="0"/>
+              </a:rPr>
+              <a:t>AUTHOR: </a:t>
+            </a:r>
+            <a:r>
+              <a:rPr lang="en-US" sz="1600" dirty="0" err="1" smtClean="0">
+                <a:latin typeface="Verdana" panose="020B0604030504040204" pitchFamily="34" charset="0"/>
+                <a:ea typeface="Verdana" panose="020B0604030504040204" pitchFamily="34" charset="0"/>
+              </a:rPr>
+              <a:t>Naseer</a:t>
+            </a:r>
+            <a:r>
+              <a:rPr lang="en-US" sz="1600" dirty="0" smtClean="0">
+                <a:latin typeface="Verdana" panose="020B0604030504040204" pitchFamily="34" charset="0"/>
+                <a:ea typeface="Verdana" panose="020B0604030504040204" pitchFamily="34" charset="0"/>
+              </a:rPr>
+              <a:t> et al</a:t>
+            </a:r>
+          </a:p>
+          <a:p>
+            <a:pPr marL="114300" indent="0">
+              <a:buNone/>
+            </a:pPr>
+            <a:r>
+              <a:rPr lang="en-US" sz="1600" dirty="0" smtClean="0">
+                <a:latin typeface="Verdana" panose="020B0604030504040204" pitchFamily="34" charset="0"/>
+                <a:ea typeface="Verdana" panose="020B0604030504040204" pitchFamily="34" charset="0"/>
+              </a:rPr>
+              <a:t> [1]proposed</a:t>
+            </a:r>
+            <a:r>
+              <a:rPr lang="en-US" sz="1600" dirty="0">
+                <a:latin typeface="Verdana" panose="020B0604030504040204" pitchFamily="34" charset="0"/>
+                <a:ea typeface="Verdana" panose="020B0604030504040204" pitchFamily="34" charset="0"/>
+              </a:rPr>
+              <a:t>, implemented and trained intrusion detection models using different deep neural network architectures including CNNs, </a:t>
+            </a:r>
+            <a:r>
+              <a:rPr lang="en-US" sz="1600" dirty="0" err="1">
+                <a:latin typeface="Verdana" panose="020B0604030504040204" pitchFamily="34" charset="0"/>
+                <a:ea typeface="Verdana" panose="020B0604030504040204" pitchFamily="34" charset="0"/>
+              </a:rPr>
+              <a:t>Autoencoders</a:t>
+            </a:r>
+            <a:r>
+              <a:rPr lang="en-US" sz="1600" dirty="0">
+                <a:latin typeface="Verdana" panose="020B0604030504040204" pitchFamily="34" charset="0"/>
+                <a:ea typeface="Verdana" panose="020B0604030504040204" pitchFamily="34" charset="0"/>
+              </a:rPr>
+              <a:t>, and RNNs. These models were trained on the NSLKDD training dataset and evaluated on both test datasets provided by NSLKDD. DCNN and LSTM models showed a performance of 85% and 89% accuracy, respectively, on test dataset</a:t>
+            </a:r>
+            <a:r>
+              <a:rPr lang="en-US" sz="1600" dirty="0" smtClean="0">
+                <a:latin typeface="Verdana" panose="020B0604030504040204" pitchFamily="34" charset="0"/>
+                <a:ea typeface="Verdana" panose="020B0604030504040204" pitchFamily="34" charset="0"/>
+              </a:rPr>
+              <a:t>.</a:t>
+            </a:r>
+          </a:p>
+          <a:p>
+            <a:pPr marL="114300" indent="0">
+              <a:buNone/>
+            </a:pPr>
+            <a:r>
+              <a:rPr lang="en-US" sz="1600" b="1" dirty="0" smtClean="0">
+                <a:latin typeface="Verdana" panose="020B0604030504040204" pitchFamily="34" charset="0"/>
+                <a:ea typeface="Verdana" panose="020B0604030504040204" pitchFamily="34" charset="0"/>
+              </a:rPr>
+              <a:t>AUTHOR: </a:t>
+            </a:r>
+            <a:r>
+              <a:rPr lang="en-US" sz="1600" dirty="0" smtClean="0">
+                <a:latin typeface="Verdana" panose="020B0604030504040204" pitchFamily="34" charset="0"/>
+                <a:ea typeface="Verdana" panose="020B0604030504040204" pitchFamily="34" charset="0"/>
+              </a:rPr>
+              <a:t>Wang </a:t>
+            </a:r>
+            <a:r>
+              <a:rPr lang="en-US" sz="1600" dirty="0">
+                <a:latin typeface="Verdana" panose="020B0604030504040204" pitchFamily="34" charset="0"/>
+                <a:ea typeface="Verdana" panose="020B0604030504040204" pitchFamily="34" charset="0"/>
+              </a:rPr>
+              <a:t>et </a:t>
+            </a:r>
+            <a:r>
+              <a:rPr lang="en-US" sz="1600" dirty="0" smtClean="0">
+                <a:latin typeface="Verdana" panose="020B0604030504040204" pitchFamily="34" charset="0"/>
+                <a:ea typeface="Verdana" panose="020B0604030504040204" pitchFamily="34" charset="0"/>
+              </a:rPr>
+              <a:t>al</a:t>
+            </a:r>
+          </a:p>
+          <a:p>
+            <a:pPr marL="114300" indent="0">
+              <a:buNone/>
+            </a:pPr>
+            <a:r>
+              <a:rPr lang="en-US" sz="1600" dirty="0" smtClean="0">
+                <a:latin typeface="Verdana" panose="020B0604030504040204" pitchFamily="34" charset="0"/>
+                <a:ea typeface="Verdana" panose="020B0604030504040204" pitchFamily="34" charset="0"/>
+              </a:rPr>
+              <a:t>[2] </a:t>
+            </a:r>
+            <a:r>
+              <a:rPr lang="en-US" sz="1600" dirty="0">
+                <a:latin typeface="Verdana" panose="020B0604030504040204" pitchFamily="34" charset="0"/>
+                <a:ea typeface="Verdana" panose="020B0604030504040204" pitchFamily="34" charset="0"/>
+              </a:rPr>
+              <a:t>proposed a hierarchical spatial and temporal features-based intrusion detection system (HAST-IDS) that automatically learns network traffic features. The main idea is that the spatial features of network traffic are first learned using deep CNNs and then learns the temporal features are learned LSTM networks. The experiments were conducted by DARPA and ISCX datasets. </a:t>
+            </a:r>
+            <a:endParaRPr lang="en-US" sz="1600" dirty="0" smtClean="0">
               <a:latin typeface="Verdana" panose="020B0604030504040204" pitchFamily="34" charset="0"/>
               <a:ea typeface="Verdana" panose="020B0604030504040204" pitchFamily="34" charset="0"/>
             </a:endParaRPr>
-          </a:p>
-          <a:p>
-            <a:pPr marL="0" marR="0" lvl="0" indent="0" algn="l" defTabSz="914400" rtl="0" eaLnBrk="0" fontAlgn="base" latinLnBrk="0" hangingPunct="0">
-              <a:lnSpc>
-                <a:spcPct val="100000"/>
-              </a:lnSpc>
-              <a:spcBef>
-                <a:spcPct val="0"/>
-              </a:spcBef>
-              <a:spcAft>
-                <a:spcPct val="0"/>
-              </a:spcAft>
-              <a:buClrTx/>
-              <a:buSzTx/>
-              <a:buNone/>
-              <a:tabLst/>
-            </a:pPr>
-            <a:r>
-              <a:rPr kumimoji="0" lang="en-US" altLang="en-US" sz="1800" b="0" i="0" u="none" strike="noStrike" cap="none" normalizeH="0" baseline="0" dirty="0" smtClean="0">
-                <a:ln>
-                  <a:noFill/>
-                </a:ln>
-                <a:solidFill>
-                  <a:schemeClr val="tx1"/>
-                </a:solidFill>
-                <a:effectLst/>
-                <a:latin typeface="Verdana" panose="020B0604030504040204" pitchFamily="34" charset="0"/>
-                <a:ea typeface="Verdana" panose="020B0604030504040204" pitchFamily="34" charset="0"/>
-              </a:rPr>
-              <a:t>     Converting text data into numerical data that models can understand using ‘</a:t>
-            </a:r>
-            <a:r>
-              <a:rPr kumimoji="0" lang="en-US" altLang="en-US" sz="1800" b="0" i="0" u="none" strike="noStrike" cap="none" normalizeH="0" baseline="0" dirty="0" err="1" smtClean="0">
-                <a:ln>
-                  <a:noFill/>
-                </a:ln>
-                <a:solidFill>
-                  <a:schemeClr val="tx1"/>
-                </a:solidFill>
-                <a:effectLst/>
-                <a:latin typeface="Verdana" panose="020B0604030504040204" pitchFamily="34" charset="0"/>
-                <a:ea typeface="Verdana" panose="020B0604030504040204" pitchFamily="34" charset="0"/>
-              </a:rPr>
-              <a:t>CountVectorizer</a:t>
-            </a:r>
-            <a:r>
-              <a:rPr kumimoji="0" lang="en-US" altLang="en-US" sz="1800" b="0" i="0" u="none" strike="noStrike" cap="none" normalizeH="0" baseline="0" dirty="0" smtClean="0">
-                <a:ln>
-                  <a:noFill/>
-                </a:ln>
-                <a:solidFill>
-                  <a:schemeClr val="tx1"/>
-                </a:solidFill>
-                <a:effectLst/>
-                <a:latin typeface="Verdana" panose="020B0604030504040204" pitchFamily="34" charset="0"/>
-                <a:ea typeface="Verdana" panose="020B0604030504040204" pitchFamily="34" charset="0"/>
-              </a:rPr>
-              <a:t>’.</a:t>
-            </a:r>
-          </a:p>
-          <a:p>
-            <a:pPr marL="0" marR="0" lvl="0" indent="0" algn="l" defTabSz="914400" rtl="0" eaLnBrk="0" fontAlgn="base" latinLnBrk="0" hangingPunct="0">
-              <a:lnSpc>
-                <a:spcPct val="100000"/>
-              </a:lnSpc>
-              <a:spcBef>
-                <a:spcPct val="0"/>
-              </a:spcBef>
-              <a:spcAft>
-                <a:spcPct val="0"/>
-              </a:spcAft>
-              <a:buClrTx/>
-              <a:buSzTx/>
-              <a:buFontTx/>
-              <a:buChar char="•"/>
-              <a:tabLst/>
-            </a:pPr>
-            <a:r>
-              <a:rPr kumimoji="0" lang="en-US" altLang="en-US" sz="1800" b="1" i="0" u="none" strike="noStrike" cap="none" normalizeH="0" baseline="0" dirty="0" smtClean="0">
-                <a:ln>
-                  <a:noFill/>
-                </a:ln>
-                <a:solidFill>
-                  <a:schemeClr val="tx1"/>
-                </a:solidFill>
-                <a:effectLst/>
-                <a:latin typeface="Verdana" panose="020B0604030504040204" pitchFamily="34" charset="0"/>
-                <a:ea typeface="Verdana" panose="020B0604030504040204" pitchFamily="34" charset="0"/>
-              </a:rPr>
-              <a:t>Train-Test Split</a:t>
-            </a:r>
-            <a:endParaRPr kumimoji="0" lang="en-US" altLang="en-US" sz="1800" b="0" i="0" u="none" strike="noStrike" cap="none" normalizeH="0" baseline="0" dirty="0" smtClean="0">
-              <a:ln>
-                <a:noFill/>
-              </a:ln>
-              <a:solidFill>
-                <a:schemeClr val="tx1"/>
-              </a:solidFill>
-              <a:effectLst/>
-              <a:latin typeface="Verdana" panose="020B0604030504040204" pitchFamily="34" charset="0"/>
-              <a:ea typeface="Verdana" panose="020B0604030504040204" pitchFamily="34" charset="0"/>
-            </a:endParaRPr>
-          </a:p>
-          <a:p>
-            <a:pPr marL="0" marR="0" lvl="0" indent="0" algn="l" defTabSz="914400" rtl="0" eaLnBrk="0" fontAlgn="base" latinLnBrk="0" hangingPunct="0">
-              <a:lnSpc>
-                <a:spcPct val="100000"/>
-              </a:lnSpc>
-              <a:spcBef>
-                <a:spcPct val="0"/>
-              </a:spcBef>
-              <a:spcAft>
-                <a:spcPct val="0"/>
-              </a:spcAft>
-              <a:buClrTx/>
-              <a:buSzTx/>
-              <a:buNone/>
-              <a:tabLst/>
-            </a:pPr>
-            <a:r>
-              <a:rPr kumimoji="0" lang="en-US" altLang="en-US" sz="1800" b="0" i="0" u="none" strike="noStrike" cap="none" normalizeH="0" baseline="0" dirty="0" smtClean="0">
-                <a:ln>
-                  <a:noFill/>
-                </a:ln>
-                <a:solidFill>
-                  <a:schemeClr val="tx1"/>
-                </a:solidFill>
-                <a:effectLst/>
-                <a:latin typeface="Verdana" panose="020B0604030504040204" pitchFamily="34" charset="0"/>
-                <a:ea typeface="Verdana" panose="020B0604030504040204" pitchFamily="34" charset="0"/>
-              </a:rPr>
-              <a:t>      Splitting the dataset into two parts: one for training the models and one for testing their performance.</a:t>
-            </a:r>
-          </a:p>
-          <a:p>
-            <a:pPr marL="0" marR="0" lvl="0" indent="0" algn="l" defTabSz="914400" rtl="0" eaLnBrk="0" fontAlgn="base" latinLnBrk="0" hangingPunct="0">
-              <a:lnSpc>
-                <a:spcPct val="100000"/>
-              </a:lnSpc>
-              <a:spcBef>
-                <a:spcPct val="0"/>
-              </a:spcBef>
-              <a:spcAft>
-                <a:spcPct val="0"/>
-              </a:spcAft>
-              <a:buClrTx/>
-              <a:buSzTx/>
-              <a:buFontTx/>
-              <a:buChar char="•"/>
-              <a:tabLst/>
-            </a:pPr>
-            <a:r>
-              <a:rPr kumimoji="0" lang="en-US" altLang="en-US" sz="1800" b="1" i="0" u="none" strike="noStrike" cap="none" normalizeH="0" baseline="0" dirty="0" smtClean="0">
-                <a:ln>
-                  <a:noFill/>
-                </a:ln>
-                <a:solidFill>
-                  <a:schemeClr val="tx1"/>
-                </a:solidFill>
-                <a:effectLst/>
-                <a:latin typeface="Verdana" panose="020B0604030504040204" pitchFamily="34" charset="0"/>
-                <a:ea typeface="Verdana" panose="020B0604030504040204" pitchFamily="34" charset="0"/>
-              </a:rPr>
-              <a:t>Performance Metrics</a:t>
-            </a:r>
-            <a:endParaRPr kumimoji="0" lang="en-US" altLang="en-US" sz="1800" b="0" i="0" u="none" strike="noStrike" cap="none" normalizeH="0" baseline="0" dirty="0" smtClean="0">
-              <a:ln>
-                <a:noFill/>
-              </a:ln>
-              <a:solidFill>
-                <a:schemeClr val="tx1"/>
-              </a:solidFill>
-              <a:effectLst/>
-              <a:latin typeface="Verdana" panose="020B0604030504040204" pitchFamily="34" charset="0"/>
-              <a:ea typeface="Verdana" panose="020B0604030504040204" pitchFamily="34" charset="0"/>
-            </a:endParaRPr>
-          </a:p>
-          <a:p>
-            <a:pPr marL="0" marR="0" lvl="0" indent="0" algn="l" defTabSz="914400" rtl="0" eaLnBrk="0" fontAlgn="base" latinLnBrk="0" hangingPunct="0">
-              <a:lnSpc>
-                <a:spcPct val="100000"/>
-              </a:lnSpc>
-              <a:spcBef>
-                <a:spcPct val="0"/>
-              </a:spcBef>
-              <a:spcAft>
-                <a:spcPct val="0"/>
-              </a:spcAft>
-              <a:buClrTx/>
-              <a:buSzTx/>
-              <a:buNone/>
-              <a:tabLst/>
-            </a:pPr>
-            <a:r>
-              <a:rPr kumimoji="0" lang="en-US" altLang="en-US" sz="1800" b="0" i="0" u="none" strike="noStrike" cap="none" normalizeH="0" baseline="0" dirty="0" smtClean="0">
-                <a:ln>
-                  <a:noFill/>
-                </a:ln>
-                <a:solidFill>
-                  <a:schemeClr val="tx1"/>
-                </a:solidFill>
-                <a:effectLst/>
-                <a:latin typeface="Verdana" panose="020B0604030504040204" pitchFamily="34" charset="0"/>
-                <a:ea typeface="Verdana" panose="020B0604030504040204" pitchFamily="34" charset="0"/>
-              </a:rPr>
-              <a:t>    Evaluating models using:</a:t>
-            </a:r>
-          </a:p>
-          <a:p>
-            <a:pPr marL="457200" marR="0" lvl="1" indent="0" algn="l" defTabSz="914400" rtl="0" eaLnBrk="0" fontAlgn="base" latinLnBrk="0" hangingPunct="0">
-              <a:lnSpc>
-                <a:spcPct val="100000"/>
-              </a:lnSpc>
-              <a:spcBef>
-                <a:spcPct val="0"/>
-              </a:spcBef>
-              <a:spcAft>
-                <a:spcPct val="0"/>
-              </a:spcAft>
-              <a:buClrTx/>
-              <a:buSzTx/>
-              <a:buFontTx/>
-              <a:buChar char="•"/>
-              <a:tabLst/>
-            </a:pPr>
-            <a:r>
-              <a:rPr kumimoji="0" lang="en-US" altLang="en-US" sz="1800" b="1" i="0" u="none" strike="noStrike" cap="none" normalizeH="0" baseline="0" dirty="0" smtClean="0">
-                <a:ln>
-                  <a:noFill/>
-                </a:ln>
-                <a:solidFill>
-                  <a:schemeClr val="tx1"/>
-                </a:solidFill>
-                <a:effectLst/>
-                <a:latin typeface="Verdana" panose="020B0604030504040204" pitchFamily="34" charset="0"/>
-                <a:ea typeface="Verdana" panose="020B0604030504040204" pitchFamily="34" charset="0"/>
-              </a:rPr>
-              <a:t>Accuracy</a:t>
-            </a:r>
-            <a:r>
-              <a:rPr kumimoji="0" lang="en-US" altLang="en-US" sz="1800" b="0" i="0" u="none" strike="noStrike" cap="none" normalizeH="0" baseline="0" dirty="0" smtClean="0">
-                <a:ln>
-                  <a:noFill/>
-                </a:ln>
-                <a:solidFill>
-                  <a:schemeClr val="tx1"/>
-                </a:solidFill>
-                <a:effectLst/>
-                <a:latin typeface="Verdana" panose="020B0604030504040204" pitchFamily="34" charset="0"/>
-                <a:ea typeface="Verdana" panose="020B0604030504040204" pitchFamily="34" charset="0"/>
-              </a:rPr>
-              <a:t>: How often the model is correct.</a:t>
-            </a:r>
-          </a:p>
-          <a:p>
-            <a:pPr marL="457200" marR="0" lvl="1" indent="0" algn="l" defTabSz="914400" rtl="0" eaLnBrk="0" fontAlgn="base" latinLnBrk="0" hangingPunct="0">
-              <a:lnSpc>
-                <a:spcPct val="100000"/>
-              </a:lnSpc>
-              <a:spcBef>
-                <a:spcPct val="0"/>
-              </a:spcBef>
-              <a:spcAft>
-                <a:spcPct val="0"/>
-              </a:spcAft>
-              <a:buClrTx/>
-              <a:buSzTx/>
-              <a:buFontTx/>
-              <a:buChar char="•"/>
-              <a:tabLst/>
-            </a:pPr>
-            <a:r>
-              <a:rPr kumimoji="0" lang="en-US" altLang="en-US" sz="1800" b="1" i="0" u="none" strike="noStrike" cap="none" normalizeH="0" baseline="0" dirty="0" smtClean="0">
-                <a:ln>
-                  <a:noFill/>
-                </a:ln>
-                <a:solidFill>
-                  <a:schemeClr val="tx1"/>
-                </a:solidFill>
-                <a:effectLst/>
-                <a:latin typeface="Verdana" panose="020B0604030504040204" pitchFamily="34" charset="0"/>
-                <a:ea typeface="Verdana" panose="020B0604030504040204" pitchFamily="34" charset="0"/>
-              </a:rPr>
-              <a:t>Precision</a:t>
-            </a:r>
-            <a:r>
-              <a:rPr kumimoji="0" lang="en-US" altLang="en-US" sz="1800" b="0" i="0" u="none" strike="noStrike" cap="none" normalizeH="0" baseline="0" dirty="0" smtClean="0">
-                <a:ln>
-                  <a:noFill/>
-                </a:ln>
-                <a:solidFill>
-                  <a:schemeClr val="tx1"/>
-                </a:solidFill>
-                <a:effectLst/>
-                <a:latin typeface="Verdana" panose="020B0604030504040204" pitchFamily="34" charset="0"/>
-                <a:ea typeface="Verdana" panose="020B0604030504040204" pitchFamily="34" charset="0"/>
-              </a:rPr>
-              <a:t>: How many of the positive predictions are actually correct.</a:t>
-            </a:r>
-          </a:p>
-          <a:p>
-            <a:pPr marL="457200" marR="0" lvl="1" indent="0" algn="l" defTabSz="914400" rtl="0" eaLnBrk="0" fontAlgn="base" latinLnBrk="0" hangingPunct="0">
-              <a:lnSpc>
-                <a:spcPct val="100000"/>
-              </a:lnSpc>
-              <a:spcBef>
-                <a:spcPct val="0"/>
-              </a:spcBef>
-              <a:spcAft>
-                <a:spcPct val="0"/>
-              </a:spcAft>
-              <a:buClrTx/>
-              <a:buSzTx/>
-              <a:buFontTx/>
-              <a:buChar char="•"/>
-              <a:tabLst/>
-            </a:pPr>
-            <a:r>
-              <a:rPr kumimoji="0" lang="en-US" altLang="en-US" sz="1800" b="1" i="0" u="none" strike="noStrike" cap="none" normalizeH="0" baseline="0" dirty="0" smtClean="0">
-                <a:ln>
-                  <a:noFill/>
-                </a:ln>
-                <a:solidFill>
-                  <a:schemeClr val="tx1"/>
-                </a:solidFill>
-                <a:effectLst/>
-                <a:latin typeface="Verdana" panose="020B0604030504040204" pitchFamily="34" charset="0"/>
-                <a:ea typeface="Verdana" panose="020B0604030504040204" pitchFamily="34" charset="0"/>
-              </a:rPr>
-              <a:t>Recall</a:t>
-            </a:r>
-            <a:r>
-              <a:rPr kumimoji="0" lang="en-US" altLang="en-US" sz="1800" b="0" i="0" u="none" strike="noStrike" cap="none" normalizeH="0" baseline="0" dirty="0" smtClean="0">
-                <a:ln>
-                  <a:noFill/>
-                </a:ln>
-                <a:solidFill>
-                  <a:schemeClr val="tx1"/>
-                </a:solidFill>
-                <a:effectLst/>
-                <a:latin typeface="Verdana" panose="020B0604030504040204" pitchFamily="34" charset="0"/>
-                <a:ea typeface="Verdana" panose="020B0604030504040204" pitchFamily="34" charset="0"/>
-              </a:rPr>
-              <a:t>: How many of the actual positives the model correctly identified.</a:t>
-            </a:r>
-          </a:p>
-          <a:p>
-            <a:pPr marL="457200" marR="0" lvl="1" indent="0" algn="l" defTabSz="914400" rtl="0" eaLnBrk="0" fontAlgn="base" latinLnBrk="0" hangingPunct="0">
-              <a:lnSpc>
-                <a:spcPct val="100000"/>
-              </a:lnSpc>
-              <a:spcBef>
-                <a:spcPct val="0"/>
-              </a:spcBef>
-              <a:spcAft>
-                <a:spcPct val="0"/>
-              </a:spcAft>
-              <a:buClrTx/>
-              <a:buSzTx/>
-              <a:buFontTx/>
-              <a:buChar char="•"/>
-              <a:tabLst/>
-            </a:pPr>
-            <a:r>
-              <a:rPr kumimoji="0" lang="en-US" altLang="en-US" sz="1800" b="1" i="0" u="none" strike="noStrike" cap="none" normalizeH="0" baseline="0" dirty="0" smtClean="0">
-                <a:ln>
-                  <a:noFill/>
-                </a:ln>
-                <a:solidFill>
-                  <a:schemeClr val="tx1"/>
-                </a:solidFill>
-                <a:effectLst/>
-                <a:latin typeface="Verdana" panose="020B0604030504040204" pitchFamily="34" charset="0"/>
-                <a:ea typeface="Verdana" panose="020B0604030504040204" pitchFamily="34" charset="0"/>
-              </a:rPr>
-              <a:t>F1-Score</a:t>
-            </a:r>
-            <a:r>
-              <a:rPr kumimoji="0" lang="en-US" altLang="en-US" sz="1800" b="0" i="0" u="none" strike="noStrike" cap="none" normalizeH="0" baseline="0" dirty="0" smtClean="0">
-                <a:ln>
-                  <a:noFill/>
-                </a:ln>
-                <a:solidFill>
-                  <a:schemeClr val="tx1"/>
-                </a:solidFill>
-                <a:effectLst/>
-                <a:latin typeface="Verdana" panose="020B0604030504040204" pitchFamily="34" charset="0"/>
-                <a:ea typeface="Verdana" panose="020B0604030504040204" pitchFamily="34" charset="0"/>
-              </a:rPr>
-              <a:t>: A balance between precision and recall.</a:t>
-            </a:r>
-          </a:p>
-          <a:p>
-            <a:pPr marL="0" marR="0" lvl="0" indent="0" algn="l" defTabSz="914400" rtl="0" eaLnBrk="0" fontAlgn="base" latinLnBrk="0" hangingPunct="0">
-              <a:lnSpc>
-                <a:spcPct val="100000"/>
-              </a:lnSpc>
-              <a:spcBef>
-                <a:spcPct val="0"/>
-              </a:spcBef>
-              <a:spcAft>
-                <a:spcPct val="0"/>
-              </a:spcAft>
-              <a:buClrTx/>
-              <a:buSzTx/>
-              <a:buFontTx/>
-              <a:buChar char="•"/>
-              <a:tabLst/>
-            </a:pPr>
-            <a:r>
-              <a:rPr kumimoji="0" lang="en-US" altLang="en-US" sz="1800" b="1" i="0" u="none" strike="noStrike" cap="none" normalizeH="0" baseline="0" dirty="0" smtClean="0">
-                <a:ln>
-                  <a:noFill/>
-                </a:ln>
-                <a:solidFill>
-                  <a:schemeClr val="tx1"/>
-                </a:solidFill>
-                <a:effectLst/>
-                <a:latin typeface="Verdana" panose="020B0604030504040204" pitchFamily="34" charset="0"/>
-                <a:ea typeface="Verdana" panose="020B0604030504040204" pitchFamily="34" charset="0"/>
-              </a:rPr>
-              <a:t>Graphical Comparison</a:t>
-            </a:r>
-            <a:endParaRPr kumimoji="0" lang="en-US" altLang="en-US" sz="1800" b="0" i="0" u="none" strike="noStrike" cap="none" normalizeH="0" baseline="0" dirty="0" smtClean="0">
-              <a:ln>
-                <a:noFill/>
-              </a:ln>
-              <a:solidFill>
-                <a:schemeClr val="tx1"/>
-              </a:solidFill>
-              <a:effectLst/>
-              <a:latin typeface="Verdana" panose="020B0604030504040204" pitchFamily="34" charset="0"/>
-              <a:ea typeface="Verdana" panose="020B0604030504040204" pitchFamily="34" charset="0"/>
-            </a:endParaRPr>
-          </a:p>
-          <a:p>
-            <a:pPr marL="0" marR="0" lvl="0" indent="0" algn="l" defTabSz="914400" rtl="0" eaLnBrk="0" fontAlgn="base" latinLnBrk="0" hangingPunct="0">
-              <a:lnSpc>
-                <a:spcPct val="100000"/>
-              </a:lnSpc>
-              <a:spcBef>
-                <a:spcPct val="0"/>
-              </a:spcBef>
-              <a:spcAft>
-                <a:spcPct val="0"/>
-              </a:spcAft>
-              <a:buClrTx/>
-              <a:buSzTx/>
-              <a:buNone/>
-              <a:tabLst/>
-            </a:pPr>
-            <a:r>
-              <a:rPr kumimoji="0" lang="en-US" altLang="en-US" sz="1800" b="0" i="0" u="none" strike="noStrike" cap="none" normalizeH="0" baseline="0" dirty="0" smtClean="0">
-                <a:ln>
-                  <a:noFill/>
-                </a:ln>
-                <a:solidFill>
-                  <a:schemeClr val="tx1"/>
-                </a:solidFill>
-                <a:effectLst/>
-                <a:latin typeface="Verdana" panose="020B0604030504040204" pitchFamily="34" charset="0"/>
-                <a:ea typeface="Verdana" panose="020B0604030504040204" pitchFamily="34" charset="0"/>
-              </a:rPr>
-              <a:t>     Using bar graphs to compare how well each model performs in terms of accuracy, precision, recall, and F1-score.</a:t>
-            </a:r>
           </a:p>
         </p:txBody>
       </p:sp>
     </p:spTree>
     <p:extLst>
       <p:ext uri="{BB962C8B-B14F-4D97-AF65-F5344CB8AC3E}">
-        <p14:creationId xmlns:p14="http://schemas.microsoft.com/office/powerpoint/2010/main" val="1897206522"/>
+        <p14:creationId xmlns:p14="http://schemas.microsoft.com/office/powerpoint/2010/main" val="213708243"/>
       </p:ext>
     </p:extLst>
   </p:cSld>
@@ -15487,49 +14508,7 @@
       </p:grpSpPr>
       <p:sp>
         <p:nvSpPr>
-          <p:cNvPr id="2" name="Title 1"/>
-          <p:cNvSpPr>
-            <a:spLocks noGrp="1"/>
-          </p:cNvSpPr>
-          <p:nvPr>
-            <p:ph type="title"/>
-          </p:nvPr>
-        </p:nvSpPr>
-        <p:spPr/>
-        <p:txBody>
-          <a:bodyPr/>
-          <a:lstStyle/>
-          <a:p>
-            <a:r>
-              <a:rPr lang="en-US" sz="2000" dirty="0">
-                <a:solidFill>
-                  <a:schemeClr val="dk1"/>
-                </a:solidFill>
-                <a:latin typeface="Times New Roman" panose="02020603050405020304" pitchFamily="18" charset="0"/>
-                <a:cs typeface="Times New Roman" panose="02020603050405020304" pitchFamily="18" charset="0"/>
-              </a:rPr>
-              <a:t>SAMPLE </a:t>
-            </a:r>
-            <a:r>
-              <a:rPr lang="en-US" sz="2000" dirty="0" smtClean="0">
-                <a:solidFill>
-                  <a:schemeClr val="dk1"/>
-                </a:solidFill>
-                <a:latin typeface="Times New Roman" panose="02020603050405020304" pitchFamily="18" charset="0"/>
-                <a:cs typeface="Times New Roman" panose="02020603050405020304" pitchFamily="18" charset="0"/>
-              </a:rPr>
-              <a:t>OUTPUT</a:t>
-            </a:r>
-            <a:endParaRPr lang="en-IN" sz="2000" dirty="0">
-              <a:latin typeface="Times New Roman" panose="02020603050405020304" pitchFamily="18" charset="0"/>
-              <a:cs typeface="Times New Roman" panose="02020603050405020304" pitchFamily="18" charset="0"/>
-            </a:endParaRPr>
-          </a:p>
-        </p:txBody>
-      </p:sp>
-      <p:sp>
-        <p:nvSpPr>
-          <p:cNvPr id="3" name="Text Placeholder 2"/>
+          <p:cNvPr id="6" name="Text Placeholder 5"/>
           <p:cNvSpPr>
             <a:spLocks noGrp="1"/>
           </p:cNvSpPr>
@@ -15539,55 +14518,271 @@
         </p:nvSpPr>
         <p:spPr>
           <a:xfrm>
-            <a:off x="457200" y="1123950"/>
-            <a:ext cx="8229600" cy="5002350"/>
-          </a:xfrm>
-        </p:spPr>
-        <p:txBody>
-          <a:bodyPr/>
-          <a:lstStyle/>
-          <a:p>
-            <a:pPr marL="114300" indent="0">
-              <a:buNone/>
-            </a:pPr>
-            <a:endParaRPr lang="en-IN" dirty="0"/>
-          </a:p>
-        </p:txBody>
-      </p:sp>
-      <p:pic>
-        <p:nvPicPr>
-          <p:cNvPr id="4" name="Picture 3"/>
-          <p:cNvPicPr>
-            <a:picLocks noChangeAspect="1"/>
-          </p:cNvPicPr>
-          <p:nvPr/>
-        </p:nvPicPr>
-        <p:blipFill>
-          <a:blip r:embed="rId2">
-            <a:extLst>
-              <a:ext uri="{28A0092B-C50C-407E-A947-70E740481C1C}">
-                <a14:useLocalDpi xmlns:a14="http://schemas.microsoft.com/office/drawing/2010/main" val="0"/>
-              </a:ext>
-            </a:extLst>
-          </a:blip>
-          <a:stretch>
-            <a:fillRect/>
-          </a:stretch>
-        </p:blipFill>
-        <p:spPr>
-          <a:xfrm>
-            <a:off x="133350" y="990600"/>
-            <a:ext cx="8896349" cy="5295899"/>
+            <a:off x="457200" y="339725"/>
+            <a:ext cx="8229600" cy="5899010"/>
           </a:xfrm>
           <a:prstGeom prst="rect">
             <a:avLst/>
           </a:prstGeom>
         </p:spPr>
-      </p:pic>
+        <p:txBody>
+          <a:bodyPr>
+            <a:spAutoFit/>
+          </a:bodyPr>
+          <a:lstStyle/>
+          <a:p>
+            <a:pPr marL="114300" indent="0">
+              <a:buNone/>
+            </a:pPr>
+            <a:r>
+              <a:rPr lang="en-US" sz="1600" b="1" dirty="0" smtClean="0">
+                <a:latin typeface="Verdana" panose="020B0604030504040204" pitchFamily="34" charset="0"/>
+                <a:ea typeface="Verdana" panose="020B0604030504040204" pitchFamily="34" charset="0"/>
+              </a:rPr>
+              <a:t>AUTHOR: </a:t>
+            </a:r>
+            <a:r>
+              <a:rPr lang="en-US" sz="1600" dirty="0" smtClean="0">
+                <a:latin typeface="Verdana" panose="020B0604030504040204" pitchFamily="34" charset="0"/>
+                <a:ea typeface="Verdana" panose="020B0604030504040204" pitchFamily="34" charset="0"/>
+              </a:rPr>
+              <a:t>Du </a:t>
+            </a:r>
+            <a:r>
+              <a:rPr lang="en-US" sz="1600" dirty="0">
+                <a:latin typeface="Verdana" panose="020B0604030504040204" pitchFamily="34" charset="0"/>
+                <a:ea typeface="Verdana" panose="020B0604030504040204" pitchFamily="34" charset="0"/>
+              </a:rPr>
+              <a:t>et </a:t>
+            </a:r>
+            <a:r>
+              <a:rPr lang="en-US" sz="1600" dirty="0" smtClean="0">
+                <a:latin typeface="Verdana" panose="020B0604030504040204" pitchFamily="34" charset="0"/>
+                <a:ea typeface="Verdana" panose="020B0604030504040204" pitchFamily="34" charset="0"/>
+              </a:rPr>
+              <a:t>al</a:t>
+            </a:r>
+          </a:p>
+          <a:p>
+            <a:pPr marL="114300" indent="0">
+              <a:buNone/>
+            </a:pPr>
+            <a:r>
+              <a:rPr lang="en-US" sz="1600" dirty="0" smtClean="0">
+                <a:latin typeface="Verdana" panose="020B0604030504040204" pitchFamily="34" charset="0"/>
+                <a:ea typeface="Verdana" panose="020B0604030504040204" pitchFamily="34" charset="0"/>
+              </a:rPr>
+              <a:t> [3] </a:t>
+            </a:r>
+            <a:r>
+              <a:rPr lang="en-US" sz="1600" dirty="0">
+                <a:latin typeface="Verdana" panose="020B0604030504040204" pitchFamily="34" charset="0"/>
+                <a:ea typeface="Verdana" panose="020B0604030504040204" pitchFamily="34" charset="0"/>
+              </a:rPr>
+              <a:t>proposed a new algorithm based on the k-NN classifier method using TF-IDF for modeling program behavior in intrusion detection regarding system calls. In [29], with the k-NN classifier, the frequencies of system calls are used to describe the program behavior. For this, text categorization techniques, such as TF-IDF, are adopted to transform each system call data to a vector and measure the similarity between two program system call activities. </a:t>
+            </a:r>
+            <a:endParaRPr lang="en-US" sz="1600" dirty="0" smtClean="0">
+              <a:latin typeface="Verdana" panose="020B0604030504040204" pitchFamily="34" charset="0"/>
+              <a:ea typeface="Verdana" panose="020B0604030504040204" pitchFamily="34" charset="0"/>
+            </a:endParaRPr>
+          </a:p>
+          <a:p>
+            <a:pPr marL="114300" indent="0" algn="ctr">
+              <a:buNone/>
+            </a:pPr>
+            <a:r>
+              <a:rPr lang="en-US" sz="1800" b="1" dirty="0" smtClean="0">
+                <a:latin typeface="Bookman Old Style" panose="02050604050505020204" pitchFamily="18" charset="0"/>
+                <a:cs typeface="Times New Roman" panose="02020603050405020304" pitchFamily="18" charset="0"/>
+              </a:rPr>
+              <a:t>B. REAL SECURITY EVENT ANALYSIS </a:t>
+            </a:r>
+          </a:p>
+          <a:p>
+            <a:pPr marL="114300" indent="0">
+              <a:buNone/>
+            </a:pPr>
+            <a:r>
+              <a:rPr lang="en-US" sz="1600" b="1" dirty="0" err="1" smtClean="0">
+                <a:latin typeface="Verdana" panose="020B0604030504040204" pitchFamily="34" charset="0"/>
+                <a:ea typeface="Verdana" panose="020B0604030504040204" pitchFamily="34" charset="0"/>
+              </a:rPr>
+              <a:t>AUTHOR:</a:t>
+            </a:r>
+            <a:r>
+              <a:rPr lang="en-US" sz="1600" dirty="0" err="1" smtClean="0">
+                <a:latin typeface="Verdana" panose="020B0604030504040204" pitchFamily="34" charset="0"/>
+                <a:ea typeface="Verdana" panose="020B0604030504040204" pitchFamily="34" charset="0"/>
+              </a:rPr>
+              <a:t>Shen</a:t>
+            </a:r>
+            <a:r>
+              <a:rPr lang="en-US" sz="1600" dirty="0" smtClean="0">
+                <a:latin typeface="Verdana" panose="020B0604030504040204" pitchFamily="34" charset="0"/>
+                <a:ea typeface="Verdana" panose="020B0604030504040204" pitchFamily="34" charset="0"/>
+              </a:rPr>
+              <a:t> </a:t>
+            </a:r>
+            <a:r>
+              <a:rPr lang="en-US" sz="1600" dirty="0">
+                <a:latin typeface="Verdana" panose="020B0604030504040204" pitchFamily="34" charset="0"/>
+                <a:ea typeface="Verdana" panose="020B0604030504040204" pitchFamily="34" charset="0"/>
+              </a:rPr>
+              <a:t>et </a:t>
+            </a:r>
+            <a:r>
+              <a:rPr lang="en-US" sz="1600" dirty="0" smtClean="0">
+                <a:latin typeface="Verdana" panose="020B0604030504040204" pitchFamily="34" charset="0"/>
+                <a:ea typeface="Verdana" panose="020B0604030504040204" pitchFamily="34" charset="0"/>
+              </a:rPr>
+              <a:t>al</a:t>
+            </a:r>
+            <a:endParaRPr lang="en-US" sz="1600" dirty="0">
+              <a:latin typeface="Verdana" panose="020B0604030504040204" pitchFamily="34" charset="0"/>
+              <a:ea typeface="Verdana" panose="020B0604030504040204" pitchFamily="34" charset="0"/>
+            </a:endParaRPr>
+          </a:p>
+          <a:p>
+            <a:pPr marL="114300" indent="0">
+              <a:buNone/>
+            </a:pPr>
+            <a:r>
+              <a:rPr lang="en-US" sz="1600" dirty="0" smtClean="0">
+                <a:latin typeface="Verdana" panose="020B0604030504040204" pitchFamily="34" charset="0"/>
+                <a:ea typeface="Verdana" panose="020B0604030504040204" pitchFamily="34" charset="0"/>
+              </a:rPr>
+              <a:t>[4] </a:t>
+            </a:r>
+            <a:r>
+              <a:rPr lang="en-US" sz="1600" dirty="0">
+                <a:latin typeface="Verdana" panose="020B0604030504040204" pitchFamily="34" charset="0"/>
+                <a:ea typeface="Verdana" panose="020B0604030504040204" pitchFamily="34" charset="0"/>
+              </a:rPr>
+              <a:t>developed the system for predicting security events through deep learning, which is called Tiresias. Authors presented a system that leverages RNNs to predict future events on a machine, based on previous observations. It tested on a dataset of 3.4 billion security events collected from a commercial IPS, and showed that its approach is effective in predicting the next event that will occur on a machine with a precision of up to 0.93</a:t>
+            </a:r>
+            <a:r>
+              <a:rPr lang="en-US" sz="1600" dirty="0" smtClean="0">
+                <a:latin typeface="Verdana" panose="020B0604030504040204" pitchFamily="34" charset="0"/>
+                <a:ea typeface="Verdana" panose="020B0604030504040204" pitchFamily="34" charset="0"/>
+              </a:rPr>
+              <a:t>.</a:t>
+            </a:r>
+          </a:p>
+          <a:p>
+            <a:pPr marL="114300" indent="0">
+              <a:buNone/>
+            </a:pPr>
+            <a:r>
+              <a:rPr lang="en-US" sz="1600" dirty="0" smtClean="0">
+                <a:latin typeface="Verdana" panose="020B0604030504040204" pitchFamily="34" charset="0"/>
+                <a:ea typeface="Verdana" panose="020B0604030504040204" pitchFamily="34" charset="0"/>
+              </a:rPr>
+              <a:t> </a:t>
+            </a:r>
+            <a:r>
+              <a:rPr lang="en-IN" sz="1600" b="1" dirty="0" err="1" smtClean="0">
+                <a:latin typeface="Verdana" panose="020B0604030504040204" pitchFamily="34" charset="0"/>
+                <a:ea typeface="Verdana" panose="020B0604030504040204" pitchFamily="34" charset="0"/>
+              </a:rPr>
+              <a:t>AUTHOR</a:t>
+            </a:r>
+            <a:r>
+              <a:rPr lang="en-IN" sz="1600" dirty="0" err="1" smtClean="0">
+                <a:latin typeface="Verdana" panose="020B0604030504040204" pitchFamily="34" charset="0"/>
+                <a:ea typeface="Verdana" panose="020B0604030504040204" pitchFamily="34" charset="0"/>
+              </a:rPr>
+              <a:t>:Liao</a:t>
+            </a:r>
+            <a:r>
+              <a:rPr lang="en-IN" sz="1600" dirty="0" smtClean="0">
+                <a:latin typeface="Verdana" panose="020B0604030504040204" pitchFamily="34" charset="0"/>
+                <a:ea typeface="Verdana" panose="020B0604030504040204" pitchFamily="34" charset="0"/>
+              </a:rPr>
+              <a:t> </a:t>
+            </a:r>
+            <a:r>
+              <a:rPr lang="en-IN" sz="1600" dirty="0">
+                <a:latin typeface="Verdana" panose="020B0604030504040204" pitchFamily="34" charset="0"/>
+                <a:ea typeface="Verdana" panose="020B0604030504040204" pitchFamily="34" charset="0"/>
+              </a:rPr>
+              <a:t>and </a:t>
+            </a:r>
+            <a:r>
+              <a:rPr lang="en-IN" sz="1600" dirty="0" err="1" smtClean="0">
+                <a:latin typeface="Verdana" panose="020B0604030504040204" pitchFamily="34" charset="0"/>
+                <a:ea typeface="Verdana" panose="020B0604030504040204" pitchFamily="34" charset="0"/>
+              </a:rPr>
+              <a:t>Vemuri</a:t>
+            </a:r>
+            <a:endParaRPr lang="en-IN" sz="1600" dirty="0" smtClean="0">
+              <a:latin typeface="Verdana" panose="020B0604030504040204" pitchFamily="34" charset="0"/>
+              <a:ea typeface="Verdana" panose="020B0604030504040204" pitchFamily="34" charset="0"/>
+            </a:endParaRPr>
+          </a:p>
+          <a:p>
+            <a:pPr marL="114300" indent="0">
+              <a:buNone/>
+            </a:pPr>
+            <a:r>
+              <a:rPr lang="en-IN" sz="1600" dirty="0" smtClean="0">
+                <a:latin typeface="Verdana" panose="020B0604030504040204" pitchFamily="34" charset="0"/>
+                <a:ea typeface="Verdana" panose="020B0604030504040204" pitchFamily="34" charset="0"/>
+              </a:rPr>
+              <a:t> [</a:t>
+            </a:r>
+            <a:r>
+              <a:rPr lang="en-IN" sz="1600" dirty="0">
+                <a:latin typeface="Verdana" panose="020B0604030504040204" pitchFamily="34" charset="0"/>
+                <a:ea typeface="Verdana" panose="020B0604030504040204" pitchFamily="34" charset="0"/>
+              </a:rPr>
+              <a:t>5</a:t>
+            </a:r>
+            <a:r>
+              <a:rPr lang="en-IN" sz="1600" dirty="0" smtClean="0">
+                <a:latin typeface="Verdana" panose="020B0604030504040204" pitchFamily="34" charset="0"/>
+                <a:ea typeface="Verdana" panose="020B0604030504040204" pitchFamily="34" charset="0"/>
+              </a:rPr>
+              <a:t>] </a:t>
+            </a:r>
+            <a:r>
+              <a:rPr lang="en-IN" sz="1600" dirty="0">
+                <a:latin typeface="Verdana" panose="020B0604030504040204" pitchFamily="34" charset="0"/>
+                <a:ea typeface="Verdana" panose="020B0604030504040204" pitchFamily="34" charset="0"/>
+              </a:rPr>
+              <a:t>proposed </a:t>
+            </a:r>
+            <a:r>
+              <a:rPr lang="en-IN" sz="1600" dirty="0" err="1">
+                <a:latin typeface="Verdana" panose="020B0604030504040204" pitchFamily="34" charset="0"/>
+                <a:ea typeface="Verdana" panose="020B0604030504040204" pitchFamily="34" charset="0"/>
+              </a:rPr>
+              <a:t>DeepLog</a:t>
+            </a:r>
+            <a:r>
+              <a:rPr lang="en-IN" sz="1600" dirty="0">
+                <a:latin typeface="Verdana" panose="020B0604030504040204" pitchFamily="34" charset="0"/>
+                <a:ea typeface="Verdana" panose="020B0604030504040204" pitchFamily="34" charset="0"/>
+              </a:rPr>
+              <a:t>, a deep neural network model employing LSTM to train a system’s log patterns (e.g., log key patterns and corresponding parameter value patterns) from normal execution. This work uses the term frequency inverse document frequency (TF-IDF) vector to the log </a:t>
+            </a:r>
+            <a:r>
+              <a:rPr lang="en-IN" sz="1600" dirty="0" smtClean="0">
+                <a:latin typeface="Verdana" panose="020B0604030504040204" pitchFamily="34" charset="0"/>
+                <a:ea typeface="Verdana" panose="020B0604030504040204" pitchFamily="34" charset="0"/>
+              </a:rPr>
+              <a:t>key.</a:t>
+            </a:r>
+            <a:endParaRPr lang="en-IN" sz="1600" b="1" dirty="0">
+              <a:latin typeface="Verdana" panose="020B0604030504040204" pitchFamily="34" charset="0"/>
+              <a:ea typeface="Verdana" panose="020B0604030504040204" pitchFamily="34" charset="0"/>
+            </a:endParaRPr>
+          </a:p>
+        </p:txBody>
+      </p:sp>
     </p:spTree>
     <p:extLst>
       <p:ext uri="{BB962C8B-B14F-4D97-AF65-F5344CB8AC3E}">
-        <p14:creationId xmlns:p14="http://schemas.microsoft.com/office/powerpoint/2010/main" val="2440726552"/>
+        <p14:creationId xmlns:p14="http://schemas.microsoft.com/office/powerpoint/2010/main" val="140809376"/>
       </p:ext>
     </p:extLst>
   </p:cSld>
@@ -15637,18 +14832,17 @@
           <a:lstStyle/>
           <a:p>
             <a:r>
-              <a:rPr lang="en-US" sz="2000" dirty="0" smtClean="0">
+              <a:rPr lang="en-US" sz="1800" b="1" dirty="0" smtClean="0">
                 <a:solidFill>
                   <a:schemeClr val="dk1"/>
                 </a:solidFill>
-                <a:latin typeface="Times New Roman" panose="02020603050405020304" pitchFamily="18" charset="0"/>
+                <a:latin typeface="Bookman Old Style" panose="02050604050505020204" pitchFamily="18" charset="0"/>
                 <a:cs typeface="Times New Roman" panose="02020603050405020304" pitchFamily="18" charset="0"/>
               </a:rPr>
-              <a:t>CONCLUSION</a:t>
-            </a:r>
-            <a:endParaRPr lang="en-IN" sz="2000" dirty="0">
-              <a:latin typeface="Times New Roman" panose="02020603050405020304" pitchFamily="18" charset="0"/>
-              <a:cs typeface="Times New Roman" panose="02020603050405020304" pitchFamily="18" charset="0"/>
+              <a:t>HARDWARE REQUIREMENTS</a:t>
+            </a:r>
+            <a:endParaRPr lang="en-IN" b="1" dirty="0">
+              <a:latin typeface="Bookman Old Style" panose="02050604050505020204" pitchFamily="18" charset="0"/>
             </a:endParaRPr>
           </a:p>
         </p:txBody>
@@ -15663,30 +14857,459 @@
             <p:ph type="body" idx="1"/>
           </p:nvPr>
         </p:nvSpPr>
-        <p:spPr/>
+        <p:spPr>
+          <a:xfrm>
+            <a:off x="457200" y="1600200"/>
+            <a:ext cx="8229600" cy="1895475"/>
+          </a:xfrm>
+        </p:spPr>
         <p:txBody>
           <a:bodyPr/>
           <a:lstStyle/>
           <a:p>
-            <a:pPr marL="114300" indent="0">
-              <a:buNone/>
-            </a:pPr>
-            <a:r>
-              <a:rPr lang="en-US" sz="1600" dirty="0" smtClean="0"/>
-              <a:t>   In </a:t>
-            </a:r>
-            <a:r>
-              <a:rPr lang="en-US" sz="1600" dirty="0"/>
-              <a:t>this paper, we proposed the AI-SIEM system, which uses event profiles and artificial neural networks to enhance cyber-threat detection. The novelty of our approach lies in condensing large-scale data into event profiles and applying deep learning methods. This system helps security analysts manage significant security alerts efficiently and respond quickly to threats by reducing false positives. We evaluated our system using two benchmark datasets (NSLKDD, CICIDS2017) and two real-world datasets. Our experiments showed that our methods could be used as effective learning-based models for network intrusion detection, outperforming conventional machine learning methods in accurate classifications.</a:t>
+            <a:r>
+              <a:rPr lang="en-GB" sz="1600" dirty="0"/>
+              <a:t>System</a:t>
+            </a:r>
+            <a:r>
+              <a:rPr lang="en-GB" sz="1600" b="1" dirty="0"/>
+              <a:t>		:   </a:t>
+            </a:r>
+            <a:r>
+              <a:rPr lang="en-GB" sz="1600" dirty="0"/>
+              <a:t>Pentium IV 2.4 GHz</a:t>
+            </a:r>
+            <a:r>
+              <a:rPr lang="en-GB" sz="1600" dirty="0" smtClean="0"/>
+              <a:t>.</a:t>
+            </a:r>
+          </a:p>
+          <a:p>
+            <a:pPr lvl="0"/>
+            <a:r>
+              <a:rPr lang="en-GB" sz="1600" dirty="0">
+                <a:latin typeface="Verdana" panose="020B0604030504040204" pitchFamily="34" charset="0"/>
+                <a:ea typeface="Verdana" panose="020B0604030504040204" pitchFamily="34" charset="0"/>
+              </a:rPr>
+              <a:t>Hard Disk	         </a:t>
+            </a:r>
+            <a:r>
+              <a:rPr lang="en-GB" sz="1600" dirty="0" smtClean="0">
+                <a:latin typeface="Verdana" panose="020B0604030504040204" pitchFamily="34" charset="0"/>
+                <a:ea typeface="Verdana" panose="020B0604030504040204" pitchFamily="34" charset="0"/>
+              </a:rPr>
+              <a:t>    </a:t>
+            </a:r>
+            <a:r>
+              <a:rPr lang="en-GB" sz="1600" dirty="0">
+                <a:latin typeface="Verdana" panose="020B0604030504040204" pitchFamily="34" charset="0"/>
+                <a:ea typeface="Verdana" panose="020B0604030504040204" pitchFamily="34" charset="0"/>
+              </a:rPr>
+              <a:t>:   40 GB.</a:t>
+            </a:r>
+            <a:endParaRPr lang="en-IN" sz="1600" dirty="0">
+              <a:latin typeface="Verdana" panose="020B0604030504040204" pitchFamily="34" charset="0"/>
+              <a:ea typeface="Verdana" panose="020B0604030504040204" pitchFamily="34" charset="0"/>
+            </a:endParaRPr>
+          </a:p>
+          <a:p>
+            <a:pPr lvl="0"/>
+            <a:r>
+              <a:rPr lang="en-GB" sz="1600" dirty="0">
+                <a:latin typeface="Verdana" panose="020B0604030504040204" pitchFamily="34" charset="0"/>
+                <a:ea typeface="Verdana" panose="020B0604030504040204" pitchFamily="34" charset="0"/>
+              </a:rPr>
+              <a:t>Floppy Drive	</a:t>
+            </a:r>
+            <a:r>
+              <a:rPr lang="en-GB" sz="1600" dirty="0" smtClean="0">
+                <a:latin typeface="Verdana" panose="020B0604030504040204" pitchFamily="34" charset="0"/>
+                <a:ea typeface="Verdana" panose="020B0604030504040204" pitchFamily="34" charset="0"/>
+              </a:rPr>
+              <a:t>             :   </a:t>
+            </a:r>
+            <a:r>
+              <a:rPr lang="en-GB" sz="1600" dirty="0">
+                <a:latin typeface="Verdana" panose="020B0604030504040204" pitchFamily="34" charset="0"/>
+                <a:ea typeface="Verdana" panose="020B0604030504040204" pitchFamily="34" charset="0"/>
+              </a:rPr>
+              <a:t>1.44 Mb.</a:t>
+            </a:r>
+            <a:endParaRPr lang="en-IN" sz="1600" dirty="0">
+              <a:latin typeface="Verdana" panose="020B0604030504040204" pitchFamily="34" charset="0"/>
+              <a:ea typeface="Verdana" panose="020B0604030504040204" pitchFamily="34" charset="0"/>
+            </a:endParaRPr>
+          </a:p>
+          <a:p>
+            <a:pPr lvl="0"/>
+            <a:r>
+              <a:rPr lang="en-GB" sz="1600" dirty="0">
+                <a:latin typeface="Verdana" panose="020B0604030504040204" pitchFamily="34" charset="0"/>
+                <a:ea typeface="Verdana" panose="020B0604030504040204" pitchFamily="34" charset="0"/>
+              </a:rPr>
+              <a:t>Monitor	        </a:t>
+            </a:r>
+            <a:r>
+              <a:rPr lang="en-GB" sz="1600" dirty="0" smtClean="0">
+                <a:latin typeface="Verdana" panose="020B0604030504040204" pitchFamily="34" charset="0"/>
+                <a:ea typeface="Verdana" panose="020B0604030504040204" pitchFamily="34" charset="0"/>
+              </a:rPr>
+              <a:t>     </a:t>
+            </a:r>
+            <a:r>
+              <a:rPr lang="en-GB" sz="1600" dirty="0">
+                <a:latin typeface="Verdana" panose="020B0604030504040204" pitchFamily="34" charset="0"/>
+                <a:ea typeface="Verdana" panose="020B0604030504040204" pitchFamily="34" charset="0"/>
+              </a:rPr>
+              <a:t>:   14’ Colour Monitor.</a:t>
+            </a:r>
+            <a:endParaRPr lang="en-IN" sz="1600" dirty="0">
+              <a:latin typeface="Verdana" panose="020B0604030504040204" pitchFamily="34" charset="0"/>
+              <a:ea typeface="Verdana" panose="020B0604030504040204" pitchFamily="34" charset="0"/>
+            </a:endParaRPr>
+          </a:p>
+          <a:p>
+            <a:pPr lvl="0"/>
+            <a:r>
+              <a:rPr lang="en-GB" sz="1600" dirty="0">
+                <a:latin typeface="Verdana" panose="020B0604030504040204" pitchFamily="34" charset="0"/>
+                <a:ea typeface="Verdana" panose="020B0604030504040204" pitchFamily="34" charset="0"/>
+              </a:rPr>
+              <a:t>Mouse		:   Optical Mouse.</a:t>
+            </a:r>
+            <a:endParaRPr lang="en-IN" sz="1600" dirty="0">
+              <a:latin typeface="Verdana" panose="020B0604030504040204" pitchFamily="34" charset="0"/>
+              <a:ea typeface="Verdana" panose="020B0604030504040204" pitchFamily="34" charset="0"/>
+            </a:endParaRPr>
+          </a:p>
+          <a:p>
+            <a:pPr lvl="0"/>
+            <a:r>
+              <a:rPr lang="en-GB" sz="1600" dirty="0">
+                <a:latin typeface="Verdana" panose="020B0604030504040204" pitchFamily="34" charset="0"/>
+                <a:ea typeface="Verdana" panose="020B0604030504040204" pitchFamily="34" charset="0"/>
+              </a:rPr>
+              <a:t>Ram	 </a:t>
+            </a:r>
+            <a:r>
+              <a:rPr lang="en-GB" sz="1600" dirty="0" smtClean="0">
+                <a:latin typeface="Verdana" panose="020B0604030504040204" pitchFamily="34" charset="0"/>
+                <a:ea typeface="Verdana" panose="020B0604030504040204" pitchFamily="34" charset="0"/>
+              </a:rPr>
+              <a:t>            </a:t>
+            </a:r>
+            <a:r>
+              <a:rPr lang="en-GB" sz="1600" dirty="0">
+                <a:latin typeface="Verdana" panose="020B0604030504040204" pitchFamily="34" charset="0"/>
+                <a:ea typeface="Verdana" panose="020B0604030504040204" pitchFamily="34" charset="0"/>
+              </a:rPr>
+              <a:t>:   512 </a:t>
+            </a:r>
+            <a:r>
+              <a:rPr lang="en-GB" sz="1600" dirty="0" smtClean="0">
+                <a:latin typeface="Verdana" panose="020B0604030504040204" pitchFamily="34" charset="0"/>
+                <a:ea typeface="Verdana" panose="020B0604030504040204" pitchFamily="34" charset="0"/>
+              </a:rPr>
+              <a:t>Mb</a:t>
+            </a:r>
+            <a:r>
+              <a:rPr lang="en-GB" sz="1600" dirty="0">
+                <a:latin typeface="Verdana" panose="020B0604030504040204" pitchFamily="34" charset="0"/>
+                <a:ea typeface="Verdana" panose="020B0604030504040204" pitchFamily="34" charset="0"/>
+              </a:rPr>
+              <a:t>.</a:t>
             </a:r>
             <a:endParaRPr lang="en-IN" sz="1600" dirty="0"/>
           </a:p>
         </p:txBody>
       </p:sp>
+      <p:sp>
+        <p:nvSpPr>
+          <p:cNvPr id="7" name="Rectangle 6"/>
+          <p:cNvSpPr/>
+          <p:nvPr/>
+        </p:nvSpPr>
+        <p:spPr>
+          <a:xfrm>
+            <a:off x="628650" y="4627007"/>
+            <a:ext cx="7839075" cy="2123658"/>
+          </a:xfrm>
+          <a:prstGeom prst="rect">
+            <a:avLst/>
+          </a:prstGeom>
+        </p:spPr>
+        <p:txBody>
+          <a:bodyPr wrap="square">
+            <a:spAutoFit/>
+          </a:bodyPr>
+          <a:lstStyle/>
+          <a:p>
+            <a:pPr lvl="0" algn="ctr"/>
+            <a:r>
+              <a:rPr lang="en-US" sz="1800" b="1" dirty="0" smtClean="0">
+                <a:solidFill>
+                  <a:schemeClr val="dk1"/>
+                </a:solidFill>
+                <a:latin typeface="Bookman Old Style" panose="02050604050505020204" pitchFamily="18" charset="0"/>
+                <a:ea typeface="Verdana" panose="020B0604030504040204" pitchFamily="34" charset="0"/>
+                <a:cs typeface="Times New Roman" panose="02020603050405020304" pitchFamily="18" charset="0"/>
+              </a:rPr>
+              <a:t>SOFTWARE REQUIREMENTS</a:t>
+            </a:r>
+          </a:p>
+          <a:p>
+            <a:pPr lvl="0" algn="ctr"/>
+            <a:endParaRPr lang="en-US" sz="1800" dirty="0">
+              <a:solidFill>
+                <a:schemeClr val="dk1"/>
+              </a:solidFill>
+              <a:latin typeface="Verdana" panose="020B0604030504040204" pitchFamily="34" charset="0"/>
+              <a:ea typeface="Verdana" panose="020B0604030504040204" pitchFamily="34" charset="0"/>
+              <a:cs typeface="Times New Roman" panose="02020603050405020304" pitchFamily="18" charset="0"/>
+            </a:endParaRPr>
+          </a:p>
+          <a:p>
+            <a:pPr lvl="0" algn="ctr"/>
+            <a:endParaRPr lang="en-US" sz="1800" dirty="0">
+              <a:latin typeface="Verdana" panose="020B0604030504040204" pitchFamily="34" charset="0"/>
+              <a:ea typeface="Verdana" panose="020B0604030504040204" pitchFamily="34" charset="0"/>
+            </a:endParaRPr>
+          </a:p>
+          <a:p>
+            <a:pPr marL="285750" lvl="0" indent="-285750">
+              <a:buFont typeface="Arial" panose="020B0604020202020204" pitchFamily="34" charset="0"/>
+              <a:buChar char="•"/>
+            </a:pPr>
+            <a:r>
+              <a:rPr lang="en-US" sz="1600" dirty="0" smtClean="0">
+                <a:latin typeface="Verdana" panose="020B0604030504040204" pitchFamily="34" charset="0"/>
+                <a:ea typeface="Verdana" panose="020B0604030504040204" pitchFamily="34" charset="0"/>
+              </a:rPr>
+              <a:t>Operating </a:t>
+            </a:r>
+            <a:r>
+              <a:rPr lang="en-US" sz="1600" dirty="0">
+                <a:latin typeface="Verdana" panose="020B0604030504040204" pitchFamily="34" charset="0"/>
+                <a:ea typeface="Verdana" panose="020B0604030504040204" pitchFamily="34" charset="0"/>
+              </a:rPr>
+              <a:t>system  </a:t>
+            </a:r>
+            <a:r>
+              <a:rPr lang="en-US" sz="1600" dirty="0" smtClean="0">
+                <a:latin typeface="Verdana" panose="020B0604030504040204" pitchFamily="34" charset="0"/>
+                <a:ea typeface="Verdana" panose="020B0604030504040204" pitchFamily="34" charset="0"/>
+              </a:rPr>
+              <a:t>     </a:t>
+            </a:r>
+            <a:r>
+              <a:rPr lang="en-US" sz="1600" dirty="0" smtClean="0">
+                <a:latin typeface="Verdana" panose="020B0604030504040204" pitchFamily="34" charset="0"/>
+                <a:ea typeface="Verdana" panose="020B0604030504040204" pitchFamily="34" charset="0"/>
+              </a:rPr>
+              <a:t>        </a:t>
+            </a:r>
+            <a:r>
+              <a:rPr lang="en-US" sz="1600" dirty="0" smtClean="0">
+                <a:latin typeface="Verdana" panose="020B0604030504040204" pitchFamily="34" charset="0"/>
+                <a:ea typeface="Verdana" panose="020B0604030504040204" pitchFamily="34" charset="0"/>
+              </a:rPr>
+              <a:t>:   </a:t>
+            </a:r>
+            <a:r>
+              <a:rPr lang="en-US" sz="1600" dirty="0">
+                <a:latin typeface="Verdana" panose="020B0604030504040204" pitchFamily="34" charset="0"/>
+                <a:ea typeface="Verdana" panose="020B0604030504040204" pitchFamily="34" charset="0"/>
+              </a:rPr>
+              <a:t>Windows 7 Ultimate.</a:t>
+            </a:r>
+            <a:endParaRPr lang="en-IN" sz="1600" dirty="0">
+              <a:latin typeface="Verdana" panose="020B0604030504040204" pitchFamily="34" charset="0"/>
+              <a:ea typeface="Verdana" panose="020B0604030504040204" pitchFamily="34" charset="0"/>
+            </a:endParaRPr>
+          </a:p>
+          <a:p>
+            <a:pPr marL="285750" lvl="0" indent="-285750">
+              <a:buFont typeface="Arial" panose="020B0604020202020204" pitchFamily="34" charset="0"/>
+              <a:buChar char="•"/>
+            </a:pPr>
+            <a:r>
+              <a:rPr lang="en-US" sz="1600" dirty="0">
+                <a:latin typeface="Verdana" panose="020B0604030504040204" pitchFamily="34" charset="0"/>
+                <a:ea typeface="Verdana" panose="020B0604030504040204" pitchFamily="34" charset="0"/>
+              </a:rPr>
+              <a:t>Coding </a:t>
+            </a:r>
+            <a:r>
+              <a:rPr lang="en-US" sz="1600" dirty="0" smtClean="0">
+                <a:latin typeface="Verdana" panose="020B0604030504040204" pitchFamily="34" charset="0"/>
+                <a:ea typeface="Verdana" panose="020B0604030504040204" pitchFamily="34" charset="0"/>
+              </a:rPr>
+              <a:t>Language</a:t>
+            </a:r>
+            <a:r>
+              <a:rPr lang="en-US" sz="1600" dirty="0">
+                <a:latin typeface="Verdana" panose="020B0604030504040204" pitchFamily="34" charset="0"/>
+                <a:ea typeface="Verdana" panose="020B0604030504040204" pitchFamily="34" charset="0"/>
+              </a:rPr>
+              <a:t> </a:t>
+            </a:r>
+            <a:r>
+              <a:rPr lang="en-US" sz="1600" dirty="0" smtClean="0">
+                <a:latin typeface="Verdana" panose="020B0604030504040204" pitchFamily="34" charset="0"/>
+                <a:ea typeface="Verdana" panose="020B0604030504040204" pitchFamily="34" charset="0"/>
+              </a:rPr>
+              <a:t>           </a:t>
+            </a:r>
+            <a:r>
+              <a:rPr lang="en-US" sz="1600" dirty="0" smtClean="0">
+                <a:latin typeface="Verdana" panose="020B0604030504040204" pitchFamily="34" charset="0"/>
+                <a:ea typeface="Verdana" panose="020B0604030504040204" pitchFamily="34" charset="0"/>
+              </a:rPr>
+              <a:t>    </a:t>
+            </a:r>
+            <a:r>
+              <a:rPr lang="en-US" sz="1600" dirty="0" smtClean="0">
+                <a:latin typeface="Verdana" panose="020B0604030504040204" pitchFamily="34" charset="0"/>
+                <a:ea typeface="Verdana" panose="020B0604030504040204" pitchFamily="34" charset="0"/>
+              </a:rPr>
+              <a:t>:   </a:t>
+            </a:r>
+            <a:r>
+              <a:rPr lang="en-US" sz="1600" dirty="0">
+                <a:latin typeface="Verdana" panose="020B0604030504040204" pitchFamily="34" charset="0"/>
+                <a:ea typeface="Verdana" panose="020B0604030504040204" pitchFamily="34" charset="0"/>
+              </a:rPr>
+              <a:t>Python</a:t>
+            </a:r>
+            <a:r>
+              <a:rPr lang="en-US" sz="1600" dirty="0" smtClean="0">
+                <a:latin typeface="Verdana" panose="020B0604030504040204" pitchFamily="34" charset="0"/>
+                <a:ea typeface="Verdana" panose="020B0604030504040204" pitchFamily="34" charset="0"/>
+              </a:rPr>
+              <a:t>.</a:t>
+            </a:r>
+          </a:p>
+          <a:p>
+            <a:pPr marL="285750" lvl="0" indent="-285750">
+              <a:buFont typeface="Arial" panose="020B0604020202020204" pitchFamily="34" charset="0"/>
+              <a:buChar char="•"/>
+            </a:pPr>
+            <a:r>
+              <a:rPr lang="en-US" sz="1600" dirty="0" smtClean="0">
+                <a:latin typeface="Verdana" panose="020B0604030504040204" pitchFamily="34" charset="0"/>
+                <a:ea typeface="Verdana" panose="020B0604030504040204" pitchFamily="34" charset="0"/>
+              </a:rPr>
+              <a:t>Front-End</a:t>
+            </a:r>
+            <a:r>
+              <a:rPr lang="en-US" sz="1600" dirty="0">
+                <a:latin typeface="Verdana" panose="020B0604030504040204" pitchFamily="34" charset="0"/>
+                <a:ea typeface="Verdana" panose="020B0604030504040204" pitchFamily="34" charset="0"/>
+              </a:rPr>
+              <a:t> </a:t>
+            </a:r>
+            <a:r>
+              <a:rPr lang="en-US" sz="1600" dirty="0" smtClean="0">
+                <a:latin typeface="Verdana" panose="020B0604030504040204" pitchFamily="34" charset="0"/>
+                <a:ea typeface="Verdana" panose="020B0604030504040204" pitchFamily="34" charset="0"/>
+              </a:rPr>
+              <a:t>                       </a:t>
+            </a:r>
+            <a:r>
+              <a:rPr lang="en-US" sz="1600" dirty="0" smtClean="0">
+                <a:latin typeface="Verdana" panose="020B0604030504040204" pitchFamily="34" charset="0"/>
+                <a:ea typeface="Verdana" panose="020B0604030504040204" pitchFamily="34" charset="0"/>
+              </a:rPr>
+              <a:t>   </a:t>
+            </a:r>
+            <a:r>
+              <a:rPr lang="en-US" sz="1600" dirty="0" smtClean="0">
+                <a:latin typeface="Verdana" panose="020B0604030504040204" pitchFamily="34" charset="0"/>
+                <a:ea typeface="Verdana" panose="020B0604030504040204" pitchFamily="34" charset="0"/>
+              </a:rPr>
+              <a:t>:   Python</a:t>
+            </a:r>
+            <a:endParaRPr lang="en-IN" sz="1600" dirty="0" smtClean="0">
+              <a:latin typeface="Verdana" panose="020B0604030504040204" pitchFamily="34" charset="0"/>
+              <a:ea typeface="Verdana" panose="020B0604030504040204" pitchFamily="34" charset="0"/>
+            </a:endParaRPr>
+          </a:p>
+          <a:p>
+            <a:pPr marL="285750" lvl="0" indent="-285750">
+              <a:buFont typeface="Arial" panose="020B0604020202020204" pitchFamily="34" charset="0"/>
+              <a:buChar char="•"/>
+            </a:pPr>
+            <a:r>
+              <a:rPr lang="en-US" sz="1600" dirty="0" smtClean="0">
+                <a:latin typeface="Verdana" panose="020B0604030504040204" pitchFamily="34" charset="0"/>
+                <a:ea typeface="Verdana" panose="020B0604030504040204" pitchFamily="34" charset="0"/>
+              </a:rPr>
+              <a:t>Data Base	             </a:t>
+            </a:r>
+            <a:r>
+              <a:rPr lang="en-US" sz="1600" dirty="0" smtClean="0">
+                <a:latin typeface="Verdana" panose="020B0604030504040204" pitchFamily="34" charset="0"/>
+                <a:ea typeface="Verdana" panose="020B0604030504040204" pitchFamily="34" charset="0"/>
+              </a:rPr>
+              <a:t>      </a:t>
+            </a:r>
+            <a:r>
+              <a:rPr lang="en-US" sz="1600" dirty="0" smtClean="0">
+                <a:latin typeface="Verdana" panose="020B0604030504040204" pitchFamily="34" charset="0"/>
+                <a:ea typeface="Verdana" panose="020B0604030504040204" pitchFamily="34" charset="0"/>
+              </a:rPr>
+              <a:t>:   MySQL.</a:t>
+            </a:r>
+            <a:endParaRPr lang="en-IN" sz="1600" dirty="0" smtClean="0">
+              <a:latin typeface="Verdana" panose="020B0604030504040204" pitchFamily="34" charset="0"/>
+              <a:ea typeface="Verdana" panose="020B0604030504040204" pitchFamily="34" charset="0"/>
+            </a:endParaRPr>
+          </a:p>
+          <a:p>
+            <a:pPr lvl="0"/>
+            <a:endParaRPr lang="en-IN" dirty="0"/>
+          </a:p>
+        </p:txBody>
+      </p:sp>
+      <p:cxnSp>
+        <p:nvCxnSpPr>
+          <p:cNvPr id="9" name="Straight Connector 8"/>
+          <p:cNvCxnSpPr/>
+          <p:nvPr/>
+        </p:nvCxnSpPr>
+        <p:spPr>
+          <a:xfrm flipV="1">
+            <a:off x="457200" y="3771900"/>
+            <a:ext cx="7010400" cy="38100"/>
+          </a:xfrm>
+          <a:prstGeom prst="line">
+            <a:avLst/>
+          </a:prstGeom>
+          <a:ln w="31750">
+            <a:solidFill>
+              <a:schemeClr val="tx1"/>
+            </a:solidFill>
+          </a:ln>
+        </p:spPr>
+        <p:style>
+          <a:lnRef idx="1">
+            <a:schemeClr val="accent1"/>
+          </a:lnRef>
+          <a:fillRef idx="0">
+            <a:schemeClr val="accent1"/>
+          </a:fillRef>
+          <a:effectRef idx="0">
+            <a:schemeClr val="accent1"/>
+          </a:effectRef>
+          <a:fontRef idx="minor">
+            <a:schemeClr val="tx1"/>
+          </a:fontRef>
+        </p:style>
+      </p:cxnSp>
     </p:spTree>
     <p:extLst>
       <p:ext uri="{BB962C8B-B14F-4D97-AF65-F5344CB8AC3E}">
-        <p14:creationId xmlns:p14="http://schemas.microsoft.com/office/powerpoint/2010/main" val="3995523431"/>
+        <p14:creationId xmlns:p14="http://schemas.microsoft.com/office/powerpoint/2010/main" val="1948215729"/>
       </p:ext>
     </p:extLst>
   </p:cSld>
@@ -15730,22 +15353,273 @@
             <p:ph type="title"/>
           </p:nvPr>
         </p:nvSpPr>
+        <p:spPr>
+          <a:xfrm>
+            <a:off x="457200" y="274637"/>
+            <a:ext cx="8229600" cy="710140"/>
+          </a:xfrm>
+        </p:spPr>
+        <p:txBody>
+          <a:bodyPr/>
+          <a:lstStyle/>
+          <a:p>
+            <a:r>
+              <a:rPr lang="en-US" sz="2000" b="1" dirty="0">
+                <a:solidFill>
+                  <a:schemeClr val="dk1"/>
+                </a:solidFill>
+                <a:latin typeface="Bookman Old Style" panose="02050604050505020204" pitchFamily="18" charset="0"/>
+                <a:cs typeface="Times New Roman" panose="02020603050405020304" pitchFamily="18" charset="0"/>
+              </a:rPr>
+              <a:t>SAMPLE </a:t>
+            </a:r>
+            <a:r>
+              <a:rPr lang="en-US" sz="2000" b="1" dirty="0" smtClean="0">
+                <a:solidFill>
+                  <a:schemeClr val="dk1"/>
+                </a:solidFill>
+                <a:latin typeface="Bookman Old Style" panose="02050604050505020204" pitchFamily="18" charset="0"/>
+                <a:cs typeface="Times New Roman" panose="02020603050405020304" pitchFamily="18" charset="0"/>
+              </a:rPr>
+              <a:t>OUTPUT</a:t>
+            </a:r>
+            <a:endParaRPr lang="en-IN" sz="2000" b="1" dirty="0">
+              <a:latin typeface="Bookman Old Style" panose="02050604050505020204" pitchFamily="18" charset="0"/>
+              <a:cs typeface="Times New Roman" panose="02020603050405020304" pitchFamily="18" charset="0"/>
+            </a:endParaRPr>
+          </a:p>
+        </p:txBody>
+      </p:sp>
+      <p:sp>
+        <p:nvSpPr>
+          <p:cNvPr id="3" name="Text Placeholder 2"/>
+          <p:cNvSpPr>
+            <a:spLocks noGrp="1"/>
+          </p:cNvSpPr>
+          <p:nvPr>
+            <p:ph type="body" idx="1"/>
+          </p:nvPr>
+        </p:nvSpPr>
+        <p:spPr>
+          <a:xfrm>
+            <a:off x="457200" y="1123950"/>
+            <a:ext cx="8229600" cy="5002350"/>
+          </a:xfrm>
+        </p:spPr>
+        <p:txBody>
+          <a:bodyPr/>
+          <a:lstStyle/>
+          <a:p>
+            <a:pPr marL="114300" indent="0">
+              <a:buNone/>
+            </a:pPr>
+            <a:endParaRPr lang="en-IN" dirty="0"/>
+          </a:p>
+        </p:txBody>
+      </p:sp>
+      <p:pic>
+        <p:nvPicPr>
+          <p:cNvPr id="11" name="Picture 10"/>
+          <p:cNvPicPr>
+            <a:picLocks noChangeAspect="1"/>
+          </p:cNvPicPr>
+          <p:nvPr/>
+        </p:nvPicPr>
+        <p:blipFill>
+          <a:blip r:embed="rId2">
+            <a:extLst>
+              <a:ext uri="{28A0092B-C50C-407E-A947-70E740481C1C}">
+                <a14:useLocalDpi xmlns:a14="http://schemas.microsoft.com/office/drawing/2010/main" val="0"/>
+              </a:ext>
+            </a:extLst>
+          </a:blip>
+          <a:stretch>
+            <a:fillRect/>
+          </a:stretch>
+        </p:blipFill>
+        <p:spPr>
+          <a:xfrm>
+            <a:off x="0" y="846137"/>
+            <a:ext cx="9144000" cy="5140990"/>
+          </a:xfrm>
+          <a:prstGeom prst="rect">
+            <a:avLst/>
+          </a:prstGeom>
+        </p:spPr>
+      </p:pic>
+    </p:spTree>
+    <p:extLst>
+      <p:ext uri="{BB962C8B-B14F-4D97-AF65-F5344CB8AC3E}">
+        <p14:creationId xmlns:p14="http://schemas.microsoft.com/office/powerpoint/2010/main" val="2440726552"/>
+      </p:ext>
+    </p:extLst>
+  </p:cSld>
+  <p:clrMapOvr>
+    <a:masterClrMapping/>
+  </p:clrMapOvr>
+  <p:timing>
+    <p:tnLst>
+      <p:par>
+        <p:cTn id="1" dur="indefinite" restart="never" nodeType="tmRoot"/>
+      </p:par>
+    </p:tnLst>
+  </p:timing>
+</p:sld>
+</file>
+
+<file path=ppt/slides/slide15.xml><?xml version="1.0" encoding="utf-8"?>
+<p:sld xmlns:a="http://schemas.openxmlformats.org/drawingml/2006/main" xmlns:r="http://schemas.openxmlformats.org/officeDocument/2006/relationships" xmlns:p="http://schemas.openxmlformats.org/presentationml/2006/main">
+  <p:cSld>
+    <p:spTree>
+      <p:nvGrpSpPr>
+        <p:cNvPr id="1" name=""/>
+        <p:cNvGrpSpPr/>
+        <p:nvPr/>
+      </p:nvGrpSpPr>
+      <p:grpSpPr>
+        <a:xfrm>
+          <a:off x="0" y="0"/>
+          <a:ext cx="0" cy="0"/>
+          <a:chOff x="0" y="0"/>
+          <a:chExt cx="0" cy="0"/>
+        </a:xfrm>
+      </p:grpSpPr>
+      <p:sp>
+        <p:nvSpPr>
+          <p:cNvPr id="2" name="Title 1"/>
+          <p:cNvSpPr>
+            <a:spLocks noGrp="1"/>
+          </p:cNvSpPr>
+          <p:nvPr>
+            <p:ph type="title"/>
+          </p:nvPr>
+        </p:nvSpPr>
         <p:spPr/>
         <p:txBody>
           <a:bodyPr/>
           <a:lstStyle/>
           <a:p>
             <a:r>
-              <a:rPr lang="en-US" sz="2000" dirty="0" smtClean="0">
+              <a:rPr lang="en-US" sz="2000" b="1" dirty="0" smtClean="0">
                 <a:solidFill>
                   <a:schemeClr val="dk1"/>
                 </a:solidFill>
-                <a:latin typeface="Times New Roman" panose="02020603050405020304" pitchFamily="18" charset="0"/>
+                <a:latin typeface="Bookman Old Style" panose="02050604050505020204" pitchFamily="18" charset="0"/>
                 <a:cs typeface="Times New Roman" panose="02020603050405020304" pitchFamily="18" charset="0"/>
               </a:rPr>
+              <a:t>CONCLUSION</a:t>
+            </a:r>
+            <a:endParaRPr lang="en-IN" sz="2000" b="1" dirty="0">
+              <a:latin typeface="Bookman Old Style" panose="02050604050505020204" pitchFamily="18" charset="0"/>
+              <a:cs typeface="Times New Roman" panose="02020603050405020304" pitchFamily="18" charset="0"/>
+            </a:endParaRPr>
+          </a:p>
+        </p:txBody>
+      </p:sp>
+      <p:sp>
+        <p:nvSpPr>
+          <p:cNvPr id="3" name="Text Placeholder 2"/>
+          <p:cNvSpPr>
+            <a:spLocks noGrp="1"/>
+          </p:cNvSpPr>
+          <p:nvPr>
+            <p:ph type="body" idx="1"/>
+          </p:nvPr>
+        </p:nvSpPr>
+        <p:spPr/>
+        <p:txBody>
+          <a:bodyPr/>
+          <a:lstStyle/>
+          <a:p>
+            <a:pPr marL="114300" indent="0">
+              <a:buNone/>
+            </a:pPr>
+            <a:r>
+              <a:rPr lang="en-US" sz="1600" spc="100" dirty="0" smtClean="0">
+                <a:latin typeface="Verdana" panose="020B0604030504040204" pitchFamily="34" charset="0"/>
+                <a:ea typeface="Verdana" panose="020B0604030504040204" pitchFamily="34" charset="0"/>
+              </a:rPr>
+              <a:t>   In </a:t>
+            </a:r>
+            <a:r>
+              <a:rPr lang="en-US" sz="1600" spc="100" dirty="0">
+                <a:latin typeface="Verdana" panose="020B0604030504040204" pitchFamily="34" charset="0"/>
+                <a:ea typeface="Verdana" panose="020B0604030504040204" pitchFamily="34" charset="0"/>
+              </a:rPr>
+              <a:t>this paper, we proposed the AI-SIEM system, which uses event profiles and artificial neural networks to enhance cyber-threat detection. The novelty of our approach lies in condensing large-scale data into event profiles and applying deep learning methods. This system helps security analysts manage significant security alerts efficiently and respond quickly to threats by reducing false positives. We evaluated our system using two benchmark datasets (NSLKDD, CICIDS2017) and two real-world datasets. Our experiments showed that our methods could be used as effective learning-based models for network intrusion detection, outperforming conventional machine learning methods in accurate classifications.</a:t>
+            </a:r>
+            <a:endParaRPr lang="en-IN" sz="1600" spc="100" dirty="0">
+              <a:latin typeface="Verdana" panose="020B0604030504040204" pitchFamily="34" charset="0"/>
+              <a:ea typeface="Verdana" panose="020B0604030504040204" pitchFamily="34" charset="0"/>
+            </a:endParaRPr>
+          </a:p>
+        </p:txBody>
+      </p:sp>
+    </p:spTree>
+    <p:extLst>
+      <p:ext uri="{BB962C8B-B14F-4D97-AF65-F5344CB8AC3E}">
+        <p14:creationId xmlns:p14="http://schemas.microsoft.com/office/powerpoint/2010/main" val="3995523431"/>
+      </p:ext>
+    </p:extLst>
+  </p:cSld>
+  <p:clrMapOvr>
+    <a:masterClrMapping/>
+  </p:clrMapOvr>
+  <p:timing>
+    <p:tnLst>
+      <p:par>
+        <p:cTn id="1" dur="indefinite" restart="never" nodeType="tmRoot"/>
+      </p:par>
+    </p:tnLst>
+  </p:timing>
+</p:sld>
+</file>
+
+<file path=ppt/slides/slide16.xml><?xml version="1.0" encoding="utf-8"?>
+<p:sld xmlns:a="http://schemas.openxmlformats.org/drawingml/2006/main" xmlns:r="http://schemas.openxmlformats.org/officeDocument/2006/relationships" xmlns:p="http://schemas.openxmlformats.org/presentationml/2006/main">
+  <p:cSld>
+    <p:spTree>
+      <p:nvGrpSpPr>
+        <p:cNvPr id="1" name=""/>
+        <p:cNvGrpSpPr/>
+        <p:nvPr/>
+      </p:nvGrpSpPr>
+      <p:grpSpPr>
+        <a:xfrm>
+          <a:off x="0" y="0"/>
+          <a:ext cx="0" cy="0"/>
+          <a:chOff x="0" y="0"/>
+          <a:chExt cx="0" cy="0"/>
+        </a:xfrm>
+      </p:grpSpPr>
+      <p:sp>
+        <p:nvSpPr>
+          <p:cNvPr id="2" name="Title 1"/>
+          <p:cNvSpPr>
+            <a:spLocks noGrp="1"/>
+          </p:cNvSpPr>
+          <p:nvPr>
+            <p:ph type="title"/>
+          </p:nvPr>
+        </p:nvSpPr>
+        <p:spPr/>
+        <p:txBody>
+          <a:bodyPr/>
+          <a:lstStyle/>
+          <a:p>
+            <a:r>
+              <a:rPr lang="en-US" sz="2000" b="1" dirty="0" smtClean="0">
+                <a:solidFill>
+                  <a:schemeClr val="dk1"/>
+                </a:solidFill>
+                <a:latin typeface="Bookman Old Style" panose="02050604050505020204" pitchFamily="18" charset="0"/>
+                <a:cs typeface="Times New Roman" panose="02020603050405020304" pitchFamily="18" charset="0"/>
+              </a:rPr>
               <a:t>REFERENCES</a:t>
             </a:r>
-            <a:endParaRPr lang="en-IN" dirty="0"/>
+            <a:endParaRPr lang="en-IN" b="1" dirty="0">
+              <a:latin typeface="Bookman Old Style" panose="02050604050505020204" pitchFamily="18" charset="0"/>
+            </a:endParaRPr>
           </a:p>
         </p:txBody>
       </p:sp>
@@ -15770,232 +15644,196 @@
           <a:lstStyle/>
           <a:p>
             <a:r>
-              <a:rPr lang="en-US" sz="1600" dirty="0">
+              <a:rPr lang="en-IN" sz="1600" dirty="0" smtClean="0">
                 <a:latin typeface="Verdana" panose="020B0604030504040204" pitchFamily="34" charset="0"/>
                 <a:ea typeface="Verdana" panose="020B0604030504040204" pitchFamily="34" charset="0"/>
               </a:rPr>
               <a:t>[1] S. </a:t>
             </a:r>
             <a:r>
-              <a:rPr lang="en-US" sz="1600" dirty="0" err="1">
+              <a:rPr lang="en-IN" sz="1600" dirty="0" err="1" smtClean="0">
                 <a:latin typeface="Verdana" panose="020B0604030504040204" pitchFamily="34" charset="0"/>
                 <a:ea typeface="Verdana" panose="020B0604030504040204" pitchFamily="34" charset="0"/>
               </a:rPr>
               <a:t>Naseer</a:t>
             </a:r>
             <a:r>
-              <a:rPr lang="en-US" sz="1600" dirty="0">
+              <a:rPr lang="en-IN" sz="1600" dirty="0" smtClean="0">
                 <a:latin typeface="Verdana" panose="020B0604030504040204" pitchFamily="34" charset="0"/>
                 <a:ea typeface="Verdana" panose="020B0604030504040204" pitchFamily="34" charset="0"/>
               </a:rPr>
               <a:t>, Y. </a:t>
             </a:r>
             <a:r>
-              <a:rPr lang="en-US" sz="1600" dirty="0" err="1">
+              <a:rPr lang="en-IN" sz="1600" dirty="0" err="1" smtClean="0">
                 <a:latin typeface="Verdana" panose="020B0604030504040204" pitchFamily="34" charset="0"/>
                 <a:ea typeface="Verdana" panose="020B0604030504040204" pitchFamily="34" charset="0"/>
               </a:rPr>
               <a:t>Saleem</a:t>
             </a:r>
             <a:r>
-              <a:rPr lang="en-US" sz="1600" dirty="0">
-                <a:latin typeface="Verdana" panose="020B0604030504040204" pitchFamily="34" charset="0"/>
-                <a:ea typeface="Verdana" panose="020B0604030504040204" pitchFamily="34" charset="0"/>
-              </a:rPr>
-              <a:t>, S. Khalid, M. K. Bashir, J. Han, M. M. Iqbal, K. Han, "Enhanced Network Anomaly Detection Based on Deep Neural Networks," </a:t>
-            </a:r>
-            <a:r>
-              <a:rPr lang="en-US" sz="1600" i="1" dirty="0">
-                <a:latin typeface="Verdana" panose="020B0604030504040204" pitchFamily="34" charset="0"/>
-                <a:ea typeface="Verdana" panose="020B0604030504040204" pitchFamily="34" charset="0"/>
-              </a:rPr>
-              <a:t>IEEE Access</a:t>
-            </a:r>
-            <a:r>
-              <a:rPr lang="en-US" sz="1600" dirty="0">
-                <a:latin typeface="Verdana" panose="020B0604030504040204" pitchFamily="34" charset="0"/>
-                <a:ea typeface="Verdana" panose="020B0604030504040204" pitchFamily="34" charset="0"/>
-              </a:rPr>
-              <a:t>, vol. 6, pp. 48231-48246, 2018.</a:t>
-            </a:r>
-            <a:endParaRPr lang="en-IN" sz="1600" dirty="0">
+              <a:rPr lang="en-IN" sz="1600" dirty="0" smtClean="0">
+                <a:latin typeface="Verdana" panose="020B0604030504040204" pitchFamily="34" charset="0"/>
+                <a:ea typeface="Verdana" panose="020B0604030504040204" pitchFamily="34" charset="0"/>
+              </a:rPr>
+              <a:t>, S. Khalid, M. K. Bashir, J. Han, M. M. Iqbal, and K. Han, ‘‘Enhanced network anomaly detection based on deep neural networks,’’ IEEE Access, vol. 6, pp. 48231–48246, 2018. </a:t>
+            </a:r>
+          </a:p>
+          <a:p>
+            <a:r>
+              <a:rPr lang="en-US" sz="1600" dirty="0" smtClean="0">
+                <a:latin typeface="Verdana" panose="020B0604030504040204" pitchFamily="34" charset="0"/>
+                <a:ea typeface="Verdana" panose="020B0604030504040204" pitchFamily="34" charset="0"/>
+              </a:rPr>
+              <a:t>[2] W. Wang, Y. Sheng, and J. Wang, ‘‘HAST-IDS: Learning hierarchical spatial-temporal features using deep neural networks to improve intrusion detection,’’ IEEE Access, vol. 6, pp. 1792–1806, 2018.</a:t>
+            </a:r>
+            <a:endParaRPr lang="en-IN" sz="1600" dirty="0" smtClean="0">
               <a:latin typeface="Verdana" panose="020B0604030504040204" pitchFamily="34" charset="0"/>
               <a:ea typeface="Verdana" panose="020B0604030504040204" pitchFamily="34" charset="0"/>
             </a:endParaRPr>
           </a:p>
           <a:p>
-            <a:pPr marL="114300" indent="0">
-              <a:buNone/>
-            </a:pPr>
-            <a:r>
-              <a:rPr lang="en-US" sz="1600" dirty="0">
-                <a:latin typeface="Verdana" panose="020B0604030504040204" pitchFamily="34" charset="0"/>
-                <a:ea typeface="Verdana" panose="020B0604030504040204" pitchFamily="34" charset="0"/>
-              </a:rPr>
-              <a:t> </a:t>
+            <a:r>
+              <a:rPr lang="en-IN" sz="1600" dirty="0" smtClean="0">
+                <a:latin typeface="Verdana" panose="020B0604030504040204" pitchFamily="34" charset="0"/>
+                <a:ea typeface="Verdana" panose="020B0604030504040204" pitchFamily="34" charset="0"/>
+              </a:rPr>
+              <a:t>[3] M. Du, F. Li, G. Zheng, and V. </a:t>
+            </a:r>
+            <a:r>
+              <a:rPr lang="en-IN" sz="1600" dirty="0" err="1" smtClean="0">
+                <a:latin typeface="Verdana" panose="020B0604030504040204" pitchFamily="34" charset="0"/>
+                <a:ea typeface="Verdana" panose="020B0604030504040204" pitchFamily="34" charset="0"/>
+              </a:rPr>
+              <a:t>Srikumar</a:t>
+            </a:r>
+            <a:r>
+              <a:rPr lang="en-IN" sz="1600" dirty="0" smtClean="0">
+                <a:latin typeface="Verdana" panose="020B0604030504040204" pitchFamily="34" charset="0"/>
+                <a:ea typeface="Verdana" panose="020B0604030504040204" pitchFamily="34" charset="0"/>
+              </a:rPr>
+              <a:t>, ‘‘</a:t>
+            </a:r>
+            <a:r>
+              <a:rPr lang="en-IN" sz="1600" dirty="0" err="1" smtClean="0">
+                <a:latin typeface="Verdana" panose="020B0604030504040204" pitchFamily="34" charset="0"/>
+                <a:ea typeface="Verdana" panose="020B0604030504040204" pitchFamily="34" charset="0"/>
+              </a:rPr>
+              <a:t>DeepLog</a:t>
+            </a:r>
+            <a:r>
+              <a:rPr lang="en-IN" sz="1600" dirty="0" smtClean="0">
+                <a:latin typeface="Verdana" panose="020B0604030504040204" pitchFamily="34" charset="0"/>
+                <a:ea typeface="Verdana" panose="020B0604030504040204" pitchFamily="34" charset="0"/>
+              </a:rPr>
+              <a:t>: Anomaly detection and diagnosis from system logs through deep learning,’’ in Proc. ACM CCS, Dallas, TX, USA, vol. 17, Nov. 2017, pp. 1285–1298.</a:t>
+            </a:r>
+          </a:p>
+          <a:p>
+            <a:r>
+              <a:rPr lang="en-US" sz="1600" dirty="0" smtClean="0">
+                <a:latin typeface="Verdana" panose="020B0604030504040204" pitchFamily="34" charset="0"/>
+                <a:ea typeface="Verdana" panose="020B0604030504040204" pitchFamily="34" charset="0"/>
+              </a:rPr>
+              <a:t>[4] Y. Shen, E. </a:t>
+            </a:r>
+            <a:r>
+              <a:rPr lang="en-US" sz="1600" dirty="0" err="1" smtClean="0">
+                <a:latin typeface="Verdana" panose="020B0604030504040204" pitchFamily="34" charset="0"/>
+                <a:ea typeface="Verdana" panose="020B0604030504040204" pitchFamily="34" charset="0"/>
+              </a:rPr>
+              <a:t>Mariconti</a:t>
+            </a:r>
+            <a:r>
+              <a:rPr lang="en-US" sz="1600" dirty="0" smtClean="0">
+                <a:latin typeface="Verdana" panose="020B0604030504040204" pitchFamily="34" charset="0"/>
+                <a:ea typeface="Verdana" panose="020B0604030504040204" pitchFamily="34" charset="0"/>
+              </a:rPr>
+              <a:t>, P. A. </a:t>
+            </a:r>
+            <a:r>
+              <a:rPr lang="en-US" sz="1600" dirty="0" err="1" smtClean="0">
+                <a:latin typeface="Verdana" panose="020B0604030504040204" pitchFamily="34" charset="0"/>
+                <a:ea typeface="Verdana" panose="020B0604030504040204" pitchFamily="34" charset="0"/>
+              </a:rPr>
+              <a:t>Vervier</a:t>
+            </a:r>
+            <a:r>
+              <a:rPr lang="en-US" sz="1600" dirty="0" smtClean="0">
+                <a:latin typeface="Verdana" panose="020B0604030504040204" pitchFamily="34" charset="0"/>
+                <a:ea typeface="Verdana" panose="020B0604030504040204" pitchFamily="34" charset="0"/>
+              </a:rPr>
+              <a:t>, and G. </a:t>
+            </a:r>
+            <a:r>
+              <a:rPr lang="en-US" sz="1600" dirty="0" err="1" smtClean="0">
+                <a:latin typeface="Verdana" panose="020B0604030504040204" pitchFamily="34" charset="0"/>
+                <a:ea typeface="Verdana" panose="020B0604030504040204" pitchFamily="34" charset="0"/>
+              </a:rPr>
+              <a:t>Stringhini</a:t>
+            </a:r>
+            <a:r>
+              <a:rPr lang="en-US" sz="1600" dirty="0" smtClean="0">
+                <a:latin typeface="Verdana" panose="020B0604030504040204" pitchFamily="34" charset="0"/>
+                <a:ea typeface="Verdana" panose="020B0604030504040204" pitchFamily="34" charset="0"/>
+              </a:rPr>
+              <a:t>, ‘‘Tiresias: Predicting security events through deep learning,’’ in Proc. ACM CCS, Toronto, ON, Canada, Oct. 2018, pp. 592–605.</a:t>
+            </a:r>
+          </a:p>
+          <a:p>
+            <a:r>
+              <a:rPr lang="en-US" sz="1600" dirty="0" smtClean="0">
+                <a:latin typeface="Verdana" panose="020B0604030504040204" pitchFamily="34" charset="0"/>
+                <a:ea typeface="Verdana" panose="020B0604030504040204" pitchFamily="34" charset="0"/>
+              </a:rPr>
+              <a:t>[5] Y. Liao and V. </a:t>
+            </a:r>
+            <a:r>
+              <a:rPr lang="en-US" sz="1600" dirty="0" err="1" smtClean="0">
+                <a:latin typeface="Verdana" panose="020B0604030504040204" pitchFamily="34" charset="0"/>
+                <a:ea typeface="Verdana" panose="020B0604030504040204" pitchFamily="34" charset="0"/>
+              </a:rPr>
+              <a:t>Vemuri</a:t>
+            </a:r>
+            <a:r>
+              <a:rPr lang="en-US" sz="1600" dirty="0" smtClean="0">
+                <a:latin typeface="Verdana" panose="020B0604030504040204" pitchFamily="34" charset="0"/>
+                <a:ea typeface="Verdana" panose="020B0604030504040204" pitchFamily="34" charset="0"/>
+              </a:rPr>
+              <a:t>, ‘‘Use of K-nearest neighbor classifier for intrusion detection,’’ </a:t>
+            </a:r>
+            <a:r>
+              <a:rPr lang="en-US" sz="1600" dirty="0" err="1" smtClean="0">
+                <a:latin typeface="Verdana" panose="020B0604030504040204" pitchFamily="34" charset="0"/>
+                <a:ea typeface="Verdana" panose="020B0604030504040204" pitchFamily="34" charset="0"/>
+              </a:rPr>
+              <a:t>Comput</a:t>
+            </a:r>
+            <a:r>
+              <a:rPr lang="en-US" sz="1600" dirty="0" smtClean="0">
+                <a:latin typeface="Verdana" panose="020B0604030504040204" pitchFamily="34" charset="0"/>
+                <a:ea typeface="Verdana" panose="020B0604030504040204" pitchFamily="34" charset="0"/>
+              </a:rPr>
+              <a:t>. </a:t>
+            </a:r>
+            <a:r>
+              <a:rPr lang="en-US" sz="1600" dirty="0" err="1" smtClean="0">
+                <a:latin typeface="Verdana" panose="020B0604030504040204" pitchFamily="34" charset="0"/>
+                <a:ea typeface="Verdana" panose="020B0604030504040204" pitchFamily="34" charset="0"/>
+              </a:rPr>
+              <a:t>Secur</a:t>
+            </a:r>
+            <a:r>
+              <a:rPr lang="en-US" sz="1600" dirty="0" smtClean="0">
+                <a:latin typeface="Verdana" panose="020B0604030504040204" pitchFamily="34" charset="0"/>
+                <a:ea typeface="Verdana" panose="020B0604030504040204" pitchFamily="34" charset="0"/>
+              </a:rPr>
+              <a:t>., vol. 21, no. 5, pp. 439–448, Oct. 2002.</a:t>
             </a:r>
             <a:endParaRPr lang="en-IN" sz="1600" dirty="0">
               <a:latin typeface="Verdana" panose="020B0604030504040204" pitchFamily="34" charset="0"/>
               <a:ea typeface="Verdana" panose="020B0604030504040204" pitchFamily="34" charset="0"/>
             </a:endParaRPr>
-          </a:p>
-          <a:p>
-            <a:r>
-              <a:rPr lang="en-US" sz="1600" dirty="0">
-                <a:latin typeface="Verdana" panose="020B0604030504040204" pitchFamily="34" charset="0"/>
-                <a:ea typeface="Verdana" panose="020B0604030504040204" pitchFamily="34" charset="0"/>
-              </a:rPr>
-              <a:t>[2] B. Zhang, G. Hu, Z. Zhou, Y. Zhang, P. </a:t>
-            </a:r>
-            <a:r>
-              <a:rPr lang="en-US" sz="1600" dirty="0" err="1">
-                <a:latin typeface="Verdana" panose="020B0604030504040204" pitchFamily="34" charset="0"/>
-                <a:ea typeface="Verdana" panose="020B0604030504040204" pitchFamily="34" charset="0"/>
-              </a:rPr>
-              <a:t>Qiao</a:t>
-            </a:r>
-            <a:r>
-              <a:rPr lang="en-US" sz="1600" dirty="0">
-                <a:latin typeface="Verdana" panose="020B0604030504040204" pitchFamily="34" charset="0"/>
-                <a:ea typeface="Verdana" panose="020B0604030504040204" pitchFamily="34" charset="0"/>
-              </a:rPr>
-              <a:t>, L. Chang, "Network Intrusion Detection Based on Directed Acyclic Graph and Belief Rule Base", </a:t>
-            </a:r>
-            <a:r>
-              <a:rPr lang="en-US" sz="1600" i="1" dirty="0">
-                <a:latin typeface="Verdana" panose="020B0604030504040204" pitchFamily="34" charset="0"/>
-                <a:ea typeface="Verdana" panose="020B0604030504040204" pitchFamily="34" charset="0"/>
-              </a:rPr>
-              <a:t>ETRI Journal</a:t>
-            </a:r>
-            <a:r>
-              <a:rPr lang="en-US" sz="1600" dirty="0">
-                <a:latin typeface="Verdana" panose="020B0604030504040204" pitchFamily="34" charset="0"/>
-                <a:ea typeface="Verdana" panose="020B0604030504040204" pitchFamily="34" charset="0"/>
-              </a:rPr>
-              <a:t>, vol. 39, no. 4, pp. 592-604, Aug. 2017</a:t>
-            </a:r>
-            <a:endParaRPr lang="en-IN" sz="1600" dirty="0">
-              <a:latin typeface="Verdana" panose="020B0604030504040204" pitchFamily="34" charset="0"/>
-              <a:ea typeface="Verdana" panose="020B0604030504040204" pitchFamily="34" charset="0"/>
-            </a:endParaRPr>
-          </a:p>
-          <a:p>
-            <a:pPr marL="114300" indent="0">
-              <a:buNone/>
-            </a:pPr>
-            <a:endParaRPr lang="en-IN" sz="1600" dirty="0">
-              <a:latin typeface="Verdana" panose="020B0604030504040204" pitchFamily="34" charset="0"/>
-              <a:ea typeface="Verdana" panose="020B0604030504040204" pitchFamily="34" charset="0"/>
-            </a:endParaRPr>
-          </a:p>
-          <a:p>
-            <a:r>
-              <a:rPr lang="en-US" sz="1600" dirty="0">
-                <a:latin typeface="Verdana" panose="020B0604030504040204" pitchFamily="34" charset="0"/>
-                <a:ea typeface="Verdana" panose="020B0604030504040204" pitchFamily="34" charset="0"/>
-              </a:rPr>
-              <a:t>[3] W. Wang, Y. Sheng and J. Wang, "HAST-IDS: Learning hierarchical spatial-temporal features using deep neural networks to improve intrusion detection," </a:t>
-            </a:r>
-            <a:r>
-              <a:rPr lang="en-US" sz="1600" i="1" dirty="0">
-                <a:latin typeface="Verdana" panose="020B0604030504040204" pitchFamily="34" charset="0"/>
-                <a:ea typeface="Verdana" panose="020B0604030504040204" pitchFamily="34" charset="0"/>
-              </a:rPr>
-              <a:t>IEEE Access</a:t>
-            </a:r>
-            <a:r>
-              <a:rPr lang="en-US" sz="1600" dirty="0">
-                <a:latin typeface="Verdana" panose="020B0604030504040204" pitchFamily="34" charset="0"/>
-                <a:ea typeface="Verdana" panose="020B0604030504040204" pitchFamily="34" charset="0"/>
-              </a:rPr>
-              <a:t>, vol. 6, no. 99, pp. 1792-1806, 2018.</a:t>
-            </a:r>
-            <a:endParaRPr lang="en-IN" sz="1600" dirty="0">
-              <a:latin typeface="Verdana" panose="020B0604030504040204" pitchFamily="34" charset="0"/>
-              <a:ea typeface="Verdana" panose="020B0604030504040204" pitchFamily="34" charset="0"/>
-            </a:endParaRPr>
-          </a:p>
-          <a:p>
-            <a:pPr marL="114300" indent="0">
-              <a:buNone/>
-            </a:pPr>
-            <a:endParaRPr lang="en-IN" sz="1600" dirty="0">
-              <a:latin typeface="Verdana" panose="020B0604030504040204" pitchFamily="34" charset="0"/>
-              <a:ea typeface="Verdana" panose="020B0604030504040204" pitchFamily="34" charset="0"/>
-            </a:endParaRPr>
-          </a:p>
-          <a:p>
-            <a:r>
-              <a:rPr lang="en-US" sz="1600" dirty="0">
-                <a:latin typeface="Verdana" panose="020B0604030504040204" pitchFamily="34" charset="0"/>
-                <a:ea typeface="Verdana" panose="020B0604030504040204" pitchFamily="34" charset="0"/>
-              </a:rPr>
-              <a:t>[4] M. K. Hussein, N. Bin Zainal and A. N. </a:t>
-            </a:r>
-            <a:r>
-              <a:rPr lang="en-US" sz="1600" dirty="0" err="1">
-                <a:latin typeface="Verdana" panose="020B0604030504040204" pitchFamily="34" charset="0"/>
-                <a:ea typeface="Verdana" panose="020B0604030504040204" pitchFamily="34" charset="0"/>
-              </a:rPr>
-              <a:t>Jaber</a:t>
-            </a:r>
-            <a:r>
-              <a:rPr lang="en-US" sz="1600" dirty="0">
-                <a:latin typeface="Verdana" panose="020B0604030504040204" pitchFamily="34" charset="0"/>
-                <a:ea typeface="Verdana" panose="020B0604030504040204" pitchFamily="34" charset="0"/>
-              </a:rPr>
-              <a:t>, "Data security analysis for DDoS defense of cloud based networks," </a:t>
-            </a:r>
-            <a:r>
-              <a:rPr lang="en-US" sz="1600" i="1" dirty="0">
-                <a:latin typeface="Verdana" panose="020B0604030504040204" pitchFamily="34" charset="0"/>
-                <a:ea typeface="Verdana" panose="020B0604030504040204" pitchFamily="34" charset="0"/>
-              </a:rPr>
-              <a:t>2015 IEEE Student</a:t>
-            </a:r>
-            <a:r>
-              <a:rPr lang="en-US" sz="1600" dirty="0">
-                <a:latin typeface="Verdana" panose="020B0604030504040204" pitchFamily="34" charset="0"/>
-                <a:ea typeface="Verdana" panose="020B0604030504040204" pitchFamily="34" charset="0"/>
-              </a:rPr>
-              <a:t> </a:t>
-            </a:r>
-            <a:r>
-              <a:rPr lang="en-US" sz="1600" i="1" dirty="0">
-                <a:latin typeface="Verdana" panose="020B0604030504040204" pitchFamily="34" charset="0"/>
-                <a:ea typeface="Verdana" panose="020B0604030504040204" pitchFamily="34" charset="0"/>
-              </a:rPr>
-              <a:t>Conference on Research and Development (</a:t>
-            </a:r>
-            <a:r>
-              <a:rPr lang="en-US" sz="1600" i="1" dirty="0" err="1">
-                <a:latin typeface="Verdana" panose="020B0604030504040204" pitchFamily="34" charset="0"/>
-                <a:ea typeface="Verdana" panose="020B0604030504040204" pitchFamily="34" charset="0"/>
-              </a:rPr>
-              <a:t>SCOReD</a:t>
-            </a:r>
-            <a:r>
-              <a:rPr lang="en-US" sz="1600" i="1" dirty="0">
-                <a:latin typeface="Verdana" panose="020B0604030504040204" pitchFamily="34" charset="0"/>
-                <a:ea typeface="Verdana" panose="020B0604030504040204" pitchFamily="34" charset="0"/>
-              </a:rPr>
-              <a:t>)</a:t>
-            </a:r>
-            <a:r>
-              <a:rPr lang="en-US" sz="1600" dirty="0">
-                <a:latin typeface="Verdana" panose="020B0604030504040204" pitchFamily="34" charset="0"/>
-                <a:ea typeface="Verdana" panose="020B0604030504040204" pitchFamily="34" charset="0"/>
-              </a:rPr>
-              <a:t>, Kuala Lumpur, 2015, pp. 305-310.</a:t>
-            </a:r>
-            <a:endParaRPr lang="en-IN" sz="1600" dirty="0">
-              <a:latin typeface="Verdana" panose="020B0604030504040204" pitchFamily="34" charset="0"/>
-              <a:ea typeface="Verdana" panose="020B0604030504040204" pitchFamily="34" charset="0"/>
-            </a:endParaRPr>
-          </a:p>
-          <a:p>
-            <a:endParaRPr lang="en-IN" dirty="0"/>
           </a:p>
         </p:txBody>
       </p:sp>
@@ -16019,7 +15857,7 @@
 </p:sld>
 </file>
 
-<file path=ppt/slides/slide15.xml><?xml version="1.0" encoding="utf-8"?>
+<file path=ppt/slides/slide17.xml><?xml version="1.0" encoding="utf-8"?>
 <p:sld xmlns:a="http://schemas.openxmlformats.org/drawingml/2006/main" xmlns:r="http://schemas.openxmlformats.org/officeDocument/2006/relationships" xmlns:p="http://schemas.openxmlformats.org/presentationml/2006/main">
   <p:cSld>
     <p:spTree>
@@ -16171,7 +16009,7 @@
           <a:lstStyle/>
           <a:p>
             <a:r>
-              <a:rPr lang="en-US" sz="2000" b="1" dirty="0">
+              <a:rPr lang="en-US" sz="2000" b="1" dirty="0" smtClean="0">
                 <a:latin typeface="Bookman Old Style" panose="02050604050505020204" pitchFamily="18" charset="0"/>
               </a:rPr>
               <a:t>Cyber threat detection based on artificial neural network using event profiles.</a:t>
@@ -16233,7 +16071,8 @@
                 <a:solidFill>
                   <a:schemeClr val="dk1"/>
                 </a:solidFill>
-                <a:latin typeface="Times New Roman" panose="02020603050405020304" pitchFamily="18" charset="0"/>
+                <a:latin typeface="Verdana" panose="020B0604030504040204" pitchFamily="34" charset="0"/>
+                <a:ea typeface="Verdana" panose="020B0604030504040204" pitchFamily="34" charset="0"/>
                 <a:cs typeface="Times New Roman" panose="02020603050405020304" pitchFamily="18" charset="0"/>
                 <a:sym typeface="Arial"/>
               </a:rPr>
@@ -16244,7 +16083,8 @@
                 <a:solidFill>
                   <a:schemeClr val="dk1"/>
                 </a:solidFill>
-                <a:latin typeface="Times New Roman" panose="02020603050405020304" pitchFamily="18" charset="0"/>
+                <a:latin typeface="Verdana" panose="020B0604030504040204" pitchFamily="34" charset="0"/>
+                <a:ea typeface="Verdana" panose="020B0604030504040204" pitchFamily="34" charset="0"/>
                 <a:cs typeface="Times New Roman" panose="02020603050405020304" pitchFamily="18" charset="0"/>
                 <a:sym typeface="Arial"/>
               </a:rPr>
@@ -16272,7 +16112,7 @@
             <a:endParaRPr sz="1600" dirty="0"/>
           </a:p>
           <a:p>
-            <a:pPr marL="342900" marR="0" lvl="0" indent="-342900" rtl="0">
+            <a:pPr marL="342900" marR="0" lvl="0" indent="-342900" algn="ctr" rtl="0">
               <a:lnSpc>
                 <a:spcPct val="100000"/>
               </a:lnSpc>
@@ -16294,8 +16134,8 @@
                 <a:solidFill>
                   <a:schemeClr val="dk1"/>
                 </a:solidFill>
-                <a:latin typeface="Bookman Old Style"/>
-                <a:ea typeface="Bookman Old Style"/>
+                <a:latin typeface="Verdana" panose="020B0604030504040204" pitchFamily="34" charset="0"/>
+                <a:ea typeface="Verdana" panose="020B0604030504040204" pitchFamily="34" charset="0"/>
                 <a:cs typeface="Bookman Old Style"/>
                 <a:sym typeface="Bookman Old Style"/>
               </a:rPr>
@@ -16321,7 +16161,7 @@
             </a:endParaRPr>
           </a:p>
           <a:p>
-            <a:pPr marL="342900" marR="0" lvl="0" indent="-342900" rtl="0">
+            <a:pPr marL="342900" marR="0" lvl="0" indent="-342900" algn="ctr" rtl="0">
               <a:lnSpc>
                 <a:spcPct val="100000"/>
               </a:lnSpc>
@@ -16348,7 +16188,7 @@
                 <a:cs typeface="Bookman Old Style"/>
                 <a:sym typeface="Bookman Old Style"/>
               </a:rPr>
-              <a:t>2. L . </a:t>
+              <a:t>     2. L . </a:t>
             </a:r>
             <a:r>
               <a:rPr lang="en-US" sz="1600" dirty="0" err="1" smtClean="0">
@@ -16381,7 +16221,7 @@
                 <a:cs typeface="Bookman Old Style"/>
                 <a:sym typeface="Bookman Old Style"/>
               </a:rPr>
-              <a:t> (22Q91A6724)</a:t>
+              <a:t> (22Q91A6734)</a:t>
             </a:r>
             <a:endParaRPr sz="1600" dirty="0">
               <a:latin typeface="Verdana" panose="020B0604030504040204" pitchFamily="34" charset="0"/>
@@ -16389,7 +16229,7 @@
             </a:endParaRPr>
           </a:p>
           <a:p>
-            <a:pPr marL="342900" marR="0" lvl="0" indent="-342900" rtl="0">
+            <a:pPr marL="342900" marR="0" lvl="0" indent="-342900" algn="ctr" rtl="0">
               <a:lnSpc>
                 <a:spcPct val="100000"/>
               </a:lnSpc>
@@ -16407,7 +16247,7 @@
               <a:buNone/>
             </a:pPr>
             <a:r>
-              <a:rPr lang="en-US" sz="1600" b="0" i="0" u="none" strike="noStrike" cap="none" dirty="0">
+              <a:rPr lang="en-US" sz="1600" b="0" i="0" u="none" strike="noStrike" cap="none" dirty="0" smtClean="0">
                 <a:solidFill>
                   <a:schemeClr val="dk1"/>
                 </a:solidFill>
@@ -16416,19 +16256,7 @@
                 <a:cs typeface="Bookman Old Style"/>
                 <a:sym typeface="Bookman Old Style"/>
               </a:rPr>
-              <a:t>3</a:t>
-            </a:r>
-            <a:r>
-              <a:rPr lang="en-US" sz="1600" b="0" i="0" u="none" strike="noStrike" cap="none" dirty="0" smtClean="0">
-                <a:solidFill>
-                  <a:schemeClr val="dk1"/>
-                </a:solidFill>
-                <a:latin typeface="Verdana" panose="020B0604030504040204" pitchFamily="34" charset="0"/>
-                <a:ea typeface="Verdana" panose="020B0604030504040204" pitchFamily="34" charset="0"/>
-                <a:cs typeface="Bookman Old Style"/>
-                <a:sym typeface="Bookman Old Style"/>
-              </a:rPr>
-              <a:t>. E . </a:t>
+              <a:t>              3. E . </a:t>
             </a:r>
             <a:r>
               <a:rPr lang="en-US" sz="1600" b="0" i="0" u="none" strike="noStrike" cap="none" dirty="0" err="1" smtClean="0">
@@ -16460,7 +16288,7 @@
             </a:endParaRPr>
           </a:p>
           <a:p>
-            <a:pPr marL="342900" marR="0" lvl="0" indent="-342900" rtl="0">
+            <a:pPr marL="342900" marR="0" lvl="0" indent="-342900" algn="ctr" rtl="0">
               <a:lnSpc>
                 <a:spcPct val="100000"/>
               </a:lnSpc>
@@ -16478,7 +16306,7 @@
               <a:buNone/>
             </a:pPr>
             <a:r>
-              <a:rPr lang="en-US" sz="1600" b="0" i="0" u="none" strike="noStrike" cap="none" dirty="0">
+              <a:rPr lang="en-US" sz="1600" b="0" i="0" u="none" strike="noStrike" cap="none" dirty="0" smtClean="0">
                 <a:solidFill>
                   <a:schemeClr val="dk1"/>
                 </a:solidFill>
@@ -16487,19 +16315,7 @@
                 <a:cs typeface="Bookman Old Style"/>
                 <a:sym typeface="Bookman Old Style"/>
               </a:rPr>
-              <a:t>4</a:t>
-            </a:r>
-            <a:r>
-              <a:rPr lang="en-US" sz="1600" b="0" i="0" u="none" strike="noStrike" cap="none" dirty="0" smtClean="0">
-                <a:solidFill>
-                  <a:schemeClr val="dk1"/>
-                </a:solidFill>
-                <a:latin typeface="Verdana" panose="020B0604030504040204" pitchFamily="34" charset="0"/>
-                <a:ea typeface="Verdana" panose="020B0604030504040204" pitchFamily="34" charset="0"/>
-                <a:cs typeface="Bookman Old Style"/>
-                <a:sym typeface="Bookman Old Style"/>
-              </a:rPr>
-              <a:t>. </a:t>
+              <a:t>     4. </a:t>
             </a:r>
             <a:r>
               <a:rPr lang="en-US" sz="1600" dirty="0" smtClean="0">
@@ -16566,14 +16382,16 @@
                 <a:solidFill>
                   <a:schemeClr val="dk1"/>
                 </a:solidFill>
-                <a:latin typeface="Times New Roman" panose="02020603050405020304" pitchFamily="18" charset="0"/>
+                <a:latin typeface="Verdana" panose="020B0604030504040204" pitchFamily="34" charset="0"/>
+                <a:ea typeface="Verdana" panose="020B0604030504040204" pitchFamily="34" charset="0"/>
                 <a:cs typeface="Times New Roman" panose="02020603050405020304" pitchFamily="18" charset="0"/>
                 <a:sym typeface="Arial"/>
               </a:rPr>
               <a:t>Under the Guidance of </a:t>
             </a:r>
             <a:endParaRPr sz="1800" b="1" dirty="0">
-              <a:latin typeface="Times New Roman" panose="02020603050405020304" pitchFamily="18" charset="0"/>
+              <a:latin typeface="Verdana" panose="020B0604030504040204" pitchFamily="34" charset="0"/>
+              <a:ea typeface="Verdana" panose="020B0604030504040204" pitchFamily="34" charset="0"/>
               <a:cs typeface="Times New Roman" panose="02020603050405020304" pitchFamily="18" charset="0"/>
             </a:endParaRPr>
           </a:p>
@@ -16596,54 +16414,47 @@
               <a:buNone/>
             </a:pPr>
             <a:r>
-              <a:rPr lang="en-US" sz="2000" b="0" i="0" u="none" strike="noStrike" cap="none" dirty="0" err="1">
-                <a:solidFill>
-                  <a:schemeClr val="dk1"/>
-                </a:solidFill>
+              <a:rPr lang="en-US" sz="2000" dirty="0">
                 <a:latin typeface="Bookman Old Style"/>
                 <a:ea typeface="Bookman Old Style"/>
                 <a:cs typeface="Bookman Old Style"/>
                 <a:sym typeface="Bookman Old Style"/>
               </a:rPr>
-              <a:t>Mr</a:t>
-            </a:r>
-            <a:r>
-              <a:rPr lang="en-US" sz="2000" b="0" i="0" u="none" strike="noStrike" cap="none" dirty="0">
-                <a:solidFill>
-                  <a:schemeClr val="dk1"/>
-                </a:solidFill>
+              <a:t> </a:t>
+            </a:r>
+            <a:r>
+              <a:rPr lang="en-US" sz="2000" dirty="0" smtClean="0">
                 <a:latin typeface="Bookman Old Style"/>
                 <a:ea typeface="Bookman Old Style"/>
                 <a:cs typeface="Bookman Old Style"/>
                 <a:sym typeface="Bookman Old Style"/>
               </a:rPr>
-              <a:t>/</a:t>
-            </a:r>
-            <a:r>
-              <a:rPr lang="en-US" sz="2000" b="0" i="0" u="none" strike="noStrike" cap="none" dirty="0" err="1">
+              <a:t>                                   </a:t>
+            </a:r>
+            <a:r>
+              <a:rPr lang="en-US" sz="2000" b="0" i="0" u="none" strike="noStrike" cap="none" dirty="0" err="1" smtClean="0">
                 <a:solidFill>
                   <a:schemeClr val="dk1"/>
                 </a:solidFill>
-                <a:latin typeface="Bookman Old Style"/>
-                <a:ea typeface="Bookman Old Style"/>
+                <a:latin typeface="Verdana" panose="020B0604030504040204" pitchFamily="34" charset="0"/>
+                <a:ea typeface="Verdana" panose="020B0604030504040204" pitchFamily="34" charset="0"/>
                 <a:cs typeface="Bookman Old Style"/>
                 <a:sym typeface="Bookman Old Style"/>
               </a:rPr>
-              <a:t>Ms</a:t>
-            </a:r>
-            <a:r>
-              <a:rPr lang="en-US" sz="2000" b="0" i="0" u="none" strike="noStrike" cap="none" dirty="0">
+              <a:t>Mrs.PV</a:t>
+            </a:r>
+            <a:r>
+              <a:rPr lang="en-US" sz="2000" b="0" i="0" u="none" strike="noStrike" cap="none" dirty="0" smtClean="0">
                 <a:solidFill>
                   <a:schemeClr val="dk1"/>
                 </a:solidFill>
-                <a:latin typeface="Bookman Old Style"/>
-                <a:ea typeface="Bookman Old Style"/>
+                <a:latin typeface="Verdana" panose="020B0604030504040204" pitchFamily="34" charset="0"/>
+                <a:ea typeface="Verdana" panose="020B0604030504040204" pitchFamily="34" charset="0"/>
                 <a:cs typeface="Bookman Old Style"/>
                 <a:sym typeface="Bookman Old Style"/>
               </a:rPr>
-              <a:t>/Mrs.</a:t>
-            </a:r>
-            <a:endParaRPr dirty="0"/>
+              <a:t>. HARIKA</a:t>
+            </a:r>
           </a:p>
           <a:p>
             <a:pPr marL="342900" marR="0" lvl="0" indent="-342900" algn="l" rtl="0">
@@ -16664,18 +16475,25 @@
               <a:buNone/>
             </a:pPr>
             <a:r>
-              <a:rPr lang="en-US" sz="2000" b="0" i="0" u="none" strike="noStrike" cap="none" dirty="0">
-                <a:solidFill>
-                  <a:schemeClr val="dk1"/>
-                </a:solidFill>
-                <a:latin typeface="Bookman Old Style"/>
-                <a:ea typeface="Bookman Old Style"/>
-                <a:cs typeface="Bookman Old Style"/>
+              <a:rPr lang="en-US" sz="2000" dirty="0">
+                <a:latin typeface="Verdana" panose="020B0604030504040204" pitchFamily="34" charset="0"/>
+                <a:ea typeface="Verdana" panose="020B0604030504040204" pitchFamily="34" charset="0"/>
                 <a:sym typeface="Bookman Old Style"/>
               </a:rPr>
-              <a:t>Assistant Professor-CSE-DS</a:t>
-            </a:r>
-            <a:endParaRPr dirty="0"/>
+              <a:t> </a:t>
+            </a:r>
+            <a:r>
+              <a:rPr lang="en-US" sz="2000" dirty="0" smtClean="0">
+                <a:latin typeface="Verdana" panose="020B0604030504040204" pitchFamily="34" charset="0"/>
+                <a:ea typeface="Verdana" panose="020B0604030504040204" pitchFamily="34" charset="0"/>
+                <a:sym typeface="Bookman Old Style"/>
+              </a:rPr>
+              <a:t>                                  ASSISTANT PROFESSOR</a:t>
+            </a:r>
+            <a:endParaRPr dirty="0">
+              <a:latin typeface="Verdana" panose="020B0604030504040204" pitchFamily="34" charset="0"/>
+              <a:ea typeface="Verdana" panose="020B0604030504040204" pitchFamily="34" charset="0"/>
+            </a:endParaRPr>
           </a:p>
         </p:txBody>
       </p:sp>
@@ -16713,320 +16531,189 @@
       </p:grpSpPr>
       <p:sp>
         <p:nvSpPr>
-          <p:cNvPr id="2" name="Title 1"/>
+          <p:cNvPr id="3" name="Content Placeholder 2"/>
           <p:cNvSpPr>
             <a:spLocks noGrp="1"/>
           </p:cNvSpPr>
           <p:nvPr>
-            <p:ph type="title"/>
+            <p:ph idx="1"/>
           </p:nvPr>
         </p:nvSpPr>
         <p:spPr>
           <a:xfrm>
-            <a:off x="180975" y="465137"/>
-            <a:ext cx="8229600" cy="1143000"/>
+            <a:off x="457200" y="212090"/>
+            <a:ext cx="8229600" cy="5914390"/>
           </a:xfrm>
         </p:spPr>
         <p:txBody>
           <a:bodyPr/>
           <a:lstStyle/>
           <a:p>
-            <a:pPr>
-              <a:spcBef>
-                <a:spcPts val="5000"/>
-              </a:spcBef>
+            <a:pPr marL="0" indent="0" algn="ctr">
+              <a:buNone/>
             </a:pPr>
             <a:r>
-              <a:rPr lang="en-US" sz="1800" b="1" dirty="0">
-                <a:solidFill>
-                  <a:schemeClr val="dk1"/>
-                </a:solidFill>
-                <a:latin typeface="Times New Roman" panose="02020603050405020304" pitchFamily="18" charset="0"/>
-                <a:cs typeface="Times New Roman" panose="02020603050405020304" pitchFamily="18" charset="0"/>
-              </a:rPr>
-              <a:t>ABSTRACT</a:t>
-            </a:r>
-            <a:r>
-              <a:rPr lang="en-US" sz="2000" dirty="0"/>
-              <a:t/>
-            </a:r>
-            <a:br>
-              <a:rPr lang="en-US" sz="2000" dirty="0"/>
-            </a:br>
-            <a:endParaRPr lang="en-IN" sz="2000" dirty="0"/>
-          </a:p>
-        </p:txBody>
-      </p:sp>
-      <p:sp>
-        <p:nvSpPr>
-          <p:cNvPr id="6" name="Rectangle 3"/>
-          <p:cNvSpPr>
-            <a:spLocks noGrp="1" noChangeArrowheads="1"/>
-          </p:cNvSpPr>
-          <p:nvPr>
-            <p:ph type="body" idx="1"/>
-          </p:nvPr>
-        </p:nvSpPr>
-        <p:spPr bwMode="auto">
-          <a:xfrm>
-            <a:off x="457200" y="1647260"/>
-            <a:ext cx="7677150" cy="4431983"/>
-          </a:xfrm>
-          <a:prstGeom prst="rect">
-            <a:avLst/>
-          </a:prstGeom>
-          <a:noFill/>
-          <a:ln>
-            <a:noFill/>
-          </a:ln>
-          <a:effectLst/>
-          <a:extLst>
-            <a:ext uri="{909E8E84-426E-40DD-AFC4-6F175D3DCCD1}">
-              <a14:hiddenFill xmlns:a14="http://schemas.microsoft.com/office/drawing/2010/main">
-                <a:solidFill>
-                  <a:schemeClr val="accent1"/>
-                </a:solidFill>
-              </a14:hiddenFill>
-            </a:ext>
-            <a:ext uri="{91240B29-F687-4F45-9708-019B960494DF}">
-              <a14:hiddenLine xmlns:a14="http://schemas.microsoft.com/office/drawing/2010/main" w="9525">
-                <a:solidFill>
-                  <a:schemeClr val="tx1"/>
-                </a:solidFill>
-                <a:miter lim="800000"/>
-                <a:headEnd/>
-                <a:tailEnd/>
-              </a14:hiddenLine>
-            </a:ext>
-            <a:ext uri="{AF507438-7753-43E0-B8FC-AC1667EBCBE1}">
-              <a14:hiddenEffects xmlns:a14="http://schemas.microsoft.com/office/drawing/2010/main">
-                <a:effectLst>
-                  <a:outerShdw dist="35921" dir="2700000" algn="ctr" rotWithShape="0">
-                    <a:schemeClr val="bg2"/>
-                  </a:outerShdw>
-                </a:effectLst>
-              </a14:hiddenEffects>
-            </a:ext>
-          </a:extLst>
-        </p:spPr>
-        <p:txBody>
-          <a:bodyPr vert="horz" wrap="square" lIns="91440" tIns="45720" rIns="91440" bIns="45720" numCol="1" anchor="ctr" anchorCtr="0" compatLnSpc="1">
-            <a:prstTxWarp prst="textNoShape">
-              <a:avLst/>
-            </a:prstTxWarp>
-            <a:spAutoFit/>
-          </a:bodyPr>
-          <a:lstStyle/>
-          <a:p>
-            <a:pPr marL="0" lvl="0" indent="0" eaLnBrk="0" fontAlgn="base" hangingPunct="0">
-              <a:spcBef>
-                <a:spcPts val="1200"/>
-              </a:spcBef>
-              <a:spcAft>
-                <a:spcPts val="600"/>
-              </a:spcAft>
-              <a:buClrTx/>
-              <a:buSzTx/>
-              <a:buNone/>
-            </a:pPr>
-            <a:r>
-              <a:rPr lang="en-US" sz="1600" dirty="0">
-                <a:latin typeface="Verdana" panose="020B0604030504040204" pitchFamily="34" charset="0"/>
-                <a:ea typeface="Verdana" panose="020B0604030504040204" pitchFamily="34" charset="0"/>
-              </a:rPr>
-              <a:t>One of the major challenges in cybersecurity is the provision of an automated and effective cyber-threats detection technique. In this paper, we present an AI technique for cyber-threats detection, based on artificial neural networks</a:t>
-            </a:r>
-            <a:endParaRPr lang="en-US" altLang="en-US" sz="1600" dirty="0" smtClean="0">
-              <a:solidFill>
-                <a:schemeClr val="tx1"/>
-              </a:solidFill>
-              <a:latin typeface="Verdana" panose="020B0604030504040204" pitchFamily="34" charset="0"/>
-              <a:ea typeface="Verdana" panose="020B0604030504040204" pitchFamily="34" charset="0"/>
-              <a:cs typeface="Helvetica" panose="020B0604020202020204" pitchFamily="34" charset="0"/>
+              <a:rPr lang="en-IN" altLang="en-US" dirty="0"/>
+              <a:t> </a:t>
+            </a:r>
+            <a:r>
+              <a:rPr lang="en-IN" altLang="en-US" sz="2000" b="1" dirty="0">
+                <a:latin typeface="Bookman Old Style" panose="02050604050505020204" pitchFamily="18" charset="0"/>
+                <a:cs typeface="Bookman Old Style" panose="02050604050505020204" pitchFamily="18" charset="0"/>
+              </a:rPr>
+              <a:t>CONTENTS</a:t>
+            </a:r>
+            <a:endParaRPr lang="en-IN" altLang="en-US" sz="2000" dirty="0">
+              <a:latin typeface="Bookman Old Style" panose="02050604050505020204" pitchFamily="18" charset="0"/>
+              <a:cs typeface="Bookman Old Style" panose="02050604050505020204" pitchFamily="18" charset="0"/>
             </a:endParaRPr>
           </a:p>
           <a:p>
-            <a:pPr marL="0" marR="0" lvl="0" indent="0" algn="l" defTabSz="914400" rtl="0" eaLnBrk="0" fontAlgn="base" latinLnBrk="0" hangingPunct="0">
-              <a:lnSpc>
-                <a:spcPct val="100000"/>
-              </a:lnSpc>
-              <a:spcBef>
-                <a:spcPts val="1200"/>
-              </a:spcBef>
-              <a:spcAft>
-                <a:spcPts val="600"/>
-              </a:spcAft>
-              <a:buClrTx/>
-              <a:buSzTx/>
-              <a:buFontTx/>
-              <a:buChar char="•"/>
-              <a:tabLst/>
+            <a:pPr marL="0" indent="0">
+              <a:buNone/>
             </a:pPr>
-            <a:r>
-              <a:rPr lang="en-US" altLang="en-US" sz="1600" dirty="0" smtClean="0">
-                <a:solidFill>
-                  <a:schemeClr val="tx1"/>
-                </a:solidFill>
-                <a:latin typeface="Verdana" panose="020B0604030504040204" pitchFamily="34" charset="0"/>
-                <a:ea typeface="Verdana" panose="020B0604030504040204" pitchFamily="34" charset="0"/>
-                <a:cs typeface="Helvetica" panose="020B0604020202020204" pitchFamily="34" charset="0"/>
-              </a:rPr>
-              <a:t> </a:t>
-            </a:r>
-            <a:r>
-              <a:rPr kumimoji="0" lang="en-US" altLang="en-US" sz="1600" b="0" i="0" u="none" strike="noStrike" cap="none" normalizeH="0" baseline="0" dirty="0" smtClean="0">
-                <a:ln>
-                  <a:noFill/>
-                </a:ln>
-                <a:solidFill>
-                  <a:schemeClr val="tx1"/>
-                </a:solidFill>
-                <a:effectLst/>
-                <a:latin typeface="Verdana" panose="020B0604030504040204" pitchFamily="34" charset="0"/>
-                <a:ea typeface="Verdana" panose="020B0604030504040204" pitchFamily="34" charset="0"/>
-                <a:cs typeface="Helvetica" panose="020B0604020202020204" pitchFamily="34" charset="0"/>
-              </a:rPr>
-              <a:t>Introduces AI-driven cyber-threat detection using neural networks.</a:t>
-            </a:r>
+            <a:endParaRPr lang="en-IN" altLang="en-US" sz="2000" dirty="0">
+              <a:latin typeface="Bookman Old Style" panose="02050604050505020204" pitchFamily="18" charset="0"/>
+              <a:cs typeface="Bookman Old Style" panose="02050604050505020204" pitchFamily="18" charset="0"/>
+            </a:endParaRPr>
           </a:p>
           <a:p>
-            <a:pPr marL="0" marR="0" lvl="0" indent="0" algn="l" defTabSz="914400" rtl="0" eaLnBrk="0" fontAlgn="base" latinLnBrk="0" hangingPunct="0">
-              <a:lnSpc>
-                <a:spcPct val="100000"/>
-              </a:lnSpc>
-              <a:spcBef>
-                <a:spcPts val="1200"/>
-              </a:spcBef>
-              <a:spcAft>
-                <a:spcPts val="600"/>
-              </a:spcAft>
-              <a:buClrTx/>
-              <a:buSzTx/>
-              <a:buFontTx/>
-              <a:buChar char="•"/>
-              <a:tabLst/>
-            </a:pPr>
-            <a:r>
-              <a:rPr kumimoji="0" lang="en-US" altLang="en-US" sz="1600" b="0" i="0" u="none" strike="noStrike" cap="none" normalizeH="0" baseline="0" dirty="0" smtClean="0">
-                <a:ln>
-                  <a:noFill/>
-                </a:ln>
-                <a:solidFill>
-                  <a:schemeClr val="tx1"/>
-                </a:solidFill>
-                <a:effectLst/>
-                <a:latin typeface="Verdana" panose="020B0604030504040204" pitchFamily="34" charset="0"/>
-                <a:ea typeface="Verdana" panose="020B0604030504040204" pitchFamily="34" charset="0"/>
-                <a:cs typeface="Helvetica" panose="020B0604020202020204" pitchFamily="34" charset="0"/>
-              </a:rPr>
-              <a:t>  Employs FCNN, CNN, and LSTM for deep learning-based detection.</a:t>
+            <a:r>
+              <a:rPr lang="en-IN" altLang="en-US" sz="2000" dirty="0" smtClean="0">
+                <a:latin typeface="Verdana" panose="020B0604030504040204" pitchFamily="34" charset="0"/>
+                <a:ea typeface="Verdana" panose="020B0604030504040204" pitchFamily="34" charset="0"/>
+                <a:cs typeface="Bookman Old Style" panose="02050604050505020204" pitchFamily="18" charset="0"/>
+              </a:rPr>
+              <a:t>INTRODUCTION</a:t>
             </a:r>
           </a:p>
           <a:p>
-            <a:pPr marL="0" marR="0" lvl="0" indent="0" algn="l" defTabSz="914400" rtl="0" eaLnBrk="0" fontAlgn="base" latinLnBrk="0" hangingPunct="0">
-              <a:lnSpc>
-                <a:spcPct val="100000"/>
-              </a:lnSpc>
-              <a:spcBef>
-                <a:spcPts val="1200"/>
-              </a:spcBef>
-              <a:spcAft>
-                <a:spcPts val="600"/>
-              </a:spcAft>
-              <a:buClrTx/>
-              <a:buSzTx/>
-              <a:buFontTx/>
-              <a:buChar char="•"/>
-              <a:tabLst/>
-            </a:pPr>
-            <a:r>
-              <a:rPr kumimoji="0" lang="en-US" altLang="en-US" sz="1600" b="0" i="0" u="none" strike="noStrike" cap="none" normalizeH="0" baseline="0" dirty="0" smtClean="0">
-                <a:ln>
-                  <a:noFill/>
-                </a:ln>
-                <a:solidFill>
-                  <a:schemeClr val="tx1"/>
-                </a:solidFill>
-                <a:effectLst/>
-                <a:latin typeface="Verdana" panose="020B0604030504040204" pitchFamily="34" charset="0"/>
-                <a:ea typeface="Verdana" panose="020B0604030504040204" pitchFamily="34" charset="0"/>
-                <a:cs typeface="Helvetica" panose="020B0604020202020204" pitchFamily="34" charset="0"/>
-              </a:rPr>
-              <a:t>  Develops an AI-SIEM system integrating event profiling and   ANN           methods.</a:t>
+            <a:r>
+              <a:rPr lang="en-IN" altLang="en-US" sz="2000" dirty="0" smtClean="0">
+                <a:latin typeface="Verdana" panose="020B0604030504040204" pitchFamily="34" charset="0"/>
+                <a:ea typeface="Verdana" panose="020B0604030504040204" pitchFamily="34" charset="0"/>
+                <a:cs typeface="Bookman Old Style" panose="02050604050505020204" pitchFamily="18" charset="0"/>
+              </a:rPr>
+              <a:t>METHODOLOGY-ALGORITHM</a:t>
             </a:r>
           </a:p>
           <a:p>
-            <a:pPr marL="0" marR="0" lvl="0" indent="0" algn="l" defTabSz="914400" rtl="0" eaLnBrk="0" fontAlgn="base" latinLnBrk="0" hangingPunct="0">
-              <a:lnSpc>
-                <a:spcPct val="100000"/>
-              </a:lnSpc>
-              <a:spcBef>
-                <a:spcPts val="1200"/>
-              </a:spcBef>
-              <a:spcAft>
-                <a:spcPts val="600"/>
-              </a:spcAft>
-              <a:buClrTx/>
-              <a:buSzTx/>
-              <a:buFontTx/>
-              <a:buChar char="•"/>
-              <a:tabLst/>
-            </a:pPr>
-            <a:r>
-              <a:rPr kumimoji="0" lang="en-US" altLang="en-US" sz="1600" b="0" i="0" u="none" strike="noStrike" cap="none" normalizeH="0" baseline="0" dirty="0" smtClean="0">
-                <a:ln>
-                  <a:noFill/>
-                </a:ln>
-                <a:solidFill>
-                  <a:schemeClr val="tx1"/>
-                </a:solidFill>
-                <a:effectLst/>
-                <a:latin typeface="Verdana" panose="020B0604030504040204" pitchFamily="34" charset="0"/>
-                <a:ea typeface="Verdana" panose="020B0604030504040204" pitchFamily="34" charset="0"/>
-                <a:cs typeface="Helvetica" panose="020B0604020202020204" pitchFamily="34" charset="0"/>
-              </a:rPr>
-              <a:t>  Compares performance with SVM, k-NN, RF, NB, and DT using diverse datasets.</a:t>
-            </a:r>
+            <a:r>
+              <a:rPr lang="en-US" altLang="en-US" sz="2000" dirty="0" smtClean="0">
+                <a:latin typeface="Verdana" panose="020B0604030504040204" pitchFamily="34" charset="0"/>
+                <a:ea typeface="Verdana" panose="020B0604030504040204" pitchFamily="34" charset="0"/>
+                <a:cs typeface="Bookman Old Style" panose="02050604050505020204" pitchFamily="18" charset="0"/>
+              </a:rPr>
+              <a:t>MODULES</a:t>
+            </a:r>
+            <a:endParaRPr lang="en-IN" altLang="en-US" sz="2000" dirty="0" smtClean="0">
+              <a:latin typeface="Verdana" panose="020B0604030504040204" pitchFamily="34" charset="0"/>
+              <a:ea typeface="Verdana" panose="020B0604030504040204" pitchFamily="34" charset="0"/>
+              <a:cs typeface="Bookman Old Style" panose="02050604050505020204" pitchFamily="18" charset="0"/>
+            </a:endParaRPr>
           </a:p>
           <a:p>
-            <a:pPr marL="0" marR="0" lvl="0" indent="0" algn="l" defTabSz="914400" rtl="0" eaLnBrk="0" fontAlgn="base" latinLnBrk="0" hangingPunct="0">
-              <a:lnSpc>
-                <a:spcPct val="100000"/>
-              </a:lnSpc>
-              <a:spcBef>
-                <a:spcPts val="1200"/>
-              </a:spcBef>
-              <a:spcAft>
-                <a:spcPts val="600"/>
-              </a:spcAft>
-              <a:buClrTx/>
-              <a:buSzTx/>
-              <a:buFontTx/>
-              <a:buChar char="•"/>
-              <a:tabLst/>
-            </a:pPr>
-            <a:r>
-              <a:rPr kumimoji="0" lang="en-US" altLang="en-US" sz="1600" b="0" i="0" u="none" strike="noStrike" cap="none" normalizeH="0" baseline="0" dirty="0" smtClean="0">
-                <a:ln>
-                  <a:noFill/>
-                </a:ln>
-                <a:solidFill>
-                  <a:schemeClr val="tx1"/>
-                </a:solidFill>
-                <a:effectLst/>
-                <a:latin typeface="Verdana" panose="020B0604030504040204" pitchFamily="34" charset="0"/>
-                <a:ea typeface="Verdana" panose="020B0604030504040204" pitchFamily="34" charset="0"/>
-                <a:cs typeface="Helvetica" panose="020B0604020202020204" pitchFamily="34" charset="0"/>
-              </a:rPr>
-              <a:t>  Shows ANN methods outperform conventional techniques in detecting network intrusions.</a:t>
-            </a:r>
+            <a:r>
+              <a:rPr lang="en-IN" altLang="en-US" sz="2000" dirty="0" smtClean="0">
+                <a:latin typeface="Verdana" panose="020B0604030504040204" pitchFamily="34" charset="0"/>
+                <a:ea typeface="Verdana" panose="020B0604030504040204" pitchFamily="34" charset="0"/>
+                <a:cs typeface="Bookman Old Style" panose="02050604050505020204" pitchFamily="18" charset="0"/>
+              </a:rPr>
+              <a:t>ARCHITECTURE</a:t>
+            </a:r>
+          </a:p>
+          <a:p>
+            <a:r>
+              <a:rPr lang="en-US" altLang="en-US" sz="2000" dirty="0" smtClean="0">
+                <a:latin typeface="Verdana" panose="020B0604030504040204" pitchFamily="34" charset="0"/>
+                <a:ea typeface="Verdana" panose="020B0604030504040204" pitchFamily="34" charset="0"/>
+                <a:cs typeface="Bookman Old Style" panose="02050604050505020204" pitchFamily="18" charset="0"/>
+              </a:rPr>
+              <a:t>WORKFLOW</a:t>
+            </a:r>
+            <a:endParaRPr lang="en-IN" altLang="en-US" sz="2000" dirty="0">
+              <a:latin typeface="Verdana" panose="020B0604030504040204" pitchFamily="34" charset="0"/>
+              <a:ea typeface="Verdana" panose="020B0604030504040204" pitchFamily="34" charset="0"/>
+              <a:cs typeface="Bookman Old Style" panose="02050604050505020204" pitchFamily="18" charset="0"/>
+            </a:endParaRPr>
+          </a:p>
+          <a:p>
+            <a:r>
+              <a:rPr lang="en-IN" altLang="en-US" sz="2000" dirty="0" smtClean="0">
+                <a:latin typeface="Verdana" panose="020B0604030504040204" pitchFamily="34" charset="0"/>
+                <a:ea typeface="Verdana" panose="020B0604030504040204" pitchFamily="34" charset="0"/>
+                <a:cs typeface="Bookman Old Style" panose="02050604050505020204" pitchFamily="18" charset="0"/>
+              </a:rPr>
+              <a:t>LITERATURE SURVEY</a:t>
+            </a:r>
+            <a:endParaRPr lang="en-US" altLang="en-US" sz="2000" dirty="0" smtClean="0">
+              <a:latin typeface="Verdana" panose="020B0604030504040204" pitchFamily="34" charset="0"/>
+              <a:ea typeface="Verdana" panose="020B0604030504040204" pitchFamily="34" charset="0"/>
+              <a:cs typeface="Bookman Old Style" panose="02050604050505020204" pitchFamily="18" charset="0"/>
+            </a:endParaRPr>
+          </a:p>
+          <a:p>
+            <a:r>
+              <a:rPr lang="en-US" altLang="en-US" sz="2000" dirty="0" smtClean="0">
+                <a:latin typeface="Verdana" panose="020B0604030504040204" pitchFamily="34" charset="0"/>
+                <a:ea typeface="Verdana" panose="020B0604030504040204" pitchFamily="34" charset="0"/>
+                <a:cs typeface="Bookman Old Style" panose="02050604050505020204" pitchFamily="18" charset="0"/>
+              </a:rPr>
+              <a:t>HARDWARE AND SOFTWARE REQUIREMENTS</a:t>
+            </a:r>
+            <a:endParaRPr lang="en-IN" altLang="en-US" sz="2000" dirty="0">
+              <a:latin typeface="Verdana" panose="020B0604030504040204" pitchFamily="34" charset="0"/>
+              <a:ea typeface="Verdana" panose="020B0604030504040204" pitchFamily="34" charset="0"/>
+              <a:cs typeface="Bookman Old Style" panose="02050604050505020204" pitchFamily="18" charset="0"/>
+            </a:endParaRPr>
+          </a:p>
+          <a:p>
+            <a:r>
+              <a:rPr lang="en-IN" altLang="en-US" sz="2000" dirty="0" smtClean="0">
+                <a:latin typeface="Verdana" panose="020B0604030504040204" pitchFamily="34" charset="0"/>
+                <a:ea typeface="Verdana" panose="020B0604030504040204" pitchFamily="34" charset="0"/>
+                <a:cs typeface="Bookman Old Style" panose="02050604050505020204" pitchFamily="18" charset="0"/>
+              </a:rPr>
+              <a:t>SAMPLE OUTPUT</a:t>
+            </a:r>
+          </a:p>
+          <a:p>
+            <a:r>
+              <a:rPr lang="en-IN" altLang="en-US" sz="2000" dirty="0" smtClean="0">
+                <a:latin typeface="Verdana" panose="020B0604030504040204" pitchFamily="34" charset="0"/>
+                <a:ea typeface="Verdana" panose="020B0604030504040204" pitchFamily="34" charset="0"/>
+                <a:cs typeface="Bookman Old Style" panose="02050604050505020204" pitchFamily="18" charset="0"/>
+              </a:rPr>
+              <a:t>CONCLUSION</a:t>
+            </a:r>
+            <a:endParaRPr lang="en-IN" altLang="en-US" sz="2000" dirty="0">
+              <a:latin typeface="Verdana" panose="020B0604030504040204" pitchFamily="34" charset="0"/>
+              <a:ea typeface="Verdana" panose="020B0604030504040204" pitchFamily="34" charset="0"/>
+              <a:cs typeface="Bookman Old Style" panose="02050604050505020204" pitchFamily="18" charset="0"/>
+            </a:endParaRPr>
+          </a:p>
+          <a:p>
+            <a:r>
+              <a:rPr lang="en-IN" altLang="en-US" sz="2000" dirty="0">
+                <a:latin typeface="Verdana" panose="020B0604030504040204" pitchFamily="34" charset="0"/>
+                <a:ea typeface="Verdana" panose="020B0604030504040204" pitchFamily="34" charset="0"/>
+                <a:cs typeface="Bookman Old Style" panose="02050604050505020204" pitchFamily="18" charset="0"/>
+              </a:rPr>
+              <a:t>REFERENCES</a:t>
+            </a:r>
+          </a:p>
+          <a:p>
+            <a:endParaRPr lang="en-IN" altLang="en-US" sz="2000" dirty="0">
+              <a:latin typeface="Bookman Old Style" panose="02050604050505020204" pitchFamily="18" charset="0"/>
+              <a:cs typeface="Bookman Old Style" panose="02050604050505020204" pitchFamily="18" charset="0"/>
+            </a:endParaRPr>
           </a:p>
         </p:txBody>
       </p:sp>
     </p:spTree>
     <p:extLst>
       <p:ext uri="{BB962C8B-B14F-4D97-AF65-F5344CB8AC3E}">
-        <p14:creationId xmlns:p14="http://schemas.microsoft.com/office/powerpoint/2010/main" val="3238167076"/>
+        <p14:creationId xmlns:p14="http://schemas.microsoft.com/office/powerpoint/2010/main" val="2433522210"/>
       </p:ext>
     </p:extLst>
   </p:cSld>
@@ -17070,60 +16757,322 @@
             <p:ph type="title"/>
           </p:nvPr>
         </p:nvSpPr>
-        <p:spPr/>
+        <p:spPr>
+          <a:xfrm>
+            <a:off x="180975" y="465137"/>
+            <a:ext cx="8229600" cy="1143000"/>
+          </a:xfrm>
+        </p:spPr>
         <p:txBody>
           <a:bodyPr/>
           <a:lstStyle/>
           <a:p>
-            <a:pPr marL="342900" lvl="0" indent="-342900">
-              <a:spcBef>
-                <a:spcPts val="320"/>
+            <a:pPr>
+              <a:spcBef>
+                <a:spcPts val="5000"/>
               </a:spcBef>
             </a:pPr>
             <a:r>
-              <a:rPr lang="en-US" sz="2000" dirty="0">
-                <a:solidFill>
-                  <a:schemeClr val="dk1"/>
-                </a:solidFill>
-                <a:latin typeface="Times New Roman" panose="02020603050405020304" pitchFamily="18" charset="0"/>
-                <a:cs typeface="Times New Roman" panose="02020603050405020304" pitchFamily="18" charset="0"/>
+              <a:rPr lang="en-US" sz="2000" b="1" dirty="0" smtClean="0">
+                <a:latin typeface="Bookman Old Style" panose="02050604050505020204" pitchFamily="18" charset="0"/>
               </a:rPr>
               <a:t>INTRODUCTION</a:t>
             </a:r>
-            <a:endParaRPr lang="en-US" sz="2000" dirty="0">
-              <a:latin typeface="Times New Roman" panose="02020603050405020304" pitchFamily="18" charset="0"/>
-              <a:cs typeface="Times New Roman" panose="02020603050405020304" pitchFamily="18" charset="0"/>
-            </a:endParaRPr>
+            <a:r>
+              <a:rPr lang="en-US" sz="2000" b="1" dirty="0"/>
+              <a:t/>
+            </a:r>
+            <a:br>
+              <a:rPr lang="en-US" sz="2000" b="1" dirty="0"/>
+            </a:br>
+            <a:endParaRPr lang="en-IN" sz="2000" b="1" dirty="0"/>
           </a:p>
         </p:txBody>
       </p:sp>
       <p:sp>
         <p:nvSpPr>
-          <p:cNvPr id="3" name="Text Placeholder 2"/>
+          <p:cNvPr id="6" name="Rectangle 3"/>
           <p:cNvSpPr>
-            <a:spLocks noGrp="1"/>
+            <a:spLocks noGrp="1" noChangeArrowheads="1"/>
           </p:cNvSpPr>
           <p:nvPr>
             <p:ph type="body" idx="1"/>
           </p:nvPr>
         </p:nvSpPr>
-        <p:spPr/>
+        <p:spPr bwMode="auto">
+          <a:xfrm>
+            <a:off x="457200" y="1647260"/>
+            <a:ext cx="7677150" cy="4431983"/>
+          </a:xfrm>
+          <a:prstGeom prst="rect">
+            <a:avLst/>
+          </a:prstGeom>
+          <a:noFill/>
+          <a:ln>
+            <a:noFill/>
+          </a:ln>
+          <a:effectLst/>
+          <a:extLst>
+            <a:ext uri="{909E8E84-426E-40DD-AFC4-6F175D3DCCD1}">
+              <a14:hiddenFill xmlns:a14="http://schemas.microsoft.com/office/drawing/2010/main">
+                <a:solidFill>
+                  <a:schemeClr val="accent1"/>
+                </a:solidFill>
+              </a14:hiddenFill>
+            </a:ext>
+            <a:ext uri="{91240B29-F687-4F45-9708-019B960494DF}">
+              <a14:hiddenLine xmlns:a14="http://schemas.microsoft.com/office/drawing/2010/main" w="9525">
+                <a:solidFill>
+                  <a:schemeClr val="tx1"/>
+                </a:solidFill>
+                <a:miter lim="800000"/>
+                <a:headEnd/>
+                <a:tailEnd/>
+              </a14:hiddenLine>
+            </a:ext>
+            <a:ext uri="{AF507438-7753-43E0-B8FC-AC1667EBCBE1}">
+              <a14:hiddenEffects xmlns:a14="http://schemas.microsoft.com/office/drawing/2010/main">
+                <a:effectLst>
+                  <a:outerShdw dist="35921" dir="2700000" algn="ctr" rotWithShape="0">
+                    <a:schemeClr val="bg2"/>
+                  </a:outerShdw>
+                </a:effectLst>
+              </a14:hiddenEffects>
+            </a:ext>
+          </a:extLst>
+        </p:spPr>
         <p:txBody>
-          <a:bodyPr/>
+          <a:bodyPr vert="horz" wrap="square" lIns="91440" tIns="45720" rIns="91440" bIns="45720" numCol="1" anchor="ctr" anchorCtr="0" compatLnSpc="1">
+            <a:prstTxWarp prst="textNoShape">
+              <a:avLst/>
+            </a:prstTxWarp>
+            <a:spAutoFit/>
+          </a:bodyPr>
           <a:lstStyle/>
           <a:p>
-            <a:r>
-              <a:rPr lang="en-US" sz="1600" dirty="0"/>
-              <a:t>Cyber threat detection using artificial neural networks (ANNs) involves using advanced software that learns from patterns in data to spot potential cyber threats. It works by analyzing logs of activities on computers and networks, looking for abnormal behavior that might indicate a hacker or a security breach. By training these neural networks with examples of both normal and suspicious activities, they can become better at identifying and alerting us to potential threats in real-time. This helps organizations stay ahead of cyber attacks and protect their systems and data more effectively</a:t>
-            </a:r>
-            <a:endParaRPr lang="en-IN" sz="1600" dirty="0"/>
+            <a:pPr marL="0" lvl="0" indent="0" eaLnBrk="0" fontAlgn="base" hangingPunct="0">
+              <a:spcBef>
+                <a:spcPts val="1200"/>
+              </a:spcBef>
+              <a:spcAft>
+                <a:spcPts val="600"/>
+              </a:spcAft>
+              <a:buClrTx/>
+              <a:buSzTx/>
+              <a:buNone/>
+            </a:pPr>
+            <a:r>
+              <a:rPr lang="en-US" sz="1600" dirty="0">
+                <a:latin typeface="Verdana" panose="020B0604030504040204" pitchFamily="34" charset="0"/>
+                <a:ea typeface="Verdana" panose="020B0604030504040204" pitchFamily="34" charset="0"/>
+              </a:rPr>
+              <a:t>One of the major challenges in cybersecurity is the provision of an automated and effective cyber-threats detection </a:t>
+            </a:r>
+            <a:r>
+              <a:rPr lang="en-US" sz="1600" dirty="0" smtClean="0">
+                <a:latin typeface="Verdana" panose="020B0604030504040204" pitchFamily="34" charset="0"/>
+                <a:ea typeface="Verdana" panose="020B0604030504040204" pitchFamily="34" charset="0"/>
+              </a:rPr>
+              <a:t>technique. In this, we </a:t>
+            </a:r>
+            <a:r>
+              <a:rPr lang="en-US" sz="1600" dirty="0">
+                <a:latin typeface="Verdana" panose="020B0604030504040204" pitchFamily="34" charset="0"/>
+                <a:ea typeface="Verdana" panose="020B0604030504040204" pitchFamily="34" charset="0"/>
+              </a:rPr>
+              <a:t>present an AI technique for cyber-threats detection, based on artificial neural networks</a:t>
+            </a:r>
+            <a:endParaRPr lang="en-US" altLang="en-US" sz="1600" dirty="0" smtClean="0">
+              <a:solidFill>
+                <a:schemeClr val="tx1"/>
+              </a:solidFill>
+              <a:latin typeface="Verdana" panose="020B0604030504040204" pitchFamily="34" charset="0"/>
+              <a:ea typeface="Verdana" panose="020B0604030504040204" pitchFamily="34" charset="0"/>
+              <a:cs typeface="Helvetica" panose="020B0604020202020204" pitchFamily="34" charset="0"/>
+            </a:endParaRPr>
+          </a:p>
+          <a:p>
+            <a:pPr marL="0" marR="0" lvl="0" indent="0" algn="l" defTabSz="914400" rtl="0" eaLnBrk="0" fontAlgn="base" latinLnBrk="0" hangingPunct="0">
+              <a:lnSpc>
+                <a:spcPct val="100000"/>
+              </a:lnSpc>
+              <a:spcBef>
+                <a:spcPts val="1200"/>
+              </a:spcBef>
+              <a:spcAft>
+                <a:spcPts val="600"/>
+              </a:spcAft>
+              <a:buClrTx/>
+              <a:buSzTx/>
+              <a:buFontTx/>
+              <a:buChar char="•"/>
+              <a:tabLst/>
+            </a:pPr>
+            <a:r>
+              <a:rPr lang="en-US" altLang="en-US" sz="1600" dirty="0" smtClean="0">
+                <a:solidFill>
+                  <a:schemeClr val="tx1"/>
+                </a:solidFill>
+                <a:latin typeface="Verdana" panose="020B0604030504040204" pitchFamily="34" charset="0"/>
+                <a:ea typeface="Verdana" panose="020B0604030504040204" pitchFamily="34" charset="0"/>
+                <a:cs typeface="Helvetica" panose="020B0604020202020204" pitchFamily="34" charset="0"/>
+              </a:rPr>
+              <a:t> </a:t>
+            </a:r>
+            <a:r>
+              <a:rPr kumimoji="0" lang="en-US" altLang="en-US" sz="1600" b="0" i="0" u="none" strike="noStrike" cap="none" normalizeH="0" baseline="0" dirty="0" smtClean="0">
+                <a:ln>
+                  <a:noFill/>
+                </a:ln>
+                <a:solidFill>
+                  <a:schemeClr val="tx1"/>
+                </a:solidFill>
+                <a:effectLst/>
+                <a:latin typeface="Verdana" panose="020B0604030504040204" pitchFamily="34" charset="0"/>
+                <a:ea typeface="Verdana" panose="020B0604030504040204" pitchFamily="34" charset="0"/>
+                <a:cs typeface="Helvetica" panose="020B0604020202020204" pitchFamily="34" charset="0"/>
+              </a:rPr>
+              <a:t>Introduces AI-driven cyber-threat detection using neural networks.</a:t>
+            </a:r>
+          </a:p>
+          <a:p>
+            <a:pPr marL="0" marR="0" lvl="0" indent="0" algn="l" defTabSz="914400" rtl="0" eaLnBrk="0" fontAlgn="base" latinLnBrk="0" hangingPunct="0">
+              <a:lnSpc>
+                <a:spcPct val="100000"/>
+              </a:lnSpc>
+              <a:spcBef>
+                <a:spcPts val="1200"/>
+              </a:spcBef>
+              <a:spcAft>
+                <a:spcPts val="600"/>
+              </a:spcAft>
+              <a:buClrTx/>
+              <a:buSzTx/>
+              <a:buFontTx/>
+              <a:buChar char="•"/>
+              <a:tabLst/>
+            </a:pPr>
+            <a:r>
+              <a:rPr kumimoji="0" lang="en-US" altLang="en-US" sz="1600" b="0" i="0" u="none" strike="noStrike" cap="none" normalizeH="0" baseline="0" dirty="0" smtClean="0">
+                <a:ln>
+                  <a:noFill/>
+                </a:ln>
+                <a:solidFill>
+                  <a:schemeClr val="tx1"/>
+                </a:solidFill>
+                <a:effectLst/>
+                <a:latin typeface="Verdana" panose="020B0604030504040204" pitchFamily="34" charset="0"/>
+                <a:ea typeface="Verdana" panose="020B0604030504040204" pitchFamily="34" charset="0"/>
+                <a:cs typeface="Helvetica" panose="020B0604020202020204" pitchFamily="34" charset="0"/>
+              </a:rPr>
+              <a:t>  Employs FCNN, CNN, and LSTM for deep learning-based detection.</a:t>
+            </a:r>
+          </a:p>
+          <a:p>
+            <a:pPr marL="0" marR="0" lvl="0" indent="0" algn="l" defTabSz="914400" rtl="0" eaLnBrk="0" fontAlgn="base" latinLnBrk="0" hangingPunct="0">
+              <a:lnSpc>
+                <a:spcPct val="100000"/>
+              </a:lnSpc>
+              <a:spcBef>
+                <a:spcPts val="1200"/>
+              </a:spcBef>
+              <a:spcAft>
+                <a:spcPts val="600"/>
+              </a:spcAft>
+              <a:buClrTx/>
+              <a:buSzTx/>
+              <a:buFontTx/>
+              <a:buChar char="•"/>
+              <a:tabLst/>
+            </a:pPr>
+            <a:r>
+              <a:rPr kumimoji="0" lang="en-US" altLang="en-US" sz="1600" b="0" i="0" u="none" strike="noStrike" cap="none" normalizeH="0" baseline="0" dirty="0" smtClean="0">
+                <a:ln>
+                  <a:noFill/>
+                </a:ln>
+                <a:solidFill>
+                  <a:schemeClr val="tx1"/>
+                </a:solidFill>
+                <a:effectLst/>
+                <a:latin typeface="Verdana" panose="020B0604030504040204" pitchFamily="34" charset="0"/>
+                <a:ea typeface="Verdana" panose="020B0604030504040204" pitchFamily="34" charset="0"/>
+                <a:cs typeface="Helvetica" panose="020B0604020202020204" pitchFamily="34" charset="0"/>
+              </a:rPr>
+              <a:t>  Develops an AI-SIEM system integrating event profiling and   ANN           methods.</a:t>
+            </a:r>
+          </a:p>
+          <a:p>
+            <a:pPr marL="0" marR="0" lvl="0" indent="0" algn="l" defTabSz="914400" rtl="0" eaLnBrk="0" fontAlgn="base" latinLnBrk="0" hangingPunct="0">
+              <a:lnSpc>
+                <a:spcPct val="100000"/>
+              </a:lnSpc>
+              <a:spcBef>
+                <a:spcPts val="1200"/>
+              </a:spcBef>
+              <a:spcAft>
+                <a:spcPts val="600"/>
+              </a:spcAft>
+              <a:buClrTx/>
+              <a:buSzTx/>
+              <a:buFontTx/>
+              <a:buChar char="•"/>
+              <a:tabLst/>
+            </a:pPr>
+            <a:r>
+              <a:rPr kumimoji="0" lang="en-US" altLang="en-US" sz="1600" b="0" i="0" u="none" strike="noStrike" cap="none" normalizeH="0" baseline="0" dirty="0" smtClean="0">
+                <a:ln>
+                  <a:noFill/>
+                </a:ln>
+                <a:solidFill>
+                  <a:schemeClr val="tx1"/>
+                </a:solidFill>
+                <a:effectLst/>
+                <a:latin typeface="Verdana" panose="020B0604030504040204" pitchFamily="34" charset="0"/>
+                <a:ea typeface="Verdana" panose="020B0604030504040204" pitchFamily="34" charset="0"/>
+                <a:cs typeface="Helvetica" panose="020B0604020202020204" pitchFamily="34" charset="0"/>
+              </a:rPr>
+              <a:t>  Compares performance with SVM, k-NN, RF, NB, and DT using diverse datasets.</a:t>
+            </a:r>
+          </a:p>
+          <a:p>
+            <a:pPr marL="0" marR="0" lvl="0" indent="0" algn="l" defTabSz="914400" rtl="0" eaLnBrk="0" fontAlgn="base" latinLnBrk="0" hangingPunct="0">
+              <a:lnSpc>
+                <a:spcPct val="100000"/>
+              </a:lnSpc>
+              <a:spcBef>
+                <a:spcPts val="1200"/>
+              </a:spcBef>
+              <a:spcAft>
+                <a:spcPts val="600"/>
+              </a:spcAft>
+              <a:buClrTx/>
+              <a:buSzTx/>
+              <a:buFontTx/>
+              <a:buChar char="•"/>
+              <a:tabLst/>
+            </a:pPr>
+            <a:r>
+              <a:rPr kumimoji="0" lang="en-US" altLang="en-US" sz="1600" b="0" i="0" u="none" strike="noStrike" cap="none" normalizeH="0" baseline="0" dirty="0" smtClean="0">
+                <a:ln>
+                  <a:noFill/>
+                </a:ln>
+                <a:solidFill>
+                  <a:schemeClr val="tx1"/>
+                </a:solidFill>
+                <a:effectLst/>
+                <a:latin typeface="Verdana" panose="020B0604030504040204" pitchFamily="34" charset="0"/>
+                <a:ea typeface="Verdana" panose="020B0604030504040204" pitchFamily="34" charset="0"/>
+                <a:cs typeface="Helvetica" panose="020B0604020202020204" pitchFamily="34" charset="0"/>
+              </a:rPr>
+              <a:t>  Shows ANN methods out perform conventional techniques in detecting network intrusions.</a:t>
+            </a:r>
           </a:p>
         </p:txBody>
       </p:sp>
     </p:spTree>
     <p:extLst>
       <p:ext uri="{BB962C8B-B14F-4D97-AF65-F5344CB8AC3E}">
-        <p14:creationId xmlns:p14="http://schemas.microsoft.com/office/powerpoint/2010/main" val="3725459665"/>
+        <p14:creationId xmlns:p14="http://schemas.microsoft.com/office/powerpoint/2010/main" val="3238167076"/>
       </p:ext>
     </p:extLst>
   </p:cSld>
@@ -17159,42 +17108,6 @@
       </p:grpSpPr>
       <p:sp>
         <p:nvSpPr>
-          <p:cNvPr id="2" name="Title 1"/>
-          <p:cNvSpPr>
-            <a:spLocks noGrp="1"/>
-          </p:cNvSpPr>
-          <p:nvPr>
-            <p:ph type="title"/>
-          </p:nvPr>
-        </p:nvSpPr>
-        <p:spPr/>
-        <p:txBody>
-          <a:bodyPr/>
-          <a:lstStyle/>
-          <a:p>
-            <a:r>
-              <a:rPr lang="en-US" sz="1800" dirty="0">
-                <a:solidFill>
-                  <a:schemeClr val="dk1"/>
-                </a:solidFill>
-                <a:latin typeface="Verdana" panose="020B0604030504040204" pitchFamily="34" charset="0"/>
-                <a:ea typeface="Verdana" panose="020B0604030504040204" pitchFamily="34" charset="0"/>
-              </a:rPr>
-              <a:t>LITERATURE SURVEY</a:t>
-            </a:r>
-            <a:r>
-              <a:rPr lang="en-US" dirty="0"/>
-              <a:t/>
-            </a:r>
-            <a:br>
-              <a:rPr lang="en-US" dirty="0"/>
-            </a:br>
-            <a:endParaRPr lang="en-IN" dirty="0"/>
-          </a:p>
-        </p:txBody>
-      </p:sp>
-      <p:sp>
-        <p:nvSpPr>
           <p:cNvPr id="3" name="Text Placeholder 2"/>
           <p:cNvSpPr>
             <a:spLocks noGrp="1"/>
@@ -17208,14 +17121,87 @@
           <a:bodyPr/>
           <a:lstStyle/>
           <a:p>
-            <a:endParaRPr lang="en-IN" dirty="0"/>
+            <a:r>
+              <a:rPr lang="en-US" sz="1600" dirty="0">
+                <a:latin typeface="Verdana" panose="020B0604030504040204" pitchFamily="34" charset="0"/>
+                <a:ea typeface="Verdana" panose="020B0604030504040204" pitchFamily="34" charset="0"/>
+              </a:rPr>
+              <a:t>Cyber threat detection using artificial neural networks (ANNs) involves using advanced software that learns from patterns in data to spot potential cyber threats</a:t>
+            </a:r>
+            <a:r>
+              <a:rPr lang="en-US" sz="1600" dirty="0" smtClean="0">
+                <a:latin typeface="Verdana" panose="020B0604030504040204" pitchFamily="34" charset="0"/>
+                <a:ea typeface="Verdana" panose="020B0604030504040204" pitchFamily="34" charset="0"/>
+              </a:rPr>
+              <a:t>.</a:t>
+            </a:r>
+          </a:p>
+          <a:p>
+            <a:r>
+              <a:rPr lang="en-US" sz="1600" dirty="0" smtClean="0">
+                <a:latin typeface="Verdana" panose="020B0604030504040204" pitchFamily="34" charset="0"/>
+                <a:ea typeface="Verdana" panose="020B0604030504040204" pitchFamily="34" charset="0"/>
+              </a:rPr>
+              <a:t> </a:t>
+            </a:r>
+            <a:r>
+              <a:rPr lang="en-US" sz="1600" dirty="0">
+                <a:latin typeface="Verdana" panose="020B0604030504040204" pitchFamily="34" charset="0"/>
+                <a:ea typeface="Verdana" panose="020B0604030504040204" pitchFamily="34" charset="0"/>
+              </a:rPr>
+              <a:t>It works by analyzing logs of activities on computers and networks, looking for abnormal behavior that might indicate a hacker or a security breach. </a:t>
+            </a:r>
+            <a:endParaRPr lang="en-US" sz="1600" dirty="0" smtClean="0">
+              <a:latin typeface="Verdana" panose="020B0604030504040204" pitchFamily="34" charset="0"/>
+              <a:ea typeface="Verdana" panose="020B0604030504040204" pitchFamily="34" charset="0"/>
+            </a:endParaRPr>
+          </a:p>
+          <a:p>
+            <a:r>
+              <a:rPr lang="en-US" sz="1600" dirty="0" smtClean="0">
+                <a:latin typeface="Verdana" panose="020B0604030504040204" pitchFamily="34" charset="0"/>
+                <a:ea typeface="Verdana" panose="020B0604030504040204" pitchFamily="34" charset="0"/>
+              </a:rPr>
+              <a:t>By </a:t>
+            </a:r>
+            <a:r>
+              <a:rPr lang="en-US" sz="1600" dirty="0">
+                <a:latin typeface="Verdana" panose="020B0604030504040204" pitchFamily="34" charset="0"/>
+                <a:ea typeface="Verdana" panose="020B0604030504040204" pitchFamily="34" charset="0"/>
+              </a:rPr>
+              <a:t>training these neural networks with examples of both normal and suspicious activities, they can become better at identifying and alerting us to potential threats in real-time. </a:t>
+            </a:r>
+            <a:endParaRPr lang="en-US" sz="1600" dirty="0" smtClean="0">
+              <a:latin typeface="Verdana" panose="020B0604030504040204" pitchFamily="34" charset="0"/>
+              <a:ea typeface="Verdana" panose="020B0604030504040204" pitchFamily="34" charset="0"/>
+            </a:endParaRPr>
+          </a:p>
+          <a:p>
+            <a:r>
+              <a:rPr lang="en-US" sz="1600" dirty="0" smtClean="0">
+                <a:latin typeface="Verdana" panose="020B0604030504040204" pitchFamily="34" charset="0"/>
+                <a:ea typeface="Verdana" panose="020B0604030504040204" pitchFamily="34" charset="0"/>
+              </a:rPr>
+              <a:t>This </a:t>
+            </a:r>
+            <a:r>
+              <a:rPr lang="en-US" sz="1600" dirty="0">
+                <a:latin typeface="Verdana" panose="020B0604030504040204" pitchFamily="34" charset="0"/>
+                <a:ea typeface="Verdana" panose="020B0604030504040204" pitchFamily="34" charset="0"/>
+              </a:rPr>
+              <a:t>helps organizations stay ahead of cyber attacks and protect their systems and data more effectively</a:t>
+            </a:r>
+            <a:endParaRPr lang="en-IN" sz="1600" dirty="0">
+              <a:latin typeface="Verdana" panose="020B0604030504040204" pitchFamily="34" charset="0"/>
+              <a:ea typeface="Verdana" panose="020B0604030504040204" pitchFamily="34" charset="0"/>
+            </a:endParaRPr>
           </a:p>
         </p:txBody>
       </p:sp>
     </p:spTree>
     <p:extLst>
       <p:ext uri="{BB962C8B-B14F-4D97-AF65-F5344CB8AC3E}">
-        <p14:creationId xmlns:p14="http://schemas.microsoft.com/office/powerpoint/2010/main" val="3393068289"/>
+        <p14:creationId xmlns:p14="http://schemas.microsoft.com/office/powerpoint/2010/main" val="3725459665"/>
       </p:ext>
     </p:extLst>
   </p:cSld>
@@ -17259,39 +17245,10 @@
             <p:ph type="title"/>
           </p:nvPr>
         </p:nvSpPr>
-        <p:spPr/>
-        <p:txBody>
-          <a:bodyPr/>
-          <a:lstStyle/>
-          <a:p>
-            <a:r>
-              <a:rPr lang="en-US" sz="1800" dirty="0" smtClean="0">
-                <a:solidFill>
-                  <a:schemeClr val="dk1"/>
-                </a:solidFill>
-                <a:latin typeface="Times New Roman" panose="02020603050405020304" pitchFamily="18" charset="0"/>
-                <a:cs typeface="Times New Roman" panose="02020603050405020304" pitchFamily="18" charset="0"/>
-              </a:rPr>
-              <a:t>HARDWARE REQUIREMENTS</a:t>
-            </a:r>
-            <a:endParaRPr lang="en-IN" dirty="0"/>
-          </a:p>
-        </p:txBody>
-      </p:sp>
-      <p:sp>
-        <p:nvSpPr>
-          <p:cNvPr id="3" name="Text Placeholder 2"/>
-          <p:cNvSpPr>
-            <a:spLocks noGrp="1"/>
-          </p:cNvSpPr>
-          <p:nvPr>
-            <p:ph type="body" idx="1"/>
-          </p:nvPr>
-        </p:nvSpPr>
         <p:spPr>
           <a:xfrm>
-            <a:off x="457200" y="1600200"/>
-            <a:ext cx="8229600" cy="1895475"/>
+            <a:off x="457200" y="274637"/>
+            <a:ext cx="8229600" cy="1388793"/>
           </a:xfrm>
         </p:spPr>
         <p:txBody>
@@ -17299,402 +17256,676 @@
           <a:lstStyle/>
           <a:p>
             <a:r>
-              <a:rPr lang="en-GB" sz="1600" dirty="0"/>
-              <a:t>System</a:t>
-            </a:r>
-            <a:r>
-              <a:rPr lang="en-GB" sz="1600" b="1" dirty="0"/>
-              <a:t>		:   </a:t>
-            </a:r>
-            <a:r>
-              <a:rPr lang="en-GB" sz="1600" dirty="0"/>
-              <a:t>Pentium IV 2.4 GHz</a:t>
-            </a:r>
-            <a:r>
-              <a:rPr lang="en-GB" sz="1600" dirty="0" smtClean="0"/>
-              <a:t>.</a:t>
-            </a:r>
+              <a:rPr lang="en-US" sz="2000" b="1" dirty="0" smtClean="0">
+                <a:latin typeface="Bookman Old Style" panose="02050604050505020204" pitchFamily="18" charset="0"/>
+              </a:rPr>
+              <a:t>METHODOLOGIES</a:t>
+            </a:r>
+            <a:endParaRPr lang="en-IN" sz="2000" b="1" dirty="0">
+              <a:latin typeface="Bookman Old Style" panose="02050604050505020204" pitchFamily="18" charset="0"/>
+            </a:endParaRPr>
           </a:p>
+        </p:txBody>
+      </p:sp>
+      <p:sp>
+        <p:nvSpPr>
+          <p:cNvPr id="4" name="Rectangle 1"/>
+          <p:cNvSpPr>
+            <a:spLocks noGrp="1" noChangeArrowheads="1"/>
+          </p:cNvSpPr>
+          <p:nvPr>
+            <p:ph type="body" idx="1"/>
+          </p:nvPr>
+        </p:nvSpPr>
+        <p:spPr bwMode="auto">
+          <a:xfrm>
+            <a:off x="209550" y="1601093"/>
+            <a:ext cx="8782050" cy="4524315"/>
+          </a:xfrm>
+          <a:prstGeom prst="rect">
+            <a:avLst/>
+          </a:prstGeom>
+          <a:noFill/>
+          <a:ln>
+            <a:noFill/>
+          </a:ln>
+          <a:effectLst/>
+          <a:extLst>
+            <a:ext uri="{909E8E84-426E-40DD-AFC4-6F175D3DCCD1}">
+              <a14:hiddenFill xmlns:a14="http://schemas.microsoft.com/office/drawing/2010/main">
+                <a:solidFill>
+                  <a:schemeClr val="accent1"/>
+                </a:solidFill>
+              </a14:hiddenFill>
+            </a:ext>
+            <a:ext uri="{91240B29-F687-4F45-9708-019B960494DF}">
+              <a14:hiddenLine xmlns:a14="http://schemas.microsoft.com/office/drawing/2010/main" w="9525">
+                <a:solidFill>
+                  <a:schemeClr val="tx1"/>
+                </a:solidFill>
+                <a:miter lim="800000"/>
+                <a:headEnd/>
+                <a:tailEnd/>
+              </a14:hiddenLine>
+            </a:ext>
+            <a:ext uri="{AF507438-7753-43E0-B8FC-AC1667EBCBE1}">
+              <a14:hiddenEffects xmlns:a14="http://schemas.microsoft.com/office/drawing/2010/main">
+                <a:effectLst>
+                  <a:outerShdw dist="35921" dir="2700000" algn="ctr" rotWithShape="0">
+                    <a:schemeClr val="bg2"/>
+                  </a:outerShdw>
+                </a:effectLst>
+              </a14:hiddenEffects>
+            </a:ext>
+          </a:extLst>
+        </p:spPr>
+        <p:txBody>
+          <a:bodyPr vert="horz" wrap="square" lIns="91440" tIns="45720" rIns="91440" bIns="45720" numCol="1" anchor="ctr" anchorCtr="0" compatLnSpc="1">
+            <a:prstTxWarp prst="textNoShape">
+              <a:avLst/>
+            </a:prstTxWarp>
+            <a:spAutoFit/>
+          </a:bodyPr>
+          <a:lstStyle/>
           <a:p>
-            <a:pPr lvl="0"/>
-            <a:r>
-              <a:rPr lang="en-GB" sz="1600" dirty="0">
-                <a:latin typeface="Verdana" panose="020B0604030504040204" pitchFamily="34" charset="0"/>
-                <a:ea typeface="Verdana" panose="020B0604030504040204" pitchFamily="34" charset="0"/>
-              </a:rPr>
-              <a:t>Hard Disk	         </a:t>
-            </a:r>
-            <a:r>
-              <a:rPr lang="en-GB" sz="1600" dirty="0" smtClean="0">
-                <a:latin typeface="Verdana" panose="020B0604030504040204" pitchFamily="34" charset="0"/>
-                <a:ea typeface="Verdana" panose="020B0604030504040204" pitchFamily="34" charset="0"/>
-              </a:rPr>
-              <a:t>    </a:t>
-            </a:r>
-            <a:r>
-              <a:rPr lang="en-GB" sz="1600" dirty="0">
-                <a:latin typeface="Verdana" panose="020B0604030504040204" pitchFamily="34" charset="0"/>
-                <a:ea typeface="Verdana" panose="020B0604030504040204" pitchFamily="34" charset="0"/>
-              </a:rPr>
-              <a:t>:   40 GB.</a:t>
-            </a:r>
-            <a:endParaRPr lang="en-IN" sz="1600" dirty="0">
+            <a:pPr marL="0" marR="0" lvl="0" indent="0" algn="l" defTabSz="914400" rtl="0" eaLnBrk="0" fontAlgn="base" latinLnBrk="0" hangingPunct="0">
+              <a:lnSpc>
+                <a:spcPct val="100000"/>
+              </a:lnSpc>
+              <a:spcBef>
+                <a:spcPct val="0"/>
+              </a:spcBef>
+              <a:spcAft>
+                <a:spcPct val="0"/>
+              </a:spcAft>
+              <a:buClrTx/>
+              <a:buSzTx/>
+              <a:buFontTx/>
+              <a:buChar char="•"/>
+              <a:tabLst/>
+            </a:pPr>
+            <a:r>
+              <a:rPr kumimoji="0" lang="en-US" altLang="en-US" sz="1600" b="1" i="0" u="none" strike="noStrike" cap="none" normalizeH="0" baseline="0" dirty="0" smtClean="0">
+                <a:ln>
+                  <a:noFill/>
+                </a:ln>
+                <a:solidFill>
+                  <a:schemeClr val="tx1"/>
+                </a:solidFill>
+                <a:effectLst/>
+                <a:latin typeface="Verdana" panose="020B0604030504040204" pitchFamily="34" charset="0"/>
+                <a:ea typeface="Verdana" panose="020B0604030504040204" pitchFamily="34" charset="0"/>
+              </a:rPr>
+              <a:t>Data Preprocessing</a:t>
+            </a:r>
+            <a:endParaRPr kumimoji="0" lang="en-US" altLang="en-US" sz="1600" b="0" i="0" u="none" strike="noStrike" cap="none" normalizeH="0" baseline="0" dirty="0" smtClean="0">
+              <a:ln>
+                <a:noFill/>
+              </a:ln>
+              <a:solidFill>
+                <a:schemeClr val="tx1"/>
+              </a:solidFill>
+              <a:effectLst/>
               <a:latin typeface="Verdana" panose="020B0604030504040204" pitchFamily="34" charset="0"/>
               <a:ea typeface="Verdana" panose="020B0604030504040204" pitchFamily="34" charset="0"/>
             </a:endParaRPr>
           </a:p>
           <a:p>
-            <a:pPr lvl="0"/>
-            <a:r>
-              <a:rPr lang="en-GB" sz="1600" dirty="0">
-                <a:latin typeface="Verdana" panose="020B0604030504040204" pitchFamily="34" charset="0"/>
-                <a:ea typeface="Verdana" panose="020B0604030504040204" pitchFamily="34" charset="0"/>
-              </a:rPr>
-              <a:t>Floppy Drive	</a:t>
-            </a:r>
-            <a:r>
-              <a:rPr lang="en-GB" sz="1600" dirty="0" smtClean="0">
-                <a:latin typeface="Verdana" panose="020B0604030504040204" pitchFamily="34" charset="0"/>
-                <a:ea typeface="Verdana" panose="020B0604030504040204" pitchFamily="34" charset="0"/>
-              </a:rPr>
-              <a:t>             :   </a:t>
-            </a:r>
-            <a:r>
-              <a:rPr lang="en-GB" sz="1600" dirty="0">
-                <a:latin typeface="Verdana" panose="020B0604030504040204" pitchFamily="34" charset="0"/>
-                <a:ea typeface="Verdana" panose="020B0604030504040204" pitchFamily="34" charset="0"/>
-              </a:rPr>
-              <a:t>1.44 Mb.</a:t>
-            </a:r>
-            <a:endParaRPr lang="en-IN" sz="1600" dirty="0">
+            <a:pPr marL="0" marR="0" lvl="0" indent="0" algn="l" defTabSz="914400" rtl="0" eaLnBrk="0" fontAlgn="base" latinLnBrk="0" hangingPunct="0">
+              <a:lnSpc>
+                <a:spcPct val="100000"/>
+              </a:lnSpc>
+              <a:spcBef>
+                <a:spcPct val="0"/>
+              </a:spcBef>
+              <a:spcAft>
+                <a:spcPct val="0"/>
+              </a:spcAft>
+              <a:buClrTx/>
+              <a:buSzTx/>
+              <a:buNone/>
+              <a:tabLst/>
+            </a:pPr>
+            <a:r>
+              <a:rPr kumimoji="0" lang="en-US" altLang="en-US" sz="1600" b="0" i="0" u="none" strike="noStrike" cap="none" normalizeH="0" baseline="0" dirty="0" smtClean="0">
+                <a:ln>
+                  <a:noFill/>
+                </a:ln>
+                <a:solidFill>
+                  <a:schemeClr val="tx1"/>
+                </a:solidFill>
+                <a:effectLst/>
+                <a:latin typeface="Verdana" panose="020B0604030504040204" pitchFamily="34" charset="0"/>
+                <a:ea typeface="Verdana" panose="020B0604030504040204" pitchFamily="34" charset="0"/>
+              </a:rPr>
+              <a:t>     Converting text data into numerical data that models can understand using ‘</a:t>
+            </a:r>
+            <a:r>
+              <a:rPr kumimoji="0" lang="en-US" altLang="en-US" sz="1600" b="0" i="0" u="none" strike="noStrike" cap="none" normalizeH="0" baseline="0" dirty="0" err="1" smtClean="0">
+                <a:ln>
+                  <a:noFill/>
+                </a:ln>
+                <a:solidFill>
+                  <a:schemeClr val="tx1"/>
+                </a:solidFill>
+                <a:effectLst/>
+                <a:latin typeface="Verdana" panose="020B0604030504040204" pitchFamily="34" charset="0"/>
+                <a:ea typeface="Verdana" panose="020B0604030504040204" pitchFamily="34" charset="0"/>
+              </a:rPr>
+              <a:t>CountVectorizer</a:t>
+            </a:r>
+            <a:r>
+              <a:rPr kumimoji="0" lang="en-US" altLang="en-US" sz="1600" b="0" i="0" u="none" strike="noStrike" cap="none" normalizeH="0" baseline="0" dirty="0" smtClean="0">
+                <a:ln>
+                  <a:noFill/>
+                </a:ln>
+                <a:solidFill>
+                  <a:schemeClr val="tx1"/>
+                </a:solidFill>
+                <a:effectLst/>
+                <a:latin typeface="Verdana" panose="020B0604030504040204" pitchFamily="34" charset="0"/>
+                <a:ea typeface="Verdana" panose="020B0604030504040204" pitchFamily="34" charset="0"/>
+              </a:rPr>
+              <a:t>’.</a:t>
+            </a:r>
+          </a:p>
+          <a:p>
+            <a:pPr marL="0" marR="0" lvl="0" indent="0" algn="l" defTabSz="914400" rtl="0" eaLnBrk="0" fontAlgn="base" latinLnBrk="0" hangingPunct="0">
+              <a:lnSpc>
+                <a:spcPct val="100000"/>
+              </a:lnSpc>
+              <a:spcBef>
+                <a:spcPct val="0"/>
+              </a:spcBef>
+              <a:spcAft>
+                <a:spcPct val="0"/>
+              </a:spcAft>
+              <a:buClrTx/>
+              <a:buSzTx/>
+              <a:buNone/>
+              <a:tabLst/>
+            </a:pPr>
+            <a:endParaRPr kumimoji="0" lang="en-US" altLang="en-US" sz="1600" b="0" i="0" u="none" strike="noStrike" cap="none" normalizeH="0" baseline="0" dirty="0" smtClean="0">
+              <a:ln>
+                <a:noFill/>
+              </a:ln>
+              <a:solidFill>
+                <a:schemeClr val="tx1"/>
+              </a:solidFill>
+              <a:effectLst/>
               <a:latin typeface="Verdana" panose="020B0604030504040204" pitchFamily="34" charset="0"/>
               <a:ea typeface="Verdana" panose="020B0604030504040204" pitchFamily="34" charset="0"/>
             </a:endParaRPr>
           </a:p>
           <a:p>
-            <a:pPr lvl="0"/>
-            <a:r>
-              <a:rPr lang="en-GB" sz="1600" dirty="0">
-                <a:latin typeface="Verdana" panose="020B0604030504040204" pitchFamily="34" charset="0"/>
-                <a:ea typeface="Verdana" panose="020B0604030504040204" pitchFamily="34" charset="0"/>
-              </a:rPr>
-              <a:t>Monitor	        </a:t>
-            </a:r>
-            <a:r>
-              <a:rPr lang="en-GB" sz="1600" dirty="0" smtClean="0">
-                <a:latin typeface="Verdana" panose="020B0604030504040204" pitchFamily="34" charset="0"/>
-                <a:ea typeface="Verdana" panose="020B0604030504040204" pitchFamily="34" charset="0"/>
-              </a:rPr>
-              <a:t>     </a:t>
-            </a:r>
-            <a:r>
-              <a:rPr lang="en-GB" sz="1600" dirty="0">
-                <a:latin typeface="Verdana" panose="020B0604030504040204" pitchFamily="34" charset="0"/>
-                <a:ea typeface="Verdana" panose="020B0604030504040204" pitchFamily="34" charset="0"/>
-              </a:rPr>
-              <a:t>:   14’ Colour Monitor.</a:t>
-            </a:r>
-            <a:endParaRPr lang="en-IN" sz="1600" dirty="0">
+            <a:pPr marL="0" marR="0" lvl="0" indent="0" algn="l" defTabSz="914400" rtl="0" eaLnBrk="0" fontAlgn="base" latinLnBrk="0" hangingPunct="0">
+              <a:lnSpc>
+                <a:spcPct val="100000"/>
+              </a:lnSpc>
+              <a:spcBef>
+                <a:spcPct val="0"/>
+              </a:spcBef>
+              <a:spcAft>
+                <a:spcPct val="0"/>
+              </a:spcAft>
+              <a:buClrTx/>
+              <a:buSzTx/>
+              <a:buFontTx/>
+              <a:buChar char="•"/>
+              <a:tabLst/>
+            </a:pPr>
+            <a:r>
+              <a:rPr kumimoji="0" lang="en-US" altLang="en-US" sz="1600" b="1" i="0" u="none" strike="noStrike" cap="none" normalizeH="0" baseline="0" dirty="0" smtClean="0">
+                <a:ln>
+                  <a:noFill/>
+                </a:ln>
+                <a:solidFill>
+                  <a:schemeClr val="tx1"/>
+                </a:solidFill>
+                <a:effectLst/>
+                <a:latin typeface="Verdana" panose="020B0604030504040204" pitchFamily="34" charset="0"/>
+                <a:ea typeface="Verdana" panose="020B0604030504040204" pitchFamily="34" charset="0"/>
+              </a:rPr>
+              <a:t>Train-Test Split</a:t>
+            </a:r>
+            <a:endParaRPr kumimoji="0" lang="en-US" altLang="en-US" sz="1600" b="0" i="0" u="none" strike="noStrike" cap="none" normalizeH="0" baseline="0" dirty="0" smtClean="0">
+              <a:ln>
+                <a:noFill/>
+              </a:ln>
+              <a:solidFill>
+                <a:schemeClr val="tx1"/>
+              </a:solidFill>
+              <a:effectLst/>
               <a:latin typeface="Verdana" panose="020B0604030504040204" pitchFamily="34" charset="0"/>
               <a:ea typeface="Verdana" panose="020B0604030504040204" pitchFamily="34" charset="0"/>
             </a:endParaRPr>
           </a:p>
           <a:p>
-            <a:pPr lvl="0"/>
-            <a:r>
-              <a:rPr lang="en-GB" sz="1600" dirty="0">
-                <a:latin typeface="Verdana" panose="020B0604030504040204" pitchFamily="34" charset="0"/>
-                <a:ea typeface="Verdana" panose="020B0604030504040204" pitchFamily="34" charset="0"/>
-              </a:rPr>
-              <a:t>Mouse		:   Optical Mouse.</a:t>
-            </a:r>
-            <a:endParaRPr lang="en-IN" sz="1600" dirty="0">
+            <a:pPr marL="0" marR="0" lvl="0" indent="0" algn="l" defTabSz="914400" rtl="0" eaLnBrk="0" fontAlgn="base" latinLnBrk="0" hangingPunct="0">
+              <a:lnSpc>
+                <a:spcPct val="100000"/>
+              </a:lnSpc>
+              <a:spcBef>
+                <a:spcPct val="0"/>
+              </a:spcBef>
+              <a:spcAft>
+                <a:spcPct val="0"/>
+              </a:spcAft>
+              <a:buClrTx/>
+              <a:buSzTx/>
+              <a:buNone/>
+              <a:tabLst/>
+            </a:pPr>
+            <a:r>
+              <a:rPr kumimoji="0" lang="en-US" altLang="en-US" sz="1600" b="0" i="0" u="none" strike="noStrike" cap="none" normalizeH="0" baseline="0" dirty="0" smtClean="0">
+                <a:ln>
+                  <a:noFill/>
+                </a:ln>
+                <a:solidFill>
+                  <a:schemeClr val="tx1"/>
+                </a:solidFill>
+                <a:effectLst/>
+                <a:latin typeface="Verdana" panose="020B0604030504040204" pitchFamily="34" charset="0"/>
+                <a:ea typeface="Verdana" panose="020B0604030504040204" pitchFamily="34" charset="0"/>
+              </a:rPr>
+              <a:t>      Splitting the dataset into two parts: one for training the models and one for testing their performance.</a:t>
+            </a:r>
+          </a:p>
+          <a:p>
+            <a:pPr marL="0" marR="0" lvl="0" indent="0" algn="l" defTabSz="914400" rtl="0" eaLnBrk="0" fontAlgn="base" latinLnBrk="0" hangingPunct="0">
+              <a:lnSpc>
+                <a:spcPct val="100000"/>
+              </a:lnSpc>
+              <a:spcBef>
+                <a:spcPct val="0"/>
+              </a:spcBef>
+              <a:spcAft>
+                <a:spcPct val="0"/>
+              </a:spcAft>
+              <a:buClrTx/>
+              <a:buSzTx/>
+              <a:buNone/>
+              <a:tabLst/>
+            </a:pPr>
+            <a:endParaRPr kumimoji="0" lang="en-US" altLang="en-US" sz="1600" b="0" i="0" u="none" strike="noStrike" cap="none" normalizeH="0" baseline="0" dirty="0" smtClean="0">
+              <a:ln>
+                <a:noFill/>
+              </a:ln>
+              <a:solidFill>
+                <a:schemeClr val="tx1"/>
+              </a:solidFill>
+              <a:effectLst/>
               <a:latin typeface="Verdana" panose="020B0604030504040204" pitchFamily="34" charset="0"/>
               <a:ea typeface="Verdana" panose="020B0604030504040204" pitchFamily="34" charset="0"/>
             </a:endParaRPr>
           </a:p>
           <a:p>
-            <a:pPr lvl="0"/>
-            <a:r>
-              <a:rPr lang="en-GB" sz="1600" dirty="0">
-                <a:latin typeface="Verdana" panose="020B0604030504040204" pitchFamily="34" charset="0"/>
-                <a:ea typeface="Verdana" panose="020B0604030504040204" pitchFamily="34" charset="0"/>
-              </a:rPr>
-              <a:t>Ram	</a:t>
-            </a:r>
-            <a:r>
-              <a:rPr lang="en-GB" sz="1600" dirty="0">
-                <a:latin typeface="Verdana" panose="020B0604030504040204" pitchFamily="34" charset="0"/>
-                <a:ea typeface="Verdana" panose="020B0604030504040204" pitchFamily="34" charset="0"/>
-              </a:rPr>
-              <a:t> </a:t>
-            </a:r>
-            <a:r>
-              <a:rPr lang="en-GB" sz="1600" dirty="0" smtClean="0">
-                <a:latin typeface="Verdana" panose="020B0604030504040204" pitchFamily="34" charset="0"/>
-                <a:ea typeface="Verdana" panose="020B0604030504040204" pitchFamily="34" charset="0"/>
-              </a:rPr>
-              <a:t>            </a:t>
-            </a:r>
-            <a:r>
-              <a:rPr lang="en-GB" sz="1600" dirty="0">
-                <a:latin typeface="Verdana" panose="020B0604030504040204" pitchFamily="34" charset="0"/>
-                <a:ea typeface="Verdana" panose="020B0604030504040204" pitchFamily="34" charset="0"/>
-              </a:rPr>
-              <a:t>:   512 </a:t>
-            </a:r>
-            <a:r>
-              <a:rPr lang="en-GB" sz="1600" dirty="0" smtClean="0">
-                <a:latin typeface="Verdana" panose="020B0604030504040204" pitchFamily="34" charset="0"/>
-                <a:ea typeface="Verdana" panose="020B0604030504040204" pitchFamily="34" charset="0"/>
-              </a:rPr>
-              <a:t>Mb</a:t>
-            </a:r>
-            <a:r>
-              <a:rPr lang="en-GB" sz="1600" dirty="0">
-                <a:latin typeface="Verdana" panose="020B0604030504040204" pitchFamily="34" charset="0"/>
-                <a:ea typeface="Verdana" panose="020B0604030504040204" pitchFamily="34" charset="0"/>
-              </a:rPr>
-              <a:t>.</a:t>
-            </a:r>
-            <a:endParaRPr lang="en-IN" sz="1600" dirty="0"/>
+            <a:pPr marL="0" marR="0" lvl="0" indent="0" algn="l" defTabSz="914400" rtl="0" eaLnBrk="0" fontAlgn="base" latinLnBrk="0" hangingPunct="0">
+              <a:lnSpc>
+                <a:spcPct val="100000"/>
+              </a:lnSpc>
+              <a:spcBef>
+                <a:spcPct val="0"/>
+              </a:spcBef>
+              <a:spcAft>
+                <a:spcPct val="0"/>
+              </a:spcAft>
+              <a:buClrTx/>
+              <a:buSzTx/>
+              <a:buFontTx/>
+              <a:buChar char="•"/>
+              <a:tabLst/>
+            </a:pPr>
+            <a:r>
+              <a:rPr kumimoji="0" lang="en-US" altLang="en-US" sz="1600" b="1" i="0" u="none" strike="noStrike" cap="none" normalizeH="0" baseline="0" dirty="0" smtClean="0">
+                <a:ln>
+                  <a:noFill/>
+                </a:ln>
+                <a:solidFill>
+                  <a:schemeClr val="tx1"/>
+                </a:solidFill>
+                <a:effectLst/>
+                <a:latin typeface="Verdana" panose="020B0604030504040204" pitchFamily="34" charset="0"/>
+                <a:ea typeface="Verdana" panose="020B0604030504040204" pitchFamily="34" charset="0"/>
+              </a:rPr>
+              <a:t>Performance Metrics</a:t>
+            </a:r>
+            <a:endParaRPr kumimoji="0" lang="en-US" altLang="en-US" sz="1600" b="0" i="0" u="none" strike="noStrike" cap="none" normalizeH="0" baseline="0" dirty="0" smtClean="0">
+              <a:ln>
+                <a:noFill/>
+              </a:ln>
+              <a:solidFill>
+                <a:schemeClr val="tx1"/>
+              </a:solidFill>
+              <a:effectLst/>
+              <a:latin typeface="Verdana" panose="020B0604030504040204" pitchFamily="34" charset="0"/>
+              <a:ea typeface="Verdana" panose="020B0604030504040204" pitchFamily="34" charset="0"/>
+            </a:endParaRPr>
+          </a:p>
+          <a:p>
+            <a:pPr marL="0" marR="0" lvl="0" indent="0" algn="l" defTabSz="914400" rtl="0" eaLnBrk="0" fontAlgn="base" latinLnBrk="0" hangingPunct="0">
+              <a:lnSpc>
+                <a:spcPct val="100000"/>
+              </a:lnSpc>
+              <a:spcBef>
+                <a:spcPct val="0"/>
+              </a:spcBef>
+              <a:spcAft>
+                <a:spcPct val="0"/>
+              </a:spcAft>
+              <a:buClrTx/>
+              <a:buSzTx/>
+              <a:buNone/>
+              <a:tabLst/>
+            </a:pPr>
+            <a:r>
+              <a:rPr kumimoji="0" lang="en-US" altLang="en-US" sz="1600" b="0" i="0" u="none" strike="noStrike" cap="none" normalizeH="0" baseline="0" dirty="0" smtClean="0">
+                <a:ln>
+                  <a:noFill/>
+                </a:ln>
+                <a:solidFill>
+                  <a:schemeClr val="tx1"/>
+                </a:solidFill>
+                <a:effectLst/>
+                <a:latin typeface="Verdana" panose="020B0604030504040204" pitchFamily="34" charset="0"/>
+                <a:ea typeface="Verdana" panose="020B0604030504040204" pitchFamily="34" charset="0"/>
+              </a:rPr>
+              <a:t>    Evaluating models using:</a:t>
+            </a:r>
+          </a:p>
+          <a:p>
+            <a:pPr marL="457200" marR="0" lvl="1" indent="0" algn="l" defTabSz="914400" rtl="0" eaLnBrk="0" fontAlgn="base" latinLnBrk="0" hangingPunct="0">
+              <a:lnSpc>
+                <a:spcPct val="100000"/>
+              </a:lnSpc>
+              <a:spcBef>
+                <a:spcPct val="0"/>
+              </a:spcBef>
+              <a:spcAft>
+                <a:spcPct val="0"/>
+              </a:spcAft>
+              <a:buClrTx/>
+              <a:buSzTx/>
+              <a:buFontTx/>
+              <a:buChar char="•"/>
+              <a:tabLst/>
+            </a:pPr>
+            <a:r>
+              <a:rPr kumimoji="0" lang="en-US" altLang="en-US" sz="1600" b="1" i="0" u="none" strike="noStrike" cap="none" normalizeH="0" baseline="0" dirty="0" smtClean="0">
+                <a:ln>
+                  <a:noFill/>
+                </a:ln>
+                <a:solidFill>
+                  <a:schemeClr val="tx1"/>
+                </a:solidFill>
+                <a:effectLst/>
+                <a:latin typeface="Verdana" panose="020B0604030504040204" pitchFamily="34" charset="0"/>
+                <a:ea typeface="Verdana" panose="020B0604030504040204" pitchFamily="34" charset="0"/>
+              </a:rPr>
+              <a:t>Accuracy</a:t>
+            </a:r>
+            <a:r>
+              <a:rPr kumimoji="0" lang="en-US" altLang="en-US" sz="1600" b="0" i="0" u="none" strike="noStrike" cap="none" normalizeH="0" baseline="0" dirty="0" smtClean="0">
+                <a:ln>
+                  <a:noFill/>
+                </a:ln>
+                <a:solidFill>
+                  <a:schemeClr val="tx1"/>
+                </a:solidFill>
+                <a:effectLst/>
+                <a:latin typeface="Verdana" panose="020B0604030504040204" pitchFamily="34" charset="0"/>
+                <a:ea typeface="Verdana" panose="020B0604030504040204" pitchFamily="34" charset="0"/>
+              </a:rPr>
+              <a:t>: How often the model is correct.</a:t>
+            </a:r>
+          </a:p>
+          <a:p>
+            <a:pPr marL="457200" marR="0" lvl="1" indent="0" algn="l" defTabSz="914400" rtl="0" eaLnBrk="0" fontAlgn="base" latinLnBrk="0" hangingPunct="0">
+              <a:lnSpc>
+                <a:spcPct val="100000"/>
+              </a:lnSpc>
+              <a:spcBef>
+                <a:spcPct val="0"/>
+              </a:spcBef>
+              <a:spcAft>
+                <a:spcPct val="0"/>
+              </a:spcAft>
+              <a:buClrTx/>
+              <a:buSzTx/>
+              <a:buFontTx/>
+              <a:buChar char="•"/>
+              <a:tabLst/>
+            </a:pPr>
+            <a:r>
+              <a:rPr kumimoji="0" lang="en-US" altLang="en-US" sz="1600" b="1" i="0" u="none" strike="noStrike" cap="none" normalizeH="0" baseline="0" dirty="0" smtClean="0">
+                <a:ln>
+                  <a:noFill/>
+                </a:ln>
+                <a:solidFill>
+                  <a:schemeClr val="tx1"/>
+                </a:solidFill>
+                <a:effectLst/>
+                <a:latin typeface="Verdana" panose="020B0604030504040204" pitchFamily="34" charset="0"/>
+                <a:ea typeface="Verdana" panose="020B0604030504040204" pitchFamily="34" charset="0"/>
+              </a:rPr>
+              <a:t>Precision</a:t>
+            </a:r>
+            <a:r>
+              <a:rPr kumimoji="0" lang="en-US" altLang="en-US" sz="1600" b="0" i="0" u="none" strike="noStrike" cap="none" normalizeH="0" baseline="0" dirty="0" smtClean="0">
+                <a:ln>
+                  <a:noFill/>
+                </a:ln>
+                <a:solidFill>
+                  <a:schemeClr val="tx1"/>
+                </a:solidFill>
+                <a:effectLst/>
+                <a:latin typeface="Verdana" panose="020B0604030504040204" pitchFamily="34" charset="0"/>
+                <a:ea typeface="Verdana" panose="020B0604030504040204" pitchFamily="34" charset="0"/>
+              </a:rPr>
+              <a:t>: How many of the positive predictions are actually correct.</a:t>
+            </a:r>
+          </a:p>
+          <a:p>
+            <a:pPr marL="457200" marR="0" lvl="1" indent="0" algn="l" defTabSz="914400" rtl="0" eaLnBrk="0" fontAlgn="base" latinLnBrk="0" hangingPunct="0">
+              <a:lnSpc>
+                <a:spcPct val="100000"/>
+              </a:lnSpc>
+              <a:spcBef>
+                <a:spcPct val="0"/>
+              </a:spcBef>
+              <a:spcAft>
+                <a:spcPct val="0"/>
+              </a:spcAft>
+              <a:buClrTx/>
+              <a:buSzTx/>
+              <a:buFontTx/>
+              <a:buChar char="•"/>
+              <a:tabLst/>
+            </a:pPr>
+            <a:r>
+              <a:rPr kumimoji="0" lang="en-US" altLang="en-US" sz="1600" b="1" i="0" u="none" strike="noStrike" cap="none" normalizeH="0" baseline="0" dirty="0" smtClean="0">
+                <a:ln>
+                  <a:noFill/>
+                </a:ln>
+                <a:solidFill>
+                  <a:schemeClr val="tx1"/>
+                </a:solidFill>
+                <a:effectLst/>
+                <a:latin typeface="Verdana" panose="020B0604030504040204" pitchFamily="34" charset="0"/>
+                <a:ea typeface="Verdana" panose="020B0604030504040204" pitchFamily="34" charset="0"/>
+              </a:rPr>
+              <a:t>Recall</a:t>
+            </a:r>
+            <a:r>
+              <a:rPr kumimoji="0" lang="en-US" altLang="en-US" sz="1600" b="0" i="0" u="none" strike="noStrike" cap="none" normalizeH="0" baseline="0" dirty="0" smtClean="0">
+                <a:ln>
+                  <a:noFill/>
+                </a:ln>
+                <a:solidFill>
+                  <a:schemeClr val="tx1"/>
+                </a:solidFill>
+                <a:effectLst/>
+                <a:latin typeface="Verdana" panose="020B0604030504040204" pitchFamily="34" charset="0"/>
+                <a:ea typeface="Verdana" panose="020B0604030504040204" pitchFamily="34" charset="0"/>
+              </a:rPr>
+              <a:t>: How many of the actual positives the model correctly identified.</a:t>
+            </a:r>
+          </a:p>
+          <a:p>
+            <a:pPr marL="457200" marR="0" lvl="1" indent="0" algn="l" defTabSz="914400" rtl="0" eaLnBrk="0" fontAlgn="base" latinLnBrk="0" hangingPunct="0">
+              <a:lnSpc>
+                <a:spcPct val="100000"/>
+              </a:lnSpc>
+              <a:spcBef>
+                <a:spcPct val="0"/>
+              </a:spcBef>
+              <a:spcAft>
+                <a:spcPct val="0"/>
+              </a:spcAft>
+              <a:buClrTx/>
+              <a:buSzTx/>
+              <a:buFontTx/>
+              <a:buChar char="•"/>
+              <a:tabLst/>
+            </a:pPr>
+            <a:r>
+              <a:rPr kumimoji="0" lang="en-US" altLang="en-US" sz="1600" b="1" i="0" u="none" strike="noStrike" cap="none" normalizeH="0" baseline="0" dirty="0" smtClean="0">
+                <a:ln>
+                  <a:noFill/>
+                </a:ln>
+                <a:solidFill>
+                  <a:schemeClr val="tx1"/>
+                </a:solidFill>
+                <a:effectLst/>
+                <a:latin typeface="Verdana" panose="020B0604030504040204" pitchFamily="34" charset="0"/>
+                <a:ea typeface="Verdana" panose="020B0604030504040204" pitchFamily="34" charset="0"/>
+              </a:rPr>
+              <a:t>F1-Score</a:t>
+            </a:r>
+            <a:r>
+              <a:rPr kumimoji="0" lang="en-US" altLang="en-US" sz="1600" b="0" i="0" u="none" strike="noStrike" cap="none" normalizeH="0" baseline="0" dirty="0" smtClean="0">
+                <a:ln>
+                  <a:noFill/>
+                </a:ln>
+                <a:solidFill>
+                  <a:schemeClr val="tx1"/>
+                </a:solidFill>
+                <a:effectLst/>
+                <a:latin typeface="Verdana" panose="020B0604030504040204" pitchFamily="34" charset="0"/>
+                <a:ea typeface="Verdana" panose="020B0604030504040204" pitchFamily="34" charset="0"/>
+              </a:rPr>
+              <a:t>: A balance between precision and recall.</a:t>
+            </a:r>
+          </a:p>
+          <a:p>
+            <a:pPr marL="457200" marR="0" lvl="1" indent="0" algn="l" defTabSz="914400" rtl="0" eaLnBrk="0" fontAlgn="base" latinLnBrk="0" hangingPunct="0">
+              <a:lnSpc>
+                <a:spcPct val="100000"/>
+              </a:lnSpc>
+              <a:spcBef>
+                <a:spcPct val="0"/>
+              </a:spcBef>
+              <a:spcAft>
+                <a:spcPct val="0"/>
+              </a:spcAft>
+              <a:buClrTx/>
+              <a:buSzTx/>
+              <a:buFontTx/>
+              <a:buChar char="•"/>
+              <a:tabLst/>
+            </a:pPr>
+            <a:endParaRPr kumimoji="0" lang="en-US" altLang="en-US" sz="1600" b="0" i="0" u="none" strike="noStrike" cap="none" normalizeH="0" baseline="0" dirty="0" smtClean="0">
+              <a:ln>
+                <a:noFill/>
+              </a:ln>
+              <a:solidFill>
+                <a:schemeClr val="tx1"/>
+              </a:solidFill>
+              <a:effectLst/>
+              <a:latin typeface="Verdana" panose="020B0604030504040204" pitchFamily="34" charset="0"/>
+              <a:ea typeface="Verdana" panose="020B0604030504040204" pitchFamily="34" charset="0"/>
+            </a:endParaRPr>
+          </a:p>
+          <a:p>
+            <a:pPr marL="0" marR="0" lvl="0" indent="0" algn="l" defTabSz="914400" rtl="0" eaLnBrk="0" fontAlgn="base" latinLnBrk="0" hangingPunct="0">
+              <a:lnSpc>
+                <a:spcPct val="100000"/>
+              </a:lnSpc>
+              <a:spcBef>
+                <a:spcPct val="0"/>
+              </a:spcBef>
+              <a:spcAft>
+                <a:spcPct val="0"/>
+              </a:spcAft>
+              <a:buClrTx/>
+              <a:buSzTx/>
+              <a:buFontTx/>
+              <a:buChar char="•"/>
+              <a:tabLst/>
+            </a:pPr>
+            <a:r>
+              <a:rPr kumimoji="0" lang="en-US" altLang="en-US" sz="1600" b="1" i="0" u="none" strike="noStrike" cap="none" normalizeH="0" baseline="0" dirty="0" smtClean="0">
+                <a:ln>
+                  <a:noFill/>
+                </a:ln>
+                <a:solidFill>
+                  <a:schemeClr val="tx1"/>
+                </a:solidFill>
+                <a:effectLst/>
+                <a:latin typeface="Verdana" panose="020B0604030504040204" pitchFamily="34" charset="0"/>
+                <a:ea typeface="Verdana" panose="020B0604030504040204" pitchFamily="34" charset="0"/>
+              </a:rPr>
+              <a:t>Graphical Comparison</a:t>
+            </a:r>
+            <a:endParaRPr kumimoji="0" lang="en-US" altLang="en-US" sz="1600" b="0" i="0" u="none" strike="noStrike" cap="none" normalizeH="0" baseline="0" dirty="0" smtClean="0">
+              <a:ln>
+                <a:noFill/>
+              </a:ln>
+              <a:solidFill>
+                <a:schemeClr val="tx1"/>
+              </a:solidFill>
+              <a:effectLst/>
+              <a:latin typeface="Verdana" panose="020B0604030504040204" pitchFamily="34" charset="0"/>
+              <a:ea typeface="Verdana" panose="020B0604030504040204" pitchFamily="34" charset="0"/>
+            </a:endParaRPr>
+          </a:p>
+          <a:p>
+            <a:pPr marL="0" marR="0" lvl="0" indent="0" algn="l" defTabSz="914400" rtl="0" eaLnBrk="0" fontAlgn="base" latinLnBrk="0" hangingPunct="0">
+              <a:lnSpc>
+                <a:spcPct val="100000"/>
+              </a:lnSpc>
+              <a:spcBef>
+                <a:spcPct val="0"/>
+              </a:spcBef>
+              <a:spcAft>
+                <a:spcPct val="0"/>
+              </a:spcAft>
+              <a:buClrTx/>
+              <a:buSzTx/>
+              <a:buNone/>
+              <a:tabLst/>
+            </a:pPr>
+            <a:r>
+              <a:rPr kumimoji="0" lang="en-US" altLang="en-US" sz="1600" b="0" i="0" u="none" strike="noStrike" cap="none" normalizeH="0" baseline="0" dirty="0" smtClean="0">
+                <a:ln>
+                  <a:noFill/>
+                </a:ln>
+                <a:solidFill>
+                  <a:schemeClr val="tx1"/>
+                </a:solidFill>
+                <a:effectLst/>
+                <a:latin typeface="Verdana" panose="020B0604030504040204" pitchFamily="34" charset="0"/>
+                <a:ea typeface="Verdana" panose="020B0604030504040204" pitchFamily="34" charset="0"/>
+              </a:rPr>
+              <a:t>     Using bar graphs to compare how well each model performs in terms of accuracy, precision, recall, and F1-score.</a:t>
+            </a:r>
           </a:p>
         </p:txBody>
       </p:sp>
-      <p:sp>
-        <p:nvSpPr>
-          <p:cNvPr id="6" name="Rectangle 5"/>
-          <p:cNvSpPr/>
-          <p:nvPr/>
-        </p:nvSpPr>
-        <p:spPr>
-          <a:xfrm>
-            <a:off x="457200" y="3876675"/>
-            <a:ext cx="8010525" cy="369332"/>
-          </a:xfrm>
-          <a:prstGeom prst="rect">
-            <a:avLst/>
-          </a:prstGeom>
-        </p:spPr>
-        <p:txBody>
-          <a:bodyPr wrap="square">
-            <a:spAutoFit/>
-          </a:bodyPr>
-          <a:lstStyle/>
-          <a:p>
-            <a:pPr algn="ctr"/>
-            <a:r>
-              <a:rPr lang="en-IN" sz="1800" dirty="0">
-                <a:latin typeface="Times New Roman" panose="02020603050405020304" pitchFamily="18" charset="0"/>
-                <a:cs typeface="Times New Roman" panose="02020603050405020304" pitchFamily="18" charset="0"/>
-              </a:rPr>
-              <a:t>HARDWARE REQUIREMENTS</a:t>
-            </a:r>
-          </a:p>
-        </p:txBody>
-      </p:sp>
-      <p:sp>
-        <p:nvSpPr>
-          <p:cNvPr id="7" name="Rectangle 6"/>
-          <p:cNvSpPr/>
-          <p:nvPr/>
-        </p:nvSpPr>
-        <p:spPr>
-          <a:xfrm>
-            <a:off x="628650" y="4627007"/>
-            <a:ext cx="7839075" cy="1785104"/>
-          </a:xfrm>
-          <a:prstGeom prst="rect">
-            <a:avLst/>
-          </a:prstGeom>
-        </p:spPr>
-        <p:txBody>
-          <a:bodyPr wrap="square">
-            <a:spAutoFit/>
-          </a:bodyPr>
-          <a:lstStyle/>
-          <a:p>
-            <a:pPr marL="285750" lvl="0" indent="-285750">
-              <a:buFont typeface="Arial" panose="020B0604020202020204" pitchFamily="34" charset="0"/>
-              <a:buChar char="•"/>
-            </a:pPr>
-            <a:endParaRPr lang="en-US" sz="1600" dirty="0"/>
-          </a:p>
-          <a:p>
-            <a:pPr marL="285750" lvl="0" indent="-285750">
-              <a:buFont typeface="Arial" panose="020B0604020202020204" pitchFamily="34" charset="0"/>
-              <a:buChar char="•"/>
-            </a:pPr>
-            <a:r>
-              <a:rPr lang="en-US" sz="1600" dirty="0" smtClean="0"/>
-              <a:t>Operating </a:t>
-            </a:r>
-            <a:r>
-              <a:rPr lang="en-US" sz="1600" dirty="0"/>
-              <a:t>system </a:t>
-            </a:r>
-            <a:r>
-              <a:rPr lang="en-US" sz="1600" dirty="0"/>
-              <a:t> </a:t>
-            </a:r>
-            <a:r>
-              <a:rPr lang="en-US" sz="1600" dirty="0" smtClean="0"/>
-              <a:t>            :   </a:t>
-            </a:r>
-            <a:r>
-              <a:rPr lang="en-US" sz="1600" dirty="0"/>
-              <a:t>Windows 7 Ultimate.</a:t>
-            </a:r>
-            <a:endParaRPr lang="en-IN" sz="1600" dirty="0"/>
-          </a:p>
-          <a:p>
-            <a:pPr marL="285750" lvl="0" indent="-285750">
-              <a:buFont typeface="Arial" panose="020B0604020202020204" pitchFamily="34" charset="0"/>
-              <a:buChar char="•"/>
-            </a:pPr>
-            <a:r>
-              <a:rPr lang="en-US" sz="1600" dirty="0"/>
-              <a:t>Coding </a:t>
-            </a:r>
-            <a:r>
-              <a:rPr lang="en-US" sz="1600" dirty="0" smtClean="0"/>
-              <a:t>Language</a:t>
-            </a:r>
-            <a:r>
-              <a:rPr lang="en-US" sz="1600" dirty="0"/>
-              <a:t> </a:t>
-            </a:r>
-            <a:r>
-              <a:rPr lang="en-US" sz="1600" dirty="0" smtClean="0"/>
-              <a:t>             :   </a:t>
-            </a:r>
-            <a:r>
-              <a:rPr lang="en-US" sz="1600" dirty="0"/>
-              <a:t>Python</a:t>
-            </a:r>
-            <a:r>
-              <a:rPr lang="en-US" sz="1600" dirty="0" smtClean="0"/>
-              <a:t>.</a:t>
-            </a:r>
-          </a:p>
-          <a:p>
-            <a:pPr marL="285750" lvl="0" indent="-285750">
-              <a:buFont typeface="Arial" panose="020B0604020202020204" pitchFamily="34" charset="0"/>
-              <a:buChar char="•"/>
-            </a:pPr>
-            <a:r>
-              <a:rPr lang="en-US" sz="1600" dirty="0" smtClean="0"/>
-              <a:t>Front-End</a:t>
-            </a:r>
-            <a:r>
-              <a:rPr lang="en-US" sz="1600" dirty="0"/>
-              <a:t> </a:t>
-            </a:r>
-            <a:r>
-              <a:rPr lang="en-US" sz="1600" dirty="0" smtClean="0"/>
-              <a:t>                         :   </a:t>
-            </a:r>
-            <a:r>
-              <a:rPr lang="en-US" sz="1600" dirty="0"/>
-              <a:t>Python.</a:t>
-            </a:r>
-            <a:endParaRPr lang="en-IN" sz="1600" dirty="0"/>
-          </a:p>
-          <a:p>
-            <a:pPr marL="285750" lvl="0" indent="-285750">
-              <a:buFont typeface="Arial" panose="020B0604020202020204" pitchFamily="34" charset="0"/>
-              <a:buChar char="•"/>
-            </a:pPr>
-            <a:r>
-              <a:rPr lang="en-US" sz="1600" dirty="0" smtClean="0"/>
-              <a:t>Designing</a:t>
-            </a:r>
-            <a:r>
-              <a:rPr lang="en-US" sz="1600" dirty="0"/>
-              <a:t> </a:t>
-            </a:r>
-            <a:r>
-              <a:rPr lang="en-US" sz="1600" dirty="0" smtClean="0"/>
-              <a:t>                         :   </a:t>
-            </a:r>
-            <a:r>
-              <a:rPr lang="en-US" sz="1600" dirty="0" err="1"/>
-              <a:t>Html,css,javascript</a:t>
-            </a:r>
-            <a:r>
-              <a:rPr lang="en-US" sz="1600" dirty="0"/>
-              <a:t>.</a:t>
-            </a:r>
-            <a:endParaRPr lang="en-IN" sz="1600" dirty="0"/>
-          </a:p>
-          <a:p>
-            <a:pPr marL="285750" lvl="0" indent="-285750">
-              <a:buFont typeface="Arial" panose="020B0604020202020204" pitchFamily="34" charset="0"/>
-              <a:buChar char="•"/>
-            </a:pPr>
-            <a:r>
-              <a:rPr lang="en-US" sz="1600" dirty="0"/>
-              <a:t>Data Base	</a:t>
-            </a:r>
-            <a:r>
-              <a:rPr lang="en-US" sz="1600" dirty="0"/>
-              <a:t> </a:t>
-            </a:r>
-            <a:r>
-              <a:rPr lang="en-US" sz="1600" dirty="0" smtClean="0"/>
-              <a:t>              :   </a:t>
-            </a:r>
-            <a:r>
-              <a:rPr lang="en-US" sz="1600" dirty="0"/>
-              <a:t>MySQL.</a:t>
-            </a:r>
-            <a:endParaRPr lang="en-IN" sz="1600" dirty="0"/>
-          </a:p>
-          <a:p>
-            <a:pPr lvl="0"/>
-            <a:endParaRPr lang="en-IN" dirty="0"/>
-          </a:p>
-        </p:txBody>
-      </p:sp>
-      <p:cxnSp>
-        <p:nvCxnSpPr>
-          <p:cNvPr id="9" name="Straight Connector 8"/>
-          <p:cNvCxnSpPr/>
-          <p:nvPr/>
-        </p:nvCxnSpPr>
-        <p:spPr>
-          <a:xfrm flipV="1">
-            <a:off x="457200" y="3771900"/>
-            <a:ext cx="7010400" cy="38100"/>
-          </a:xfrm>
-          <a:prstGeom prst="line">
-            <a:avLst/>
-          </a:prstGeom>
-          <a:ln w="31750">
-            <a:solidFill>
-              <a:schemeClr val="tx1"/>
-            </a:solidFill>
-          </a:ln>
-        </p:spPr>
-        <p:style>
-          <a:lnRef idx="1">
-            <a:schemeClr val="accent1"/>
-          </a:lnRef>
-          <a:fillRef idx="0">
-            <a:schemeClr val="accent1"/>
-          </a:fillRef>
-          <a:effectRef idx="0">
-            <a:schemeClr val="accent1"/>
-          </a:effectRef>
-          <a:fontRef idx="minor">
-            <a:schemeClr val="tx1"/>
-          </a:fontRef>
-        </p:style>
-      </p:cxnSp>
     </p:spTree>
     <p:extLst>
       <p:ext uri="{BB962C8B-B14F-4D97-AF65-F5344CB8AC3E}">
-        <p14:creationId xmlns:p14="http://schemas.microsoft.com/office/powerpoint/2010/main" val="1948215729"/>
+        <p14:creationId xmlns:p14="http://schemas.microsoft.com/office/powerpoint/2010/main" val="3312316038"/>
       </p:ext>
     </p:extLst>
   </p:cSld>
@@ -17738,20 +17969,1020 @@
             <p:ph type="title"/>
           </p:nvPr>
         </p:nvSpPr>
+        <p:spPr>
+          <a:xfrm>
+            <a:off x="457200" y="0"/>
+            <a:ext cx="8229600" cy="770095"/>
+          </a:xfrm>
+        </p:spPr>
+        <p:txBody>
+          <a:bodyPr/>
+          <a:lstStyle/>
+          <a:p>
+            <a:r>
+              <a:rPr lang="en-US" sz="1800" b="1" dirty="0" smtClean="0">
+                <a:solidFill>
+                  <a:schemeClr val="dk1"/>
+                </a:solidFill>
+                <a:latin typeface="Bookman Old Style" panose="02050604050505020204" pitchFamily="18" charset="0"/>
+              </a:rPr>
+              <a:t>ALGORITHMS</a:t>
+            </a:r>
+            <a:endParaRPr lang="en-IN" sz="1800" b="1" dirty="0">
+              <a:latin typeface="Bookman Old Style" panose="02050604050505020204" pitchFamily="18" charset="0"/>
+            </a:endParaRPr>
+          </a:p>
+        </p:txBody>
+      </p:sp>
+      <p:sp>
+        <p:nvSpPr>
+          <p:cNvPr id="4" name="Rectangle 1"/>
+          <p:cNvSpPr>
+            <a:spLocks noGrp="1" noChangeArrowheads="1"/>
+          </p:cNvSpPr>
+          <p:nvPr>
+            <p:ph type="body" idx="1"/>
+          </p:nvPr>
+        </p:nvSpPr>
+        <p:spPr bwMode="auto">
+          <a:xfrm>
+            <a:off x="323850" y="1108649"/>
+            <a:ext cx="8362950" cy="5509200"/>
+          </a:xfrm>
+          <a:prstGeom prst="rect">
+            <a:avLst/>
+          </a:prstGeom>
+          <a:noFill/>
+          <a:ln>
+            <a:noFill/>
+          </a:ln>
+          <a:effectLst/>
+          <a:extLst>
+            <a:ext uri="{909E8E84-426E-40DD-AFC4-6F175D3DCCD1}">
+              <a14:hiddenFill xmlns:a14="http://schemas.microsoft.com/office/drawing/2010/main">
+                <a:solidFill>
+                  <a:schemeClr val="accent1"/>
+                </a:solidFill>
+              </a14:hiddenFill>
+            </a:ext>
+            <a:ext uri="{91240B29-F687-4F45-9708-019B960494DF}">
+              <a14:hiddenLine xmlns:a14="http://schemas.microsoft.com/office/drawing/2010/main" w="9525">
+                <a:solidFill>
+                  <a:schemeClr val="tx1"/>
+                </a:solidFill>
+                <a:miter lim="800000"/>
+                <a:headEnd/>
+                <a:tailEnd/>
+              </a14:hiddenLine>
+            </a:ext>
+            <a:ext uri="{AF507438-7753-43E0-B8FC-AC1667EBCBE1}">
+              <a14:hiddenEffects xmlns:a14="http://schemas.microsoft.com/office/drawing/2010/main">
+                <a:effectLst>
+                  <a:outerShdw dist="35921" dir="2700000" algn="ctr" rotWithShape="0">
+                    <a:schemeClr val="bg2"/>
+                  </a:outerShdw>
+                </a:effectLst>
+              </a14:hiddenEffects>
+            </a:ext>
+          </a:extLst>
+        </p:spPr>
+        <p:txBody>
+          <a:bodyPr vert="horz" wrap="square" lIns="91440" tIns="45720" rIns="91440" bIns="45720" numCol="1" anchor="ctr" anchorCtr="0" compatLnSpc="1">
+            <a:prstTxWarp prst="textNoShape">
+              <a:avLst/>
+            </a:prstTxWarp>
+            <a:spAutoFit/>
+          </a:bodyPr>
+          <a:lstStyle/>
+          <a:p>
+            <a:pPr marL="0" marR="0" lvl="0" indent="0" algn="l" defTabSz="914400" rtl="0" eaLnBrk="0" fontAlgn="base" latinLnBrk="0" hangingPunct="0">
+              <a:lnSpc>
+                <a:spcPct val="100000"/>
+              </a:lnSpc>
+              <a:spcBef>
+                <a:spcPct val="0"/>
+              </a:spcBef>
+              <a:spcAft>
+                <a:spcPct val="0"/>
+              </a:spcAft>
+              <a:buClrTx/>
+              <a:buSzTx/>
+              <a:buFontTx/>
+              <a:buChar char="•"/>
+              <a:tabLst/>
+            </a:pPr>
+            <a:r>
+              <a:rPr kumimoji="0" lang="en-US" altLang="en-US" sz="1600" b="1" i="0" u="none" strike="noStrike" cap="none" normalizeH="0" baseline="0" dirty="0" smtClean="0">
+                <a:ln>
+                  <a:noFill/>
+                </a:ln>
+                <a:solidFill>
+                  <a:schemeClr val="tx1"/>
+                </a:solidFill>
+                <a:effectLst/>
+                <a:latin typeface="Verdana" panose="020B0604030504040204" pitchFamily="34" charset="0"/>
+                <a:ea typeface="Verdana" panose="020B0604030504040204" pitchFamily="34" charset="0"/>
+              </a:rPr>
+              <a:t>LSTM (Long Short-Term Memory)</a:t>
+            </a:r>
+          </a:p>
+          <a:p>
+            <a:pPr marL="0" marR="0" lvl="0" indent="0" algn="l" defTabSz="914400" rtl="0" eaLnBrk="0" fontAlgn="base" latinLnBrk="0" hangingPunct="0">
+              <a:lnSpc>
+                <a:spcPct val="100000"/>
+              </a:lnSpc>
+              <a:spcBef>
+                <a:spcPct val="0"/>
+              </a:spcBef>
+              <a:spcAft>
+                <a:spcPct val="0"/>
+              </a:spcAft>
+              <a:buClrTx/>
+              <a:buSzTx/>
+              <a:buNone/>
+              <a:tabLst/>
+            </a:pPr>
+            <a:r>
+              <a:rPr lang="en-US" altLang="en-US" sz="1600" dirty="0" smtClean="0">
+                <a:solidFill>
+                  <a:schemeClr val="tx1"/>
+                </a:solidFill>
+                <a:latin typeface="Verdana" panose="020B0604030504040204" pitchFamily="34" charset="0"/>
+                <a:ea typeface="Verdana" panose="020B0604030504040204" pitchFamily="34" charset="0"/>
+              </a:rPr>
+              <a:t>    </a:t>
+            </a:r>
+            <a:r>
+              <a:rPr kumimoji="0" lang="en-US" altLang="en-US" sz="1600" i="0" u="none" strike="noStrike" cap="none" normalizeH="0" baseline="0" dirty="0" smtClean="0">
+                <a:ln>
+                  <a:noFill/>
+                </a:ln>
+                <a:solidFill>
+                  <a:schemeClr val="tx1"/>
+                </a:solidFill>
+                <a:effectLst/>
+                <a:latin typeface="Verdana" panose="020B0604030504040204" pitchFamily="34" charset="0"/>
+                <a:ea typeface="Verdana" panose="020B0604030504040204" pitchFamily="34" charset="0"/>
+              </a:rPr>
+              <a:t>A type of neural network good for understanding sequences, like sentences. It helps in learning patterns over long pieces of text.</a:t>
+            </a:r>
+          </a:p>
+          <a:p>
+            <a:pPr marL="0" marR="0" lvl="0" indent="0" algn="l" defTabSz="914400" rtl="0" eaLnBrk="0" fontAlgn="base" latinLnBrk="0" hangingPunct="0">
+              <a:lnSpc>
+                <a:spcPct val="100000"/>
+              </a:lnSpc>
+              <a:spcBef>
+                <a:spcPct val="0"/>
+              </a:spcBef>
+              <a:spcAft>
+                <a:spcPct val="0"/>
+              </a:spcAft>
+              <a:buClrTx/>
+              <a:buSzTx/>
+              <a:buFontTx/>
+              <a:buChar char="•"/>
+              <a:tabLst/>
+            </a:pPr>
+            <a:r>
+              <a:rPr kumimoji="0" lang="en-US" altLang="en-US" sz="1600" b="1" i="0" u="none" strike="noStrike" cap="none" normalizeH="0" baseline="0" dirty="0" smtClean="0">
+                <a:ln>
+                  <a:noFill/>
+                </a:ln>
+                <a:solidFill>
+                  <a:schemeClr val="tx1"/>
+                </a:solidFill>
+                <a:effectLst/>
+                <a:latin typeface="Verdana" panose="020B0604030504040204" pitchFamily="34" charset="0"/>
+                <a:ea typeface="Verdana" panose="020B0604030504040204" pitchFamily="34" charset="0"/>
+              </a:rPr>
+              <a:t>CNN (Convolutional Neural Network)</a:t>
+            </a:r>
+          </a:p>
+          <a:p>
+            <a:pPr marL="0" marR="0" lvl="0" indent="0" algn="l" defTabSz="914400" rtl="0" eaLnBrk="0" fontAlgn="base" latinLnBrk="0" hangingPunct="0">
+              <a:lnSpc>
+                <a:spcPct val="100000"/>
+              </a:lnSpc>
+              <a:spcBef>
+                <a:spcPct val="0"/>
+              </a:spcBef>
+              <a:spcAft>
+                <a:spcPct val="0"/>
+              </a:spcAft>
+              <a:buClrTx/>
+              <a:buSzTx/>
+              <a:buNone/>
+              <a:tabLst/>
+            </a:pPr>
+            <a:r>
+              <a:rPr lang="en-US" altLang="en-US" sz="1600" dirty="0" smtClean="0">
+                <a:solidFill>
+                  <a:schemeClr val="tx1"/>
+                </a:solidFill>
+                <a:latin typeface="Verdana" panose="020B0604030504040204" pitchFamily="34" charset="0"/>
+                <a:ea typeface="Verdana" panose="020B0604030504040204" pitchFamily="34" charset="0"/>
+              </a:rPr>
+              <a:t>     </a:t>
+            </a:r>
+            <a:r>
+              <a:rPr kumimoji="0" lang="en-US" altLang="en-US" sz="1600" i="0" u="none" strike="noStrike" cap="none" normalizeH="0" baseline="0" dirty="0" smtClean="0">
+                <a:ln>
+                  <a:noFill/>
+                </a:ln>
+                <a:solidFill>
+                  <a:schemeClr val="tx1"/>
+                </a:solidFill>
+                <a:effectLst/>
+                <a:latin typeface="Verdana" panose="020B0604030504040204" pitchFamily="34" charset="0"/>
+                <a:ea typeface="Verdana" panose="020B0604030504040204" pitchFamily="34" charset="0"/>
+              </a:rPr>
+              <a:t>Often used for images but can also analyze text by treating it like a signal. It helps in picking out important features from the text.</a:t>
+            </a:r>
+          </a:p>
+          <a:p>
+            <a:pPr marL="0" marR="0" lvl="0" indent="0" algn="l" defTabSz="914400" rtl="0" eaLnBrk="0" fontAlgn="base" latinLnBrk="0" hangingPunct="0">
+              <a:lnSpc>
+                <a:spcPct val="100000"/>
+              </a:lnSpc>
+              <a:spcBef>
+                <a:spcPct val="0"/>
+              </a:spcBef>
+              <a:spcAft>
+                <a:spcPct val="0"/>
+              </a:spcAft>
+              <a:buClrTx/>
+              <a:buSzTx/>
+              <a:buFontTx/>
+              <a:buChar char="•"/>
+              <a:tabLst/>
+            </a:pPr>
+            <a:r>
+              <a:rPr kumimoji="0" lang="en-US" altLang="en-US" sz="1600" b="1" i="0" u="none" strike="noStrike" cap="none" normalizeH="0" baseline="0" dirty="0" smtClean="0">
+                <a:ln>
+                  <a:noFill/>
+                </a:ln>
+                <a:solidFill>
+                  <a:schemeClr val="tx1"/>
+                </a:solidFill>
+                <a:effectLst/>
+                <a:latin typeface="Verdana" panose="020B0604030504040204" pitchFamily="34" charset="0"/>
+                <a:ea typeface="Verdana" panose="020B0604030504040204" pitchFamily="34" charset="0"/>
+              </a:rPr>
+              <a:t>SVM (Support Vector Machine)</a:t>
+            </a:r>
+          </a:p>
+          <a:p>
+            <a:pPr marL="0" marR="0" lvl="0" indent="0" algn="l" defTabSz="914400" rtl="0" eaLnBrk="0" fontAlgn="base" latinLnBrk="0" hangingPunct="0">
+              <a:lnSpc>
+                <a:spcPct val="100000"/>
+              </a:lnSpc>
+              <a:spcBef>
+                <a:spcPct val="0"/>
+              </a:spcBef>
+              <a:spcAft>
+                <a:spcPct val="0"/>
+              </a:spcAft>
+              <a:buClrTx/>
+              <a:buSzTx/>
+              <a:buNone/>
+              <a:tabLst/>
+            </a:pPr>
+            <a:r>
+              <a:rPr lang="en-US" altLang="en-US" sz="1600" dirty="0" smtClean="0">
+                <a:solidFill>
+                  <a:schemeClr val="tx1"/>
+                </a:solidFill>
+                <a:latin typeface="Verdana" panose="020B0604030504040204" pitchFamily="34" charset="0"/>
+                <a:ea typeface="Verdana" panose="020B0604030504040204" pitchFamily="34" charset="0"/>
+              </a:rPr>
+              <a:t>     </a:t>
+            </a:r>
+            <a:r>
+              <a:rPr kumimoji="0" lang="en-US" altLang="en-US" sz="1600" i="0" u="none" strike="noStrike" cap="none" normalizeH="0" baseline="0" dirty="0" smtClean="0">
+                <a:ln>
+                  <a:noFill/>
+                </a:ln>
+                <a:solidFill>
+                  <a:schemeClr val="tx1"/>
+                </a:solidFill>
+                <a:effectLst/>
+                <a:latin typeface="Verdana" panose="020B0604030504040204" pitchFamily="34" charset="0"/>
+                <a:ea typeface="Verdana" panose="020B0604030504040204" pitchFamily="34" charset="0"/>
+              </a:rPr>
+              <a:t>A classifier that finds the best line or boundary to separate different classes (like positive or negative texts).</a:t>
+            </a:r>
+          </a:p>
+          <a:p>
+            <a:pPr marL="0" marR="0" lvl="0" indent="0" algn="l" defTabSz="914400" rtl="0" eaLnBrk="0" fontAlgn="base" latinLnBrk="0" hangingPunct="0">
+              <a:lnSpc>
+                <a:spcPct val="100000"/>
+              </a:lnSpc>
+              <a:spcBef>
+                <a:spcPct val="0"/>
+              </a:spcBef>
+              <a:spcAft>
+                <a:spcPct val="0"/>
+              </a:spcAft>
+              <a:buClrTx/>
+              <a:buSzTx/>
+              <a:buFontTx/>
+              <a:buChar char="•"/>
+              <a:tabLst/>
+            </a:pPr>
+            <a:r>
+              <a:rPr kumimoji="0" lang="en-US" altLang="en-US" sz="1600" b="1" i="0" u="none" strike="noStrike" cap="none" normalizeH="0" baseline="0" dirty="0" smtClean="0">
+                <a:ln>
+                  <a:noFill/>
+                </a:ln>
+                <a:solidFill>
+                  <a:schemeClr val="tx1"/>
+                </a:solidFill>
+                <a:effectLst/>
+                <a:latin typeface="Verdana" panose="020B0604030504040204" pitchFamily="34" charset="0"/>
+                <a:ea typeface="Verdana" panose="020B0604030504040204" pitchFamily="34" charset="0"/>
+              </a:rPr>
+              <a:t>KNN (K-Nearest Neighbors)</a:t>
+            </a:r>
+          </a:p>
+          <a:p>
+            <a:pPr marL="0" marR="0" lvl="0" indent="0" algn="l" defTabSz="914400" rtl="0" eaLnBrk="0" fontAlgn="base" latinLnBrk="0" hangingPunct="0">
+              <a:lnSpc>
+                <a:spcPct val="100000"/>
+              </a:lnSpc>
+              <a:spcBef>
+                <a:spcPct val="0"/>
+              </a:spcBef>
+              <a:spcAft>
+                <a:spcPct val="0"/>
+              </a:spcAft>
+              <a:buClrTx/>
+              <a:buSzTx/>
+              <a:buNone/>
+              <a:tabLst/>
+            </a:pPr>
+            <a:r>
+              <a:rPr lang="en-US" altLang="en-US" sz="1600" dirty="0">
+                <a:solidFill>
+                  <a:schemeClr val="tx1"/>
+                </a:solidFill>
+                <a:latin typeface="Verdana" panose="020B0604030504040204" pitchFamily="34" charset="0"/>
+                <a:ea typeface="Verdana" panose="020B0604030504040204" pitchFamily="34" charset="0"/>
+              </a:rPr>
+              <a:t> </a:t>
+            </a:r>
+            <a:r>
+              <a:rPr lang="en-US" altLang="en-US" sz="1600" dirty="0" smtClean="0">
+                <a:solidFill>
+                  <a:schemeClr val="tx1"/>
+                </a:solidFill>
+                <a:latin typeface="Verdana" panose="020B0604030504040204" pitchFamily="34" charset="0"/>
+                <a:ea typeface="Verdana" panose="020B0604030504040204" pitchFamily="34" charset="0"/>
+              </a:rPr>
+              <a:t>    </a:t>
+            </a:r>
+            <a:r>
+              <a:rPr kumimoji="0" lang="en-US" altLang="en-US" sz="1600" i="0" u="none" strike="noStrike" cap="none" normalizeH="0" baseline="0" dirty="0" smtClean="0">
+                <a:ln>
+                  <a:noFill/>
+                </a:ln>
+                <a:solidFill>
+                  <a:schemeClr val="tx1"/>
+                </a:solidFill>
+                <a:effectLst/>
+                <a:latin typeface="Verdana" panose="020B0604030504040204" pitchFamily="34" charset="0"/>
+                <a:ea typeface="Verdana" panose="020B0604030504040204" pitchFamily="34" charset="0"/>
+              </a:rPr>
+              <a:t>Classifies data points based on the closest points to them. It's like saying "you are similar to your neighbors."</a:t>
+            </a:r>
+          </a:p>
+          <a:p>
+            <a:pPr marL="0" marR="0" lvl="0" indent="0" algn="l" defTabSz="914400" rtl="0" eaLnBrk="0" fontAlgn="base" latinLnBrk="0" hangingPunct="0">
+              <a:lnSpc>
+                <a:spcPct val="100000"/>
+              </a:lnSpc>
+              <a:spcBef>
+                <a:spcPct val="0"/>
+              </a:spcBef>
+              <a:spcAft>
+                <a:spcPct val="0"/>
+              </a:spcAft>
+              <a:buClrTx/>
+              <a:buSzTx/>
+              <a:buFontTx/>
+              <a:buChar char="•"/>
+              <a:tabLst/>
+            </a:pPr>
+            <a:r>
+              <a:rPr kumimoji="0" lang="en-US" altLang="en-US" sz="1600" b="1" i="0" u="none" strike="noStrike" cap="none" normalizeH="0" baseline="0" dirty="0" smtClean="0">
+                <a:ln>
+                  <a:noFill/>
+                </a:ln>
+                <a:solidFill>
+                  <a:schemeClr val="tx1"/>
+                </a:solidFill>
+                <a:effectLst/>
+                <a:latin typeface="Verdana" panose="020B0604030504040204" pitchFamily="34" charset="0"/>
+                <a:ea typeface="Verdana" panose="020B0604030504040204" pitchFamily="34" charset="0"/>
+              </a:rPr>
+              <a:t>Naive Bayes</a:t>
+            </a:r>
+          </a:p>
+          <a:p>
+            <a:pPr marL="0" marR="0" lvl="0" indent="0" algn="l" defTabSz="914400" rtl="0" eaLnBrk="0" fontAlgn="base" latinLnBrk="0" hangingPunct="0">
+              <a:lnSpc>
+                <a:spcPct val="100000"/>
+              </a:lnSpc>
+              <a:spcBef>
+                <a:spcPct val="0"/>
+              </a:spcBef>
+              <a:spcAft>
+                <a:spcPct val="0"/>
+              </a:spcAft>
+              <a:buClrTx/>
+              <a:buSzTx/>
+              <a:buNone/>
+              <a:tabLst/>
+            </a:pPr>
+            <a:r>
+              <a:rPr lang="en-US" altLang="en-US" sz="1600" dirty="0">
+                <a:solidFill>
+                  <a:schemeClr val="tx1"/>
+                </a:solidFill>
+                <a:latin typeface="Verdana" panose="020B0604030504040204" pitchFamily="34" charset="0"/>
+                <a:ea typeface="Verdana" panose="020B0604030504040204" pitchFamily="34" charset="0"/>
+              </a:rPr>
+              <a:t> </a:t>
+            </a:r>
+            <a:r>
+              <a:rPr lang="en-US" altLang="en-US" sz="1600" dirty="0" smtClean="0">
+                <a:solidFill>
+                  <a:schemeClr val="tx1"/>
+                </a:solidFill>
+                <a:latin typeface="Verdana" panose="020B0604030504040204" pitchFamily="34" charset="0"/>
+                <a:ea typeface="Verdana" panose="020B0604030504040204" pitchFamily="34" charset="0"/>
+              </a:rPr>
+              <a:t>    </a:t>
+            </a:r>
+            <a:r>
+              <a:rPr kumimoji="0" lang="en-US" altLang="en-US" sz="1600" i="0" u="none" strike="noStrike" cap="none" normalizeH="0" baseline="0" dirty="0" smtClean="0">
+                <a:ln>
+                  <a:noFill/>
+                </a:ln>
+                <a:solidFill>
+                  <a:schemeClr val="tx1"/>
+                </a:solidFill>
+                <a:effectLst/>
+                <a:latin typeface="Verdana" panose="020B0604030504040204" pitchFamily="34" charset="0"/>
+                <a:ea typeface="Verdana" panose="020B0604030504040204" pitchFamily="34" charset="0"/>
+              </a:rPr>
+              <a:t> A simple probabilistic classifier that assumes all features are independent. It's fast and works well for text classification.</a:t>
+            </a:r>
+          </a:p>
+          <a:p>
+            <a:pPr marL="0" marR="0" lvl="0" indent="0" algn="l" defTabSz="914400" rtl="0" eaLnBrk="0" fontAlgn="base" latinLnBrk="0" hangingPunct="0">
+              <a:lnSpc>
+                <a:spcPct val="100000"/>
+              </a:lnSpc>
+              <a:spcBef>
+                <a:spcPct val="0"/>
+              </a:spcBef>
+              <a:spcAft>
+                <a:spcPct val="0"/>
+              </a:spcAft>
+              <a:buClrTx/>
+              <a:buSzTx/>
+              <a:buFontTx/>
+              <a:buChar char="•"/>
+              <a:tabLst/>
+            </a:pPr>
+            <a:r>
+              <a:rPr kumimoji="0" lang="en-US" altLang="en-US" sz="1600" b="1" i="0" u="none" strike="noStrike" cap="none" normalizeH="0" baseline="0" dirty="0" smtClean="0">
+                <a:ln>
+                  <a:noFill/>
+                </a:ln>
+                <a:solidFill>
+                  <a:schemeClr val="tx1"/>
+                </a:solidFill>
+                <a:effectLst/>
+                <a:latin typeface="Verdana" panose="020B0604030504040204" pitchFamily="34" charset="0"/>
+                <a:ea typeface="Verdana" panose="020B0604030504040204" pitchFamily="34" charset="0"/>
+              </a:rPr>
+              <a:t>Decision Tree</a:t>
+            </a:r>
+          </a:p>
+          <a:p>
+            <a:pPr marL="0" marR="0" lvl="0" indent="0" algn="l" defTabSz="914400" rtl="0" eaLnBrk="0" fontAlgn="base" latinLnBrk="0" hangingPunct="0">
+              <a:lnSpc>
+                <a:spcPct val="100000"/>
+              </a:lnSpc>
+              <a:spcBef>
+                <a:spcPct val="0"/>
+              </a:spcBef>
+              <a:spcAft>
+                <a:spcPct val="0"/>
+              </a:spcAft>
+              <a:buClrTx/>
+              <a:buSzTx/>
+              <a:buNone/>
+              <a:tabLst/>
+            </a:pPr>
+            <a:r>
+              <a:rPr lang="en-US" altLang="en-US" sz="1600" dirty="0">
+                <a:solidFill>
+                  <a:schemeClr val="tx1"/>
+                </a:solidFill>
+                <a:latin typeface="Verdana" panose="020B0604030504040204" pitchFamily="34" charset="0"/>
+                <a:ea typeface="Verdana" panose="020B0604030504040204" pitchFamily="34" charset="0"/>
+              </a:rPr>
+              <a:t> </a:t>
+            </a:r>
+            <a:r>
+              <a:rPr lang="en-US" altLang="en-US" sz="1600" dirty="0" smtClean="0">
+                <a:solidFill>
+                  <a:schemeClr val="tx1"/>
+                </a:solidFill>
+                <a:latin typeface="Verdana" panose="020B0604030504040204" pitchFamily="34" charset="0"/>
+                <a:ea typeface="Verdana" panose="020B0604030504040204" pitchFamily="34" charset="0"/>
+              </a:rPr>
+              <a:t>    </a:t>
+            </a:r>
+            <a:r>
+              <a:rPr kumimoji="0" lang="en-US" altLang="en-US" sz="1600" i="0" u="none" strike="noStrike" cap="none" normalizeH="0" baseline="0" dirty="0" smtClean="0">
+                <a:ln>
+                  <a:noFill/>
+                </a:ln>
+                <a:solidFill>
+                  <a:schemeClr val="tx1"/>
+                </a:solidFill>
+                <a:effectLst/>
+                <a:latin typeface="Verdana" panose="020B0604030504040204" pitchFamily="34" charset="0"/>
+                <a:ea typeface="Verdana" panose="020B0604030504040204" pitchFamily="34" charset="0"/>
+              </a:rPr>
+              <a:t> A tree-like model of decisions. Each node represents a decision point based on a feature, leading to a final classification.</a:t>
+            </a:r>
+          </a:p>
+          <a:p>
+            <a:pPr marL="0" marR="0" lvl="0" indent="0" algn="l" defTabSz="914400" rtl="0" eaLnBrk="0" fontAlgn="base" latinLnBrk="0" hangingPunct="0">
+              <a:lnSpc>
+                <a:spcPct val="100000"/>
+              </a:lnSpc>
+              <a:spcBef>
+                <a:spcPct val="0"/>
+              </a:spcBef>
+              <a:spcAft>
+                <a:spcPct val="0"/>
+              </a:spcAft>
+              <a:buClrTx/>
+              <a:buSzTx/>
+              <a:buFontTx/>
+              <a:buChar char="•"/>
+              <a:tabLst/>
+            </a:pPr>
+            <a:r>
+              <a:rPr kumimoji="0" lang="en-US" altLang="en-US" sz="1600" b="1" i="0" u="none" strike="noStrike" cap="none" normalizeH="0" baseline="0" dirty="0" smtClean="0">
+                <a:ln>
+                  <a:noFill/>
+                </a:ln>
+                <a:solidFill>
+                  <a:schemeClr val="tx1"/>
+                </a:solidFill>
+                <a:effectLst/>
+                <a:latin typeface="Verdana" panose="020B0604030504040204" pitchFamily="34" charset="0"/>
+                <a:ea typeface="Verdana" panose="020B0604030504040204" pitchFamily="34" charset="0"/>
+              </a:rPr>
+              <a:t>Random Forest</a:t>
+            </a:r>
+          </a:p>
+          <a:p>
+            <a:pPr marL="0" marR="0" lvl="0" indent="0" algn="l" defTabSz="914400" rtl="0" eaLnBrk="0" fontAlgn="base" latinLnBrk="0" hangingPunct="0">
+              <a:lnSpc>
+                <a:spcPct val="100000"/>
+              </a:lnSpc>
+              <a:spcBef>
+                <a:spcPct val="0"/>
+              </a:spcBef>
+              <a:spcAft>
+                <a:spcPct val="0"/>
+              </a:spcAft>
+              <a:buClrTx/>
+              <a:buSzTx/>
+              <a:buNone/>
+              <a:tabLst/>
+            </a:pPr>
+            <a:r>
+              <a:rPr kumimoji="0" lang="en-US" altLang="en-US" sz="1600" i="0" u="none" strike="noStrike" cap="none" normalizeH="0" baseline="0" dirty="0" smtClean="0">
+                <a:ln>
+                  <a:noFill/>
+                </a:ln>
+                <a:solidFill>
+                  <a:schemeClr val="tx1"/>
+                </a:solidFill>
+                <a:effectLst/>
+                <a:latin typeface="Verdana" panose="020B0604030504040204" pitchFamily="34" charset="0"/>
+                <a:ea typeface="Verdana" panose="020B0604030504040204" pitchFamily="34" charset="0"/>
+              </a:rPr>
+              <a:t>An ensemble method that builds multiple decision trees and averages their results. It improves accuracy and reduces overfitting.</a:t>
+            </a:r>
+          </a:p>
+          <a:p>
+            <a:pPr marL="0" marR="0" lvl="0" indent="0" algn="l" defTabSz="914400" rtl="0" eaLnBrk="0" fontAlgn="base" latinLnBrk="0" hangingPunct="0">
+              <a:lnSpc>
+                <a:spcPct val="100000"/>
+              </a:lnSpc>
+              <a:spcBef>
+                <a:spcPct val="0"/>
+              </a:spcBef>
+              <a:spcAft>
+                <a:spcPct val="0"/>
+              </a:spcAft>
+              <a:buClrTx/>
+              <a:buSzTx/>
+              <a:buFontTx/>
+              <a:buNone/>
+              <a:tabLst/>
+            </a:pPr>
+            <a:endParaRPr kumimoji="0" lang="en-US" altLang="en-US" sz="1600" i="0" u="none" strike="noStrike" cap="none" normalizeH="0" baseline="0" dirty="0" smtClean="0">
+              <a:ln>
+                <a:noFill/>
+              </a:ln>
+              <a:solidFill>
+                <a:schemeClr val="tx1"/>
+              </a:solidFill>
+              <a:effectLst/>
+              <a:latin typeface="Verdana" panose="020B0604030504040204" pitchFamily="34" charset="0"/>
+              <a:ea typeface="Verdana" panose="020B0604030504040204" pitchFamily="34" charset="0"/>
+            </a:endParaRPr>
+          </a:p>
+        </p:txBody>
+      </p:sp>
+    </p:spTree>
+    <p:extLst>
+      <p:ext uri="{BB962C8B-B14F-4D97-AF65-F5344CB8AC3E}">
+        <p14:creationId xmlns:p14="http://schemas.microsoft.com/office/powerpoint/2010/main" val="3877731494"/>
+      </p:ext>
+    </p:extLst>
+  </p:cSld>
+  <p:clrMapOvr>
+    <a:masterClrMapping/>
+  </p:clrMapOvr>
+  <p:timing>
+    <p:tnLst>
+      <p:par>
+        <p:cTn id="1" dur="indefinite" restart="never" nodeType="tmRoot"/>
+      </p:par>
+    </p:tnLst>
+  </p:timing>
+</p:sld>
+</file>
+
+<file path=ppt/slides/slide8.xml><?xml version="1.0" encoding="utf-8"?>
+<p:sld xmlns:a="http://schemas.openxmlformats.org/drawingml/2006/main" xmlns:r="http://schemas.openxmlformats.org/officeDocument/2006/relationships" xmlns:p="http://schemas.openxmlformats.org/presentationml/2006/main">
+  <p:cSld>
+    <p:spTree>
+      <p:nvGrpSpPr>
+        <p:cNvPr id="1" name=""/>
+        <p:cNvGrpSpPr/>
+        <p:nvPr/>
+      </p:nvGrpSpPr>
+      <p:grpSpPr>
+        <a:xfrm>
+          <a:off x="0" y="0"/>
+          <a:ext cx="0" cy="0"/>
+          <a:chOff x="0" y="0"/>
+          <a:chExt cx="0" cy="0"/>
+        </a:xfrm>
+      </p:grpSpPr>
+      <p:sp>
+        <p:nvSpPr>
+          <p:cNvPr id="2" name="Title 1"/>
+          <p:cNvSpPr>
+            <a:spLocks noGrp="1"/>
+          </p:cNvSpPr>
+          <p:nvPr>
+            <p:ph type="title"/>
+          </p:nvPr>
+        </p:nvSpPr>
         <p:spPr/>
         <p:txBody>
           <a:bodyPr/>
           <a:lstStyle/>
           <a:p>
             <a:r>
-              <a:rPr lang="en-US" sz="1800" dirty="0" smtClean="0">
+              <a:rPr lang="en-US" sz="1800" b="1" dirty="0" smtClean="0">
                 <a:solidFill>
                   <a:schemeClr val="dk1"/>
                 </a:solidFill>
+                <a:latin typeface="Bookman Old Style" panose="02050604050505020204" pitchFamily="18" charset="0"/>
+                <a:cs typeface="Times New Roman" panose="02020603050405020304" pitchFamily="18" charset="0"/>
+              </a:rPr>
+              <a:t>MODULES</a:t>
+            </a:r>
+            <a:endParaRPr lang="en-IN" sz="1800" b="1" dirty="0">
+              <a:latin typeface="Bookman Old Style" panose="02050604050505020204" pitchFamily="18" charset="0"/>
+              <a:cs typeface="Times New Roman" panose="02020603050405020304" pitchFamily="18" charset="0"/>
+            </a:endParaRPr>
+          </a:p>
+        </p:txBody>
+      </p:sp>
+      <p:sp>
+        <p:nvSpPr>
+          <p:cNvPr id="3" name="Text Placeholder 2"/>
+          <p:cNvSpPr>
+            <a:spLocks noGrp="1"/>
+          </p:cNvSpPr>
+          <p:nvPr>
+            <p:ph type="body" idx="1"/>
+          </p:nvPr>
+        </p:nvSpPr>
+        <p:spPr/>
+        <p:txBody>
+          <a:bodyPr/>
+          <a:lstStyle/>
+          <a:p>
+            <a:r>
+              <a:rPr lang="en-US" sz="1600" b="1" dirty="0">
+                <a:latin typeface="Verdana" panose="020B0604030504040204" pitchFamily="34" charset="0"/>
+                <a:ea typeface="Verdana" panose="020B0604030504040204" pitchFamily="34" charset="0"/>
+              </a:rPr>
+              <a:t>Load Dataset:</a:t>
+            </a:r>
+            <a:endParaRPr lang="en-IN" sz="1600" b="1" dirty="0">
+              <a:latin typeface="Verdana" panose="020B0604030504040204" pitchFamily="34" charset="0"/>
+              <a:ea typeface="Verdana" panose="020B0604030504040204" pitchFamily="34" charset="0"/>
+            </a:endParaRPr>
+          </a:p>
+          <a:p>
+            <a:pPr marL="114300" indent="0">
+              <a:buNone/>
+            </a:pPr>
+            <a:r>
+              <a:rPr lang="en-US" sz="1600" dirty="0" smtClean="0">
+                <a:latin typeface="Verdana" panose="020B0604030504040204" pitchFamily="34" charset="0"/>
+                <a:ea typeface="Verdana" panose="020B0604030504040204" pitchFamily="34" charset="0"/>
+              </a:rPr>
+              <a:t>       Load </a:t>
+            </a:r>
+            <a:r>
+              <a:rPr lang="en-US" sz="1600" dirty="0">
+                <a:latin typeface="Verdana" panose="020B0604030504040204" pitchFamily="34" charset="0"/>
+                <a:ea typeface="Verdana" panose="020B0604030504040204" pitchFamily="34" charset="0"/>
+              </a:rPr>
+              <a:t>data set using pandas </a:t>
+            </a:r>
+            <a:r>
+              <a:rPr lang="en-US" sz="1600" dirty="0" smtClean="0">
+                <a:latin typeface="Verdana" panose="020B0604030504040204" pitchFamily="34" charset="0"/>
+                <a:ea typeface="Verdana" panose="020B0604030504040204" pitchFamily="34" charset="0"/>
+              </a:rPr>
+              <a:t>read csv</a:t>
+            </a:r>
+            <a:r>
+              <a:rPr lang="en-US" sz="1600" dirty="0">
+                <a:latin typeface="Verdana" panose="020B0604030504040204" pitchFamily="34" charset="0"/>
+                <a:ea typeface="Verdana" panose="020B0604030504040204" pitchFamily="34" charset="0"/>
+              </a:rPr>
+              <a:t>() method.</a:t>
+            </a:r>
+            <a:endParaRPr lang="en-IN" sz="1600" dirty="0">
+              <a:latin typeface="Verdana" panose="020B0604030504040204" pitchFamily="34" charset="0"/>
+              <a:ea typeface="Verdana" panose="020B0604030504040204" pitchFamily="34" charset="0"/>
+            </a:endParaRPr>
+          </a:p>
+          <a:p>
+            <a:r>
+              <a:rPr lang="en-US" sz="1600" b="1" dirty="0">
+                <a:latin typeface="Verdana" panose="020B0604030504040204" pitchFamily="34" charset="0"/>
+                <a:ea typeface="Verdana" panose="020B0604030504040204" pitchFamily="34" charset="0"/>
+              </a:rPr>
+              <a:t>Split Data Set:</a:t>
+            </a:r>
+            <a:endParaRPr lang="en-IN" sz="1600" b="1" dirty="0">
+              <a:latin typeface="Verdana" panose="020B0604030504040204" pitchFamily="34" charset="0"/>
+              <a:ea typeface="Verdana" panose="020B0604030504040204" pitchFamily="34" charset="0"/>
+            </a:endParaRPr>
+          </a:p>
+          <a:p>
+            <a:pPr marL="114300" indent="0">
+              <a:buNone/>
+            </a:pPr>
+            <a:r>
+              <a:rPr lang="en-US" sz="1600" dirty="0" smtClean="0">
+                <a:latin typeface="Verdana" panose="020B0604030504040204" pitchFamily="34" charset="0"/>
+                <a:ea typeface="Verdana" panose="020B0604030504040204" pitchFamily="34" charset="0"/>
+              </a:rPr>
+              <a:t>     Split </a:t>
+            </a:r>
+            <a:r>
+              <a:rPr lang="en-US" sz="1600" dirty="0">
+                <a:latin typeface="Verdana" panose="020B0604030504040204" pitchFamily="34" charset="0"/>
+                <a:ea typeface="Verdana" panose="020B0604030504040204" pitchFamily="34" charset="0"/>
+              </a:rPr>
+              <a:t>the data set to two types. One is train data test and another one is </a:t>
+            </a:r>
+            <a:r>
+              <a:rPr lang="en-US" sz="1600" dirty="0" smtClean="0">
+                <a:latin typeface="Verdana" panose="020B0604030504040204" pitchFamily="34" charset="0"/>
+                <a:ea typeface="Verdana" panose="020B0604030504040204" pitchFamily="34" charset="0"/>
+              </a:rPr>
+              <a:t>        test </a:t>
+            </a:r>
+            <a:r>
+              <a:rPr lang="en-US" sz="1600" dirty="0">
+                <a:latin typeface="Verdana" panose="020B0604030504040204" pitchFamily="34" charset="0"/>
+                <a:ea typeface="Verdana" panose="020B0604030504040204" pitchFamily="34" charset="0"/>
+              </a:rPr>
+              <a:t>data set.</a:t>
+            </a:r>
+            <a:endParaRPr lang="en-IN" sz="1600" dirty="0">
+              <a:latin typeface="Verdana" panose="020B0604030504040204" pitchFamily="34" charset="0"/>
+              <a:ea typeface="Verdana" panose="020B0604030504040204" pitchFamily="34" charset="0"/>
+            </a:endParaRPr>
+          </a:p>
+          <a:p>
+            <a:r>
+              <a:rPr lang="en-US" sz="1600" b="1" dirty="0">
+                <a:latin typeface="Verdana" panose="020B0604030504040204" pitchFamily="34" charset="0"/>
+                <a:ea typeface="Verdana" panose="020B0604030504040204" pitchFamily="34" charset="0"/>
+              </a:rPr>
+              <a:t>Train data set:</a:t>
+            </a:r>
+            <a:endParaRPr lang="en-IN" sz="1600" b="1" dirty="0">
+              <a:latin typeface="Verdana" panose="020B0604030504040204" pitchFamily="34" charset="0"/>
+              <a:ea typeface="Verdana" panose="020B0604030504040204" pitchFamily="34" charset="0"/>
+            </a:endParaRPr>
+          </a:p>
+          <a:p>
+            <a:pPr marL="114300" indent="0">
+              <a:buNone/>
+            </a:pPr>
+            <a:r>
+              <a:rPr lang="en-US" sz="1600" dirty="0" smtClean="0">
+                <a:latin typeface="Verdana" panose="020B0604030504040204" pitchFamily="34" charset="0"/>
+                <a:ea typeface="Verdana" panose="020B0604030504040204" pitchFamily="34" charset="0"/>
+              </a:rPr>
+              <a:t>      Train </a:t>
+            </a:r>
+            <a:r>
+              <a:rPr lang="en-US" sz="1600" dirty="0">
+                <a:latin typeface="Verdana" panose="020B0604030504040204" pitchFamily="34" charset="0"/>
+                <a:ea typeface="Verdana" panose="020B0604030504040204" pitchFamily="34" charset="0"/>
+              </a:rPr>
+              <a:t>data set will train our data </a:t>
+            </a:r>
+            <a:r>
+              <a:rPr lang="en-US" sz="1600" dirty="0" smtClean="0">
+                <a:latin typeface="Verdana" panose="020B0604030504040204" pitchFamily="34" charset="0"/>
+                <a:ea typeface="Verdana" panose="020B0604030504040204" pitchFamily="34" charset="0"/>
+              </a:rPr>
+              <a:t>set.</a:t>
+            </a:r>
+            <a:endParaRPr lang="en-IN" sz="1600" dirty="0" smtClean="0">
+              <a:latin typeface="Verdana" panose="020B0604030504040204" pitchFamily="34" charset="0"/>
+              <a:ea typeface="Verdana" panose="020B0604030504040204" pitchFamily="34" charset="0"/>
+            </a:endParaRPr>
+          </a:p>
+          <a:p>
+            <a:r>
+              <a:rPr lang="en-US" sz="1600" b="1" dirty="0" smtClean="0">
+                <a:latin typeface="Verdana" panose="020B0604030504040204" pitchFamily="34" charset="0"/>
+                <a:ea typeface="Verdana" panose="020B0604030504040204" pitchFamily="34" charset="0"/>
+              </a:rPr>
+              <a:t>Test data set:</a:t>
+            </a:r>
+            <a:endParaRPr lang="en-IN" sz="1600" b="1" dirty="0" smtClean="0">
+              <a:latin typeface="Verdana" panose="020B0604030504040204" pitchFamily="34" charset="0"/>
+              <a:ea typeface="Verdana" panose="020B0604030504040204" pitchFamily="34" charset="0"/>
+            </a:endParaRPr>
+          </a:p>
+          <a:p>
+            <a:pPr marL="114300" indent="0">
+              <a:buNone/>
+            </a:pPr>
+            <a:r>
+              <a:rPr lang="en-US" sz="1600" dirty="0" smtClean="0">
+                <a:latin typeface="Verdana" panose="020B0604030504040204" pitchFamily="34" charset="0"/>
+                <a:ea typeface="Verdana" panose="020B0604030504040204" pitchFamily="34" charset="0"/>
+              </a:rPr>
+              <a:t>     Test </a:t>
+            </a:r>
+            <a:r>
+              <a:rPr lang="en-US" sz="1600" dirty="0">
+                <a:latin typeface="Verdana" panose="020B0604030504040204" pitchFamily="34" charset="0"/>
+                <a:ea typeface="Verdana" panose="020B0604030504040204" pitchFamily="34" charset="0"/>
+              </a:rPr>
+              <a:t>data set will test the data set using algorithm.</a:t>
+            </a:r>
+            <a:endParaRPr lang="en-IN" sz="1600" dirty="0">
+              <a:latin typeface="Verdana" panose="020B0604030504040204" pitchFamily="34" charset="0"/>
+              <a:ea typeface="Verdana" panose="020B0604030504040204" pitchFamily="34" charset="0"/>
+            </a:endParaRPr>
+          </a:p>
+          <a:p>
+            <a:r>
+              <a:rPr lang="en-US" sz="1600" b="1" dirty="0">
+                <a:latin typeface="Verdana" panose="020B0604030504040204" pitchFamily="34" charset="0"/>
+                <a:ea typeface="Verdana" panose="020B0604030504040204" pitchFamily="34" charset="0"/>
+              </a:rPr>
+              <a:t>Predict data set:</a:t>
+            </a:r>
+            <a:endParaRPr lang="en-IN" sz="1600" b="1" dirty="0">
+              <a:latin typeface="Verdana" panose="020B0604030504040204" pitchFamily="34" charset="0"/>
+              <a:ea typeface="Verdana" panose="020B0604030504040204" pitchFamily="34" charset="0"/>
+            </a:endParaRPr>
+          </a:p>
+          <a:p>
+            <a:pPr marL="114300" indent="0">
+              <a:buNone/>
+            </a:pPr>
+            <a:r>
+              <a:rPr lang="en-US" sz="1600" dirty="0" smtClean="0">
+                <a:latin typeface="Verdana" panose="020B0604030504040204" pitchFamily="34" charset="0"/>
+                <a:ea typeface="Verdana" panose="020B0604030504040204" pitchFamily="34" charset="0"/>
+              </a:rPr>
+              <a:t>    Predict</a:t>
+            </a:r>
+            <a:r>
+              <a:rPr lang="en-US" sz="1600" dirty="0">
+                <a:latin typeface="Verdana" panose="020B0604030504040204" pitchFamily="34" charset="0"/>
+                <a:ea typeface="Verdana" panose="020B0604030504040204" pitchFamily="34" charset="0"/>
+              </a:rPr>
+              <a:t>() method will predict the results.</a:t>
+            </a:r>
+            <a:endParaRPr lang="en-IN" sz="1600" dirty="0">
+              <a:latin typeface="Verdana" panose="020B0604030504040204" pitchFamily="34" charset="0"/>
+              <a:ea typeface="Verdana" panose="020B0604030504040204" pitchFamily="34" charset="0"/>
+            </a:endParaRPr>
+          </a:p>
+          <a:p>
+            <a:endParaRPr lang="en-IN" sz="1600" dirty="0"/>
+          </a:p>
+        </p:txBody>
+      </p:sp>
+    </p:spTree>
+    <p:extLst>
+      <p:ext uri="{BB962C8B-B14F-4D97-AF65-F5344CB8AC3E}">
+        <p14:creationId xmlns:p14="http://schemas.microsoft.com/office/powerpoint/2010/main" val="497421990"/>
+      </p:ext>
+    </p:extLst>
+  </p:cSld>
+  <p:clrMapOvr>
+    <a:masterClrMapping/>
+  </p:clrMapOvr>
+  <p:timing>
+    <p:tnLst>
+      <p:par>
+        <p:cTn id="1" dur="indefinite" restart="never" nodeType="tmRoot"/>
+      </p:par>
+    </p:tnLst>
+  </p:timing>
+</p:sld>
+</file>
+
+<file path=ppt/slides/slide9.xml><?xml version="1.0" encoding="utf-8"?>
+<p:sld xmlns:a="http://schemas.openxmlformats.org/drawingml/2006/main" xmlns:r="http://schemas.openxmlformats.org/officeDocument/2006/relationships" xmlns:p="http://schemas.openxmlformats.org/presentationml/2006/main">
+  <p:cSld>
+    <p:spTree>
+      <p:nvGrpSpPr>
+        <p:cNvPr id="1" name=""/>
+        <p:cNvGrpSpPr/>
+        <p:nvPr/>
+      </p:nvGrpSpPr>
+      <p:grpSpPr>
+        <a:xfrm>
+          <a:off x="0" y="0"/>
+          <a:ext cx="0" cy="0"/>
+          <a:chOff x="0" y="0"/>
+          <a:chExt cx="0" cy="0"/>
+        </a:xfrm>
+      </p:grpSpPr>
+      <p:sp>
+        <p:nvSpPr>
+          <p:cNvPr id="2" name="Title 1"/>
+          <p:cNvSpPr>
+            <a:spLocks noGrp="1"/>
+          </p:cNvSpPr>
+          <p:nvPr>
+            <p:ph type="title"/>
+          </p:nvPr>
+        </p:nvSpPr>
+        <p:spPr/>
+        <p:txBody>
+          <a:bodyPr/>
+          <a:lstStyle/>
+          <a:p>
+            <a:r>
+              <a:rPr lang="en-US" sz="1800" b="1" dirty="0" smtClean="0">
+                <a:solidFill>
+                  <a:schemeClr val="dk1"/>
+                </a:solidFill>
+                <a:latin typeface="Bookman Old Style" panose="02050604050505020204" pitchFamily="18" charset="0"/>
               </a:rPr>
               <a:t>ARCHITECTURE</a:t>
             </a:r>
-            <a:endParaRPr lang="en-IN" sz="1800" dirty="0"/>
+            <a:endParaRPr lang="en-IN" sz="1800" b="1" dirty="0">
+              <a:latin typeface="Bookman Old Style" panose="02050604050505020204" pitchFamily="18" charset="0"/>
+            </a:endParaRPr>
           </a:p>
         </p:txBody>
       </p:sp>
@@ -17836,404 +19067,7 @@
     </p:spTree>
     <p:extLst>
       <p:ext uri="{BB962C8B-B14F-4D97-AF65-F5344CB8AC3E}">
-        <p14:creationId xmlns:p14="http://schemas.microsoft.com/office/powerpoint/2010/main" val="25213814"/>
-      </p:ext>
-    </p:extLst>
-  </p:cSld>
-  <p:clrMapOvr>
-    <a:masterClrMapping/>
-  </p:clrMapOvr>
-  <p:timing>
-    <p:tnLst>
-      <p:par>
-        <p:cTn id="1" dur="indefinite" restart="never" nodeType="tmRoot"/>
-      </p:par>
-    </p:tnLst>
-  </p:timing>
-</p:sld>
-</file>
-
-<file path=ppt/slides/slide8.xml><?xml version="1.0" encoding="utf-8"?>
-<p:sld xmlns:a="http://schemas.openxmlformats.org/drawingml/2006/main" xmlns:r="http://schemas.openxmlformats.org/officeDocument/2006/relationships" xmlns:p="http://schemas.openxmlformats.org/presentationml/2006/main">
-  <p:cSld>
-    <p:spTree>
-      <p:nvGrpSpPr>
-        <p:cNvPr id="1" name=""/>
-        <p:cNvGrpSpPr/>
-        <p:nvPr/>
-      </p:nvGrpSpPr>
-      <p:grpSpPr>
-        <a:xfrm>
-          <a:off x="0" y="0"/>
-          <a:ext cx="0" cy="0"/>
-          <a:chOff x="0" y="0"/>
-          <a:chExt cx="0" cy="0"/>
-        </a:xfrm>
-      </p:grpSpPr>
-      <p:sp>
-        <p:nvSpPr>
-          <p:cNvPr id="2" name="Title 1"/>
-          <p:cNvSpPr>
-            <a:spLocks noGrp="1"/>
-          </p:cNvSpPr>
-          <p:nvPr>
-            <p:ph type="title"/>
-          </p:nvPr>
-        </p:nvSpPr>
-        <p:spPr>
-          <a:xfrm>
-            <a:off x="457200" y="76201"/>
-            <a:ext cx="8229600" cy="628650"/>
-          </a:xfrm>
-        </p:spPr>
-        <p:txBody>
-          <a:bodyPr/>
-          <a:lstStyle/>
-          <a:p>
-            <a:r>
-              <a:rPr lang="en-US" sz="1800" dirty="0" smtClean="0">
-                <a:latin typeface="Times New Roman" panose="02020603050405020304" pitchFamily="18" charset="0"/>
-                <a:cs typeface="Times New Roman" panose="02020603050405020304" pitchFamily="18" charset="0"/>
-              </a:rPr>
-              <a:t>WORKFLOW</a:t>
-            </a:r>
-            <a:endParaRPr lang="en-IN" sz="1800" dirty="0">
-              <a:latin typeface="Times New Roman" panose="02020603050405020304" pitchFamily="18" charset="0"/>
-              <a:cs typeface="Times New Roman" panose="02020603050405020304" pitchFamily="18" charset="0"/>
-            </a:endParaRPr>
-          </a:p>
-        </p:txBody>
-      </p:sp>
-      <p:pic>
-        <p:nvPicPr>
-          <p:cNvPr id="4" name="Picture 3"/>
-          <p:cNvPicPr>
-            <a:picLocks noChangeAspect="1"/>
-          </p:cNvPicPr>
-          <p:nvPr/>
-        </p:nvPicPr>
-        <p:blipFill>
-          <a:blip r:embed="rId2">
-            <a:extLst>
-              <a:ext uri="{28A0092B-C50C-407E-A947-70E740481C1C}">
-                <a14:useLocalDpi xmlns:a14="http://schemas.microsoft.com/office/drawing/2010/main" val="0"/>
-              </a:ext>
-            </a:extLst>
-          </a:blip>
-          <a:stretch>
-            <a:fillRect/>
-          </a:stretch>
-        </p:blipFill>
-        <p:spPr>
-          <a:xfrm>
-            <a:off x="85725" y="876301"/>
-            <a:ext cx="8982075" cy="5270462"/>
-          </a:xfrm>
-          <a:prstGeom prst="rect">
-            <a:avLst/>
-          </a:prstGeom>
-        </p:spPr>
-      </p:pic>
-    </p:spTree>
-    <p:extLst>
-      <p:ext uri="{BB962C8B-B14F-4D97-AF65-F5344CB8AC3E}">
-        <p14:creationId xmlns:p14="http://schemas.microsoft.com/office/powerpoint/2010/main" val="888085505"/>
-      </p:ext>
-    </p:extLst>
-  </p:cSld>
-  <p:clrMapOvr>
-    <a:masterClrMapping/>
-  </p:clrMapOvr>
-  <p:timing>
-    <p:tnLst>
-      <p:par>
-        <p:cTn id="1" dur="indefinite" restart="never" nodeType="tmRoot"/>
-      </p:par>
-    </p:tnLst>
-  </p:timing>
-</p:sld>
-</file>
-
-<file path=ppt/slides/slide9.xml><?xml version="1.0" encoding="utf-8"?>
-<p:sld xmlns:a="http://schemas.openxmlformats.org/drawingml/2006/main" xmlns:r="http://schemas.openxmlformats.org/officeDocument/2006/relationships" xmlns:p="http://schemas.openxmlformats.org/presentationml/2006/main">
-  <p:cSld>
-    <p:spTree>
-      <p:nvGrpSpPr>
-        <p:cNvPr id="1" name=""/>
-        <p:cNvGrpSpPr/>
-        <p:nvPr/>
-      </p:nvGrpSpPr>
-      <p:grpSpPr>
-        <a:xfrm>
-          <a:off x="0" y="0"/>
-          <a:ext cx="0" cy="0"/>
-          <a:chOff x="0" y="0"/>
-          <a:chExt cx="0" cy="0"/>
-        </a:xfrm>
-      </p:grpSpPr>
-      <p:sp>
-        <p:nvSpPr>
-          <p:cNvPr id="2" name="Title 1"/>
-          <p:cNvSpPr>
-            <a:spLocks noGrp="1"/>
-          </p:cNvSpPr>
-          <p:nvPr>
-            <p:ph type="title"/>
-          </p:nvPr>
-        </p:nvSpPr>
-        <p:spPr/>
-        <p:txBody>
-          <a:bodyPr/>
-          <a:lstStyle/>
-          <a:p>
-            <a:r>
-              <a:rPr lang="en-US" sz="2000" dirty="0" smtClean="0">
-                <a:solidFill>
-                  <a:schemeClr val="dk1"/>
-                </a:solidFill>
-                <a:latin typeface="Times New Roman" panose="02020603050405020304" pitchFamily="18" charset="0"/>
-                <a:cs typeface="Times New Roman" panose="02020603050405020304" pitchFamily="18" charset="0"/>
-              </a:rPr>
-              <a:t>MODULES</a:t>
-            </a:r>
-            <a:endParaRPr lang="en-IN" sz="2000" dirty="0">
-              <a:latin typeface="Times New Roman" panose="02020603050405020304" pitchFamily="18" charset="0"/>
-              <a:cs typeface="Times New Roman" panose="02020603050405020304" pitchFamily="18" charset="0"/>
-            </a:endParaRPr>
-          </a:p>
-        </p:txBody>
-      </p:sp>
-      <p:sp>
-        <p:nvSpPr>
-          <p:cNvPr id="3" name="Text Placeholder 2"/>
-          <p:cNvSpPr>
-            <a:spLocks noGrp="1"/>
-          </p:cNvSpPr>
-          <p:nvPr>
-            <p:ph type="body" idx="1"/>
-          </p:nvPr>
-        </p:nvSpPr>
-        <p:spPr/>
-        <p:txBody>
-          <a:bodyPr/>
-          <a:lstStyle/>
-          <a:p>
-            <a:r>
-              <a:rPr lang="en-US" sz="1800" b="1" dirty="0">
-                <a:latin typeface="Verdana" panose="020B0604030504040204" pitchFamily="34" charset="0"/>
-                <a:ea typeface="Verdana" panose="020B0604030504040204" pitchFamily="34" charset="0"/>
-              </a:rPr>
-              <a:t>Load Dataset:</a:t>
-            </a:r>
-            <a:endParaRPr lang="en-IN" sz="1800" b="1" dirty="0">
-              <a:latin typeface="Verdana" panose="020B0604030504040204" pitchFamily="34" charset="0"/>
-              <a:ea typeface="Verdana" panose="020B0604030504040204" pitchFamily="34" charset="0"/>
-            </a:endParaRPr>
-          </a:p>
-          <a:p>
-            <a:pPr marL="114300" indent="0">
-              <a:buNone/>
-            </a:pPr>
-            <a:r>
-              <a:rPr lang="en-US" sz="1600" dirty="0" smtClean="0">
-                <a:latin typeface="Verdana" panose="020B0604030504040204" pitchFamily="34" charset="0"/>
-                <a:ea typeface="Verdana" panose="020B0604030504040204" pitchFamily="34" charset="0"/>
-              </a:rPr>
-              <a:t>       Load </a:t>
-            </a:r>
-            <a:r>
-              <a:rPr lang="en-US" sz="1600" dirty="0">
-                <a:latin typeface="Verdana" panose="020B0604030504040204" pitchFamily="34" charset="0"/>
-                <a:ea typeface="Verdana" panose="020B0604030504040204" pitchFamily="34" charset="0"/>
-              </a:rPr>
-              <a:t>data set using pandas </a:t>
-            </a:r>
-            <a:r>
-              <a:rPr lang="en-US" sz="1600" dirty="0" smtClean="0">
-                <a:latin typeface="Verdana" panose="020B0604030504040204" pitchFamily="34" charset="0"/>
-                <a:ea typeface="Verdana" panose="020B0604030504040204" pitchFamily="34" charset="0"/>
-              </a:rPr>
-              <a:t>read csv</a:t>
-            </a:r>
-            <a:r>
-              <a:rPr lang="en-US" sz="1600" dirty="0">
-                <a:latin typeface="Verdana" panose="020B0604030504040204" pitchFamily="34" charset="0"/>
-                <a:ea typeface="Verdana" panose="020B0604030504040204" pitchFamily="34" charset="0"/>
-              </a:rPr>
-              <a:t>() method.</a:t>
-            </a:r>
-            <a:endParaRPr lang="en-IN" sz="1600" dirty="0">
-              <a:latin typeface="Verdana" panose="020B0604030504040204" pitchFamily="34" charset="0"/>
-              <a:ea typeface="Verdana" panose="020B0604030504040204" pitchFamily="34" charset="0"/>
-            </a:endParaRPr>
-          </a:p>
-          <a:p>
-            <a:r>
-              <a:rPr lang="en-US" sz="1800" b="1" dirty="0">
-                <a:latin typeface="Verdana" panose="020B0604030504040204" pitchFamily="34" charset="0"/>
-                <a:ea typeface="Verdana" panose="020B0604030504040204" pitchFamily="34" charset="0"/>
-              </a:rPr>
-              <a:t>Split Data Set:</a:t>
-            </a:r>
-            <a:endParaRPr lang="en-IN" sz="1800" b="1" dirty="0">
-              <a:latin typeface="Verdana" panose="020B0604030504040204" pitchFamily="34" charset="0"/>
-              <a:ea typeface="Verdana" panose="020B0604030504040204" pitchFamily="34" charset="0"/>
-            </a:endParaRPr>
-          </a:p>
-          <a:p>
-            <a:pPr marL="114300" indent="0">
-              <a:buNone/>
-            </a:pPr>
-            <a:r>
-              <a:rPr lang="en-US" sz="1600" dirty="0" smtClean="0">
-                <a:latin typeface="Verdana" panose="020B0604030504040204" pitchFamily="34" charset="0"/>
-                <a:ea typeface="Verdana" panose="020B0604030504040204" pitchFamily="34" charset="0"/>
-              </a:rPr>
-              <a:t>     Split </a:t>
-            </a:r>
-            <a:r>
-              <a:rPr lang="en-US" sz="1600" dirty="0">
-                <a:latin typeface="Verdana" panose="020B0604030504040204" pitchFamily="34" charset="0"/>
-                <a:ea typeface="Verdana" panose="020B0604030504040204" pitchFamily="34" charset="0"/>
-              </a:rPr>
-              <a:t>the data set to two types. One is train data test and another one is </a:t>
-            </a:r>
-            <a:r>
-              <a:rPr lang="en-US" sz="1600" dirty="0" smtClean="0">
-                <a:latin typeface="Verdana" panose="020B0604030504040204" pitchFamily="34" charset="0"/>
-                <a:ea typeface="Verdana" panose="020B0604030504040204" pitchFamily="34" charset="0"/>
-              </a:rPr>
-              <a:t>        test </a:t>
-            </a:r>
-            <a:r>
-              <a:rPr lang="en-US" sz="1600" dirty="0">
-                <a:latin typeface="Verdana" panose="020B0604030504040204" pitchFamily="34" charset="0"/>
-                <a:ea typeface="Verdana" panose="020B0604030504040204" pitchFamily="34" charset="0"/>
-              </a:rPr>
-              <a:t>data set.</a:t>
-            </a:r>
-            <a:endParaRPr lang="en-IN" sz="1600" dirty="0">
-              <a:latin typeface="Verdana" panose="020B0604030504040204" pitchFamily="34" charset="0"/>
-              <a:ea typeface="Verdana" panose="020B0604030504040204" pitchFamily="34" charset="0"/>
-            </a:endParaRPr>
-          </a:p>
-          <a:p>
-            <a:r>
-              <a:rPr lang="en-US" sz="1800" b="1" dirty="0">
-                <a:latin typeface="Verdana" panose="020B0604030504040204" pitchFamily="34" charset="0"/>
-                <a:ea typeface="Verdana" panose="020B0604030504040204" pitchFamily="34" charset="0"/>
-              </a:rPr>
-              <a:t>Train data set:</a:t>
-            </a:r>
-            <a:endParaRPr lang="en-IN" sz="1800" b="1" dirty="0">
-              <a:latin typeface="Verdana" panose="020B0604030504040204" pitchFamily="34" charset="0"/>
-              <a:ea typeface="Verdana" panose="020B0604030504040204" pitchFamily="34" charset="0"/>
-            </a:endParaRPr>
-          </a:p>
-          <a:p>
-            <a:pPr marL="114300" indent="0">
-              <a:buNone/>
-            </a:pPr>
-            <a:r>
-              <a:rPr lang="en-US" sz="1600" dirty="0" smtClean="0">
-                <a:latin typeface="Verdana" panose="020B0604030504040204" pitchFamily="34" charset="0"/>
-                <a:ea typeface="Verdana" panose="020B0604030504040204" pitchFamily="34" charset="0"/>
-              </a:rPr>
-              <a:t>      Train </a:t>
-            </a:r>
-            <a:r>
-              <a:rPr lang="en-US" sz="1600" dirty="0">
-                <a:latin typeface="Verdana" panose="020B0604030504040204" pitchFamily="34" charset="0"/>
-                <a:ea typeface="Verdana" panose="020B0604030504040204" pitchFamily="34" charset="0"/>
-              </a:rPr>
-              <a:t>data set will train our data set using fit method.</a:t>
-            </a:r>
-            <a:endParaRPr lang="en-IN" sz="1600" dirty="0">
-              <a:latin typeface="Verdana" panose="020B0604030504040204" pitchFamily="34" charset="0"/>
-              <a:ea typeface="Verdana" panose="020B0604030504040204" pitchFamily="34" charset="0"/>
-            </a:endParaRPr>
-          </a:p>
-          <a:p>
-            <a:r>
-              <a:rPr lang="en-US" sz="1800" b="1" dirty="0">
-                <a:latin typeface="Verdana" panose="020B0604030504040204" pitchFamily="34" charset="0"/>
-                <a:ea typeface="Verdana" panose="020B0604030504040204" pitchFamily="34" charset="0"/>
-              </a:rPr>
-              <a:t>Test data set:</a:t>
-            </a:r>
-            <a:endParaRPr lang="en-IN" sz="1800" b="1" dirty="0">
-              <a:latin typeface="Verdana" panose="020B0604030504040204" pitchFamily="34" charset="0"/>
-              <a:ea typeface="Verdana" panose="020B0604030504040204" pitchFamily="34" charset="0"/>
-            </a:endParaRPr>
-          </a:p>
-          <a:p>
-            <a:pPr marL="114300" indent="0">
-              <a:buNone/>
-            </a:pPr>
-            <a:r>
-              <a:rPr lang="en-US" sz="1600" dirty="0" smtClean="0">
-                <a:latin typeface="Verdana" panose="020B0604030504040204" pitchFamily="34" charset="0"/>
-                <a:ea typeface="Verdana" panose="020B0604030504040204" pitchFamily="34" charset="0"/>
-              </a:rPr>
-              <a:t>     Test </a:t>
-            </a:r>
-            <a:r>
-              <a:rPr lang="en-US" sz="1600" dirty="0">
-                <a:latin typeface="Verdana" panose="020B0604030504040204" pitchFamily="34" charset="0"/>
-                <a:ea typeface="Verdana" panose="020B0604030504040204" pitchFamily="34" charset="0"/>
-              </a:rPr>
-              <a:t>data set will test the data set using algorithm.</a:t>
-            </a:r>
-            <a:endParaRPr lang="en-IN" sz="1600" dirty="0">
-              <a:latin typeface="Verdana" panose="020B0604030504040204" pitchFamily="34" charset="0"/>
-              <a:ea typeface="Verdana" panose="020B0604030504040204" pitchFamily="34" charset="0"/>
-            </a:endParaRPr>
-          </a:p>
-          <a:p>
-            <a:r>
-              <a:rPr lang="en-US" sz="1800" b="1" dirty="0">
-                <a:latin typeface="Verdana" panose="020B0604030504040204" pitchFamily="34" charset="0"/>
-                <a:ea typeface="Verdana" panose="020B0604030504040204" pitchFamily="34" charset="0"/>
-              </a:rPr>
-              <a:t>Predict data set:</a:t>
-            </a:r>
-            <a:endParaRPr lang="en-IN" sz="1800" b="1" dirty="0">
-              <a:latin typeface="Verdana" panose="020B0604030504040204" pitchFamily="34" charset="0"/>
-              <a:ea typeface="Verdana" panose="020B0604030504040204" pitchFamily="34" charset="0"/>
-            </a:endParaRPr>
-          </a:p>
-          <a:p>
-            <a:pPr marL="114300" indent="0">
-              <a:buNone/>
-            </a:pPr>
-            <a:r>
-              <a:rPr lang="en-US" sz="1600" dirty="0" smtClean="0">
-                <a:latin typeface="Verdana" panose="020B0604030504040204" pitchFamily="34" charset="0"/>
-                <a:ea typeface="Verdana" panose="020B0604030504040204" pitchFamily="34" charset="0"/>
-              </a:rPr>
-              <a:t>    Predict</a:t>
-            </a:r>
-            <a:r>
-              <a:rPr lang="en-US" sz="1600" dirty="0">
-                <a:latin typeface="Verdana" panose="020B0604030504040204" pitchFamily="34" charset="0"/>
-                <a:ea typeface="Verdana" panose="020B0604030504040204" pitchFamily="34" charset="0"/>
-              </a:rPr>
-              <a:t>() method will predict the results.</a:t>
-            </a:r>
-            <a:endParaRPr lang="en-IN" sz="1600" dirty="0">
-              <a:latin typeface="Verdana" panose="020B0604030504040204" pitchFamily="34" charset="0"/>
-              <a:ea typeface="Verdana" panose="020B0604030504040204" pitchFamily="34" charset="0"/>
-            </a:endParaRPr>
-          </a:p>
-          <a:p>
-            <a:endParaRPr lang="en-IN" dirty="0"/>
-          </a:p>
-        </p:txBody>
-      </p:sp>
-    </p:spTree>
-    <p:extLst>
-      <p:ext uri="{BB962C8B-B14F-4D97-AF65-F5344CB8AC3E}">
-        <p14:creationId xmlns:p14="http://schemas.microsoft.com/office/powerpoint/2010/main" val="3214186107"/>
+        <p14:creationId xmlns:p14="http://schemas.microsoft.com/office/powerpoint/2010/main" val="2517529266"/>
       </p:ext>
     </p:extLst>
   </p:cSld>
